--- a/week02/文本分析與程式設計Week02.pptx
+++ b/week02/文本分析與程式設計Week02.pptx
@@ -5,61 +5,69 @@
     <p:sldMasterId id="2147483690" r:id="rId1"/>
   </p:sldMasterIdLst>
   <p:notesMasterIdLst>
-    <p:notesMasterId r:id="rId54"/>
+    <p:notesMasterId r:id="rId62"/>
   </p:notesMasterIdLst>
   <p:sldIdLst>
     <p:sldId id="256" r:id="rId2"/>
-    <p:sldId id="257" r:id="rId3"/>
-    <p:sldId id="261" r:id="rId4"/>
-    <p:sldId id="268" r:id="rId5"/>
-    <p:sldId id="269" r:id="rId6"/>
-    <p:sldId id="270" r:id="rId7"/>
-    <p:sldId id="271" r:id="rId8"/>
-    <p:sldId id="272" r:id="rId9"/>
-    <p:sldId id="273" r:id="rId10"/>
-    <p:sldId id="264" r:id="rId11"/>
-    <p:sldId id="274" r:id="rId12"/>
-    <p:sldId id="276" r:id="rId13"/>
-    <p:sldId id="275" r:id="rId14"/>
-    <p:sldId id="265" r:id="rId15"/>
-    <p:sldId id="267" r:id="rId16"/>
-    <p:sldId id="278" r:id="rId17"/>
-    <p:sldId id="279" r:id="rId18"/>
-    <p:sldId id="280" r:id="rId19"/>
-    <p:sldId id="281" r:id="rId20"/>
-    <p:sldId id="282" r:id="rId21"/>
-    <p:sldId id="283" r:id="rId22"/>
-    <p:sldId id="284" r:id="rId23"/>
-    <p:sldId id="285" r:id="rId24"/>
-    <p:sldId id="287" r:id="rId25"/>
-    <p:sldId id="286" r:id="rId26"/>
-    <p:sldId id="305" r:id="rId27"/>
-    <p:sldId id="288" r:id="rId28"/>
-    <p:sldId id="289" r:id="rId29"/>
-    <p:sldId id="290" r:id="rId30"/>
-    <p:sldId id="291" r:id="rId31"/>
-    <p:sldId id="292" r:id="rId32"/>
-    <p:sldId id="293" r:id="rId33"/>
-    <p:sldId id="263" r:id="rId34"/>
-    <p:sldId id="294" r:id="rId35"/>
-    <p:sldId id="306" r:id="rId36"/>
-    <p:sldId id="297" r:id="rId37"/>
-    <p:sldId id="298" r:id="rId38"/>
-    <p:sldId id="307" r:id="rId39"/>
-    <p:sldId id="299" r:id="rId40"/>
-    <p:sldId id="300" r:id="rId41"/>
-    <p:sldId id="301" r:id="rId42"/>
-    <p:sldId id="302" r:id="rId43"/>
-    <p:sldId id="303" r:id="rId44"/>
-    <p:sldId id="304" r:id="rId45"/>
-    <p:sldId id="308" r:id="rId46"/>
-    <p:sldId id="309" r:id="rId47"/>
-    <p:sldId id="314" r:id="rId48"/>
-    <p:sldId id="310" r:id="rId49"/>
-    <p:sldId id="311" r:id="rId50"/>
-    <p:sldId id="312" r:id="rId51"/>
-    <p:sldId id="313" r:id="rId52"/>
-    <p:sldId id="315" r:id="rId53"/>
+    <p:sldId id="323" r:id="rId3"/>
+    <p:sldId id="257" r:id="rId4"/>
+    <p:sldId id="261" r:id="rId5"/>
+    <p:sldId id="268" r:id="rId6"/>
+    <p:sldId id="269" r:id="rId7"/>
+    <p:sldId id="270" r:id="rId8"/>
+    <p:sldId id="271" r:id="rId9"/>
+    <p:sldId id="272" r:id="rId10"/>
+    <p:sldId id="273" r:id="rId11"/>
+    <p:sldId id="264" r:id="rId12"/>
+    <p:sldId id="274" r:id="rId13"/>
+    <p:sldId id="276" r:id="rId14"/>
+    <p:sldId id="275" r:id="rId15"/>
+    <p:sldId id="265" r:id="rId16"/>
+    <p:sldId id="267" r:id="rId17"/>
+    <p:sldId id="278" r:id="rId18"/>
+    <p:sldId id="279" r:id="rId19"/>
+    <p:sldId id="280" r:id="rId20"/>
+    <p:sldId id="281" r:id="rId21"/>
+    <p:sldId id="282" r:id="rId22"/>
+    <p:sldId id="283" r:id="rId23"/>
+    <p:sldId id="284" r:id="rId24"/>
+    <p:sldId id="285" r:id="rId25"/>
+    <p:sldId id="287" r:id="rId26"/>
+    <p:sldId id="286" r:id="rId27"/>
+    <p:sldId id="317" r:id="rId28"/>
+    <p:sldId id="301" r:id="rId29"/>
+    <p:sldId id="302" r:id="rId30"/>
+    <p:sldId id="318" r:id="rId31"/>
+    <p:sldId id="319" r:id="rId32"/>
+    <p:sldId id="316" r:id="rId33"/>
+    <p:sldId id="320" r:id="rId34"/>
+    <p:sldId id="321" r:id="rId35"/>
+    <p:sldId id="322" r:id="rId36"/>
+    <p:sldId id="305" r:id="rId37"/>
+    <p:sldId id="288" r:id="rId38"/>
+    <p:sldId id="289" r:id="rId39"/>
+    <p:sldId id="290" r:id="rId40"/>
+    <p:sldId id="291" r:id="rId41"/>
+    <p:sldId id="292" r:id="rId42"/>
+    <p:sldId id="293" r:id="rId43"/>
+    <p:sldId id="263" r:id="rId44"/>
+    <p:sldId id="294" r:id="rId45"/>
+    <p:sldId id="306" r:id="rId46"/>
+    <p:sldId id="297" r:id="rId47"/>
+    <p:sldId id="298" r:id="rId48"/>
+    <p:sldId id="307" r:id="rId49"/>
+    <p:sldId id="299" r:id="rId50"/>
+    <p:sldId id="300" r:id="rId51"/>
+    <p:sldId id="303" r:id="rId52"/>
+    <p:sldId id="304" r:id="rId53"/>
+    <p:sldId id="308" r:id="rId54"/>
+    <p:sldId id="309" r:id="rId55"/>
+    <p:sldId id="314" r:id="rId56"/>
+    <p:sldId id="310" r:id="rId57"/>
+    <p:sldId id="311" r:id="rId58"/>
+    <p:sldId id="312" r:id="rId59"/>
+    <p:sldId id="313" r:id="rId60"/>
+    <p:sldId id="315" r:id="rId61"/>
   </p:sldIdLst>
   <p:sldSz cx="12192000" cy="6858000"/>
   <p:notesSz cx="7099300" cy="10234613"/>
@@ -297,7 +305,7 @@
       <p15:sldGuideLst xmlns:p15="http://schemas.microsoft.com/office/powerpoint/2012/main"/>
     </p:ext>
     <p:ext uri="http://customooxmlschemas.google.com/">
-      <go:slidesCustomData xmlns:go="http://customooxmlschemas.google.com/" xmlns:ahyp="http://schemas.microsoft.com/office/drawing/2018/hyperlinkcolor" xmlns:p15="http://schemas.microsoft.com/office/powerpoint/2012/main" xmlns:p14="http://schemas.microsoft.com/office/powerpoint/2010/main" xmlns:com="http://schemas.openxmlformats.org/drawingml/2006/compatibility" xmlns:pvml="urn:schemas-microsoft-com:office:powerpoint" xmlns:v="urn:schemas-microsoft-com:vml" xmlns:o="urn:schemas-microsoft-com:office:office" xmlns:dgm="http://schemas.openxmlformats.org/drawingml/2006/diagram" xmlns:c="http://schemas.openxmlformats.org/drawingml/2006/chart" xmlns:mv="urn:schemas-microsoft-com:mac:vml" xmlns:mc="http://schemas.openxmlformats.org/markup-compatibility/2006" xmlns="" r:id="rId55" roundtripDataSignature="AMtx7mjdcmhsf5qhXmMRw4mkjP7VT7/UtQ=="/>
+      <go:slidesCustomData xmlns="" xmlns:mc="http://schemas.openxmlformats.org/markup-compatibility/2006" xmlns:mv="urn:schemas-microsoft-com:mac:vml" xmlns:c="http://schemas.openxmlformats.org/drawingml/2006/chart" xmlns:dgm="http://schemas.openxmlformats.org/drawingml/2006/diagram" xmlns:o="urn:schemas-microsoft-com:office:office" xmlns:v="urn:schemas-microsoft-com:vml" xmlns:pvml="urn:schemas-microsoft-com:office:powerpoint" xmlns:com="http://schemas.openxmlformats.org/drawingml/2006/compatibility" xmlns:p14="http://schemas.microsoft.com/office/powerpoint/2010/main" xmlns:p15="http://schemas.microsoft.com/office/powerpoint/2012/main" xmlns:ahyp="http://schemas.microsoft.com/office/drawing/2018/hyperlinkcolor" xmlns:go="http://customooxmlschemas.google.com/" r:id="rId63" roundtripDataSignature="AMtx7mjdcmhsf5qhXmMRw4mkjP7VT7/UtQ=="/>
     </p:ext>
   </p:extLst>
 </p:presentation>
@@ -1750,7 +1758,7 @@
             </a:pPr>
             <a:fld id="{00000000-1234-1234-1234-123412341234}" type="slidenum">
               <a:rPr lang="en-US" altLang="zh-TW"/>
-              <a:t>17</a:t>
+              <a:t>18</a:t>
             </a:fld>
             <a:endParaRPr/>
           </a:p>
@@ -1919,7 +1927,7 @@
             </a:pPr>
             <a:fld id="{00000000-1234-1234-1234-123412341234}" type="slidenum">
               <a:rPr lang="en-US" altLang="zh-TW"/>
-              <a:t>18</a:t>
+              <a:t>19</a:t>
             </a:fld>
             <a:endParaRPr/>
           </a:p>
@@ -2088,7 +2096,7 @@
             </a:pPr>
             <a:fld id="{00000000-1234-1234-1234-123412341234}" type="slidenum">
               <a:rPr lang="en-US" altLang="zh-TW"/>
-              <a:t>19</a:t>
+              <a:t>20</a:t>
             </a:fld>
             <a:endParaRPr/>
           </a:p>
@@ -2257,7 +2265,7 @@
             </a:pPr>
             <a:fld id="{00000000-1234-1234-1234-123412341234}" type="slidenum">
               <a:rPr lang="en-US" altLang="zh-TW"/>
-              <a:t>20</a:t>
+              <a:t>21</a:t>
             </a:fld>
             <a:endParaRPr/>
           </a:p>
@@ -2426,7 +2434,7 @@
             </a:pPr>
             <a:fld id="{00000000-1234-1234-1234-123412341234}" type="slidenum">
               <a:rPr lang="en-US" altLang="zh-TW"/>
-              <a:t>21</a:t>
+              <a:t>22</a:t>
             </a:fld>
             <a:endParaRPr/>
           </a:p>
@@ -2595,7 +2603,7 @@
             </a:pPr>
             <a:fld id="{00000000-1234-1234-1234-123412341234}" type="slidenum">
               <a:rPr lang="en-US" altLang="zh-TW"/>
-              <a:t>22</a:t>
+              <a:t>23</a:t>
             </a:fld>
             <a:endParaRPr/>
           </a:p>
@@ -2764,7 +2772,7 @@
             </a:pPr>
             <a:fld id="{00000000-1234-1234-1234-123412341234}" type="slidenum">
               <a:rPr lang="en-US" altLang="zh-TW"/>
-              <a:t>23</a:t>
+              <a:t>24</a:t>
             </a:fld>
             <a:endParaRPr/>
           </a:p>
@@ -2933,7 +2941,7 @@
             </a:pPr>
             <a:fld id="{00000000-1234-1234-1234-123412341234}" type="slidenum">
               <a:rPr lang="en-US" altLang="zh-TW"/>
-              <a:t>25</a:t>
+              <a:t>26</a:t>
             </a:fld>
             <a:endParaRPr/>
           </a:p>
@@ -3102,7 +3110,7 @@
             </a:pPr>
             <a:fld id="{00000000-1234-1234-1234-123412341234}" type="slidenum">
               <a:rPr lang="en-US" altLang="zh-TW"/>
-              <a:t>45</a:t>
+              <a:t>53</a:t>
             </a:fld>
             <a:endParaRPr/>
           </a:p>
@@ -3271,7 +3279,7 @@
             </a:pPr>
             <a:fld id="{00000000-1234-1234-1234-123412341234}" type="slidenum">
               <a:rPr lang="en-US" altLang="zh-TW"/>
-              <a:t>2</a:t>
+              <a:t>3</a:t>
             </a:fld>
             <a:endParaRPr/>
           </a:p>
@@ -3435,7 +3443,7 @@
             </a:pPr>
             <a:fld id="{00000000-1234-1234-1234-123412341234}" type="slidenum">
               <a:rPr lang="en-US" altLang="zh-TW"/>
-              <a:t>3</a:t>
+              <a:t>4</a:t>
             </a:fld>
             <a:endParaRPr/>
           </a:p>
@@ -3604,7 +3612,7 @@
             </a:pPr>
             <a:fld id="{00000000-1234-1234-1234-123412341234}" type="slidenum">
               <a:rPr lang="en-US" altLang="zh-TW"/>
-              <a:t>11</a:t>
+              <a:t>12</a:t>
             </a:fld>
             <a:endParaRPr/>
           </a:p>
@@ -3773,7 +3781,7 @@
             </a:pPr>
             <a:fld id="{00000000-1234-1234-1234-123412341234}" type="slidenum">
               <a:rPr lang="en-US" altLang="zh-TW"/>
-              <a:t>12</a:t>
+              <a:t>13</a:t>
             </a:fld>
             <a:endParaRPr/>
           </a:p>
@@ -3942,7 +3950,7 @@
             </a:pPr>
             <a:fld id="{00000000-1234-1234-1234-123412341234}" type="slidenum">
               <a:rPr lang="en-US" altLang="zh-TW"/>
-              <a:t>13</a:t>
+              <a:t>14</a:t>
             </a:fld>
             <a:endParaRPr/>
           </a:p>
@@ -4111,7 +4119,7 @@
             </a:pPr>
             <a:fld id="{00000000-1234-1234-1234-123412341234}" type="slidenum">
               <a:rPr lang="en-US" altLang="zh-TW"/>
-              <a:t>14</a:t>
+              <a:t>15</a:t>
             </a:fld>
             <a:endParaRPr/>
           </a:p>
@@ -4280,7 +4288,7 @@
             </a:pPr>
             <a:fld id="{00000000-1234-1234-1234-123412341234}" type="slidenum">
               <a:rPr lang="en-US" altLang="zh-TW"/>
-              <a:t>15</a:t>
+              <a:t>16</a:t>
             </a:fld>
             <a:endParaRPr/>
           </a:p>
@@ -4449,7 +4457,7 @@
             </a:pPr>
             <a:fld id="{00000000-1234-1234-1234-123412341234}" type="slidenum">
               <a:rPr lang="en-US" altLang="zh-TW"/>
-              <a:t>16</a:t>
+              <a:t>17</a:t>
             </a:fld>
             <a:endParaRPr/>
           </a:p>
@@ -22694,6 +22702,369 @@
           <p:cNvPr id="2" name="標題 1">
             <a:extLst>
               <a:ext uri="{FF2B5EF4-FFF2-40B4-BE49-F238E27FC236}">
+                <a16:creationId xmlns:a16="http://schemas.microsoft.com/office/drawing/2014/main" id="{B3E0675C-79E7-42A5-B6AA-B46945929C44}"/>
+              </a:ext>
+            </a:extLst>
+          </p:cNvPr>
+          <p:cNvSpPr>
+            <a:spLocks noGrp="1"/>
+          </p:cNvSpPr>
+          <p:nvPr>
+            <p:ph type="title"/>
+          </p:nvPr>
+        </p:nvSpPr>
+        <p:spPr/>
+        <p:txBody>
+          <a:bodyPr/>
+          <a:lstStyle/>
+          <a:p>
+            <a:r>
+              <a:rPr lang="zh-TW" altLang="en-US" dirty="0">
+                <a:latin typeface="微軟正黑體" panose="020B0604030504040204" pitchFamily="34" charset="-120"/>
+                <a:ea typeface="微軟正黑體" panose="020B0604030504040204" pitchFamily="34" charset="-120"/>
+              </a:rPr>
+              <a:t>特徵詞取得方法</a:t>
+            </a:r>
+            <a:endParaRPr lang="zh-TW" altLang="en-US" dirty="0"/>
+          </a:p>
+        </p:txBody>
+      </p:sp>
+      <p:sp>
+        <p:nvSpPr>
+          <p:cNvPr id="3" name="文字版面配置區 2">
+            <a:extLst>
+              <a:ext uri="{FF2B5EF4-FFF2-40B4-BE49-F238E27FC236}">
+                <a16:creationId xmlns:a16="http://schemas.microsoft.com/office/drawing/2014/main" id="{74137762-9657-4688-AB4F-CEE55A5DEC27}"/>
+              </a:ext>
+            </a:extLst>
+          </p:cNvPr>
+          <p:cNvSpPr>
+            <a:spLocks noGrp="1"/>
+          </p:cNvSpPr>
+          <p:nvPr>
+            <p:ph type="body" idx="1"/>
+          </p:nvPr>
+        </p:nvSpPr>
+        <p:spPr/>
+        <p:txBody>
+          <a:bodyPr>
+            <a:normAutofit/>
+          </a:bodyPr>
+          <a:lstStyle/>
+          <a:p>
+            <a:endParaRPr lang="en-US" altLang="zh-TW" dirty="0"/>
+          </a:p>
+          <a:p>
+            <a:endParaRPr lang="en-US" altLang="zh-TW" dirty="0"/>
+          </a:p>
+          <a:p>
+            <a:endParaRPr lang="en-US" altLang="zh-TW" dirty="0"/>
+          </a:p>
+          <a:p>
+            <a:endParaRPr lang="en-US" altLang="zh-TW" dirty="0"/>
+          </a:p>
+          <a:p>
+            <a:r>
+              <a:rPr lang="zh-TW" altLang="en-US" dirty="0">
+                <a:latin typeface="+mn-lt"/>
+                <a:ea typeface="微軟正黑體" panose="020B0604030504040204" pitchFamily="34" charset="-120"/>
+              </a:rPr>
+              <a:t>我們有三種方法</a:t>
+            </a:r>
+            <a:endParaRPr lang="en-US" altLang="zh-TW" dirty="0">
+              <a:latin typeface="+mn-lt"/>
+              <a:ea typeface="微軟正黑體" panose="020B0604030504040204" pitchFamily="34" charset="-120"/>
+            </a:endParaRPr>
+          </a:p>
+          <a:p>
+            <a:pPr lvl="1"/>
+            <a:r>
+              <a:rPr lang="zh-TW" altLang="zh-TW" dirty="0">
+                <a:latin typeface="+mn-lt"/>
+                <a:ea typeface="微軟正黑體" panose="020B0604030504040204" pitchFamily="34" charset="-120"/>
+              </a:rPr>
+              <a:t>取 TF-IDF</a:t>
+            </a:r>
+            <a:endParaRPr lang="en-US" altLang="zh-TW" dirty="0">
+              <a:latin typeface="+mn-lt"/>
+              <a:ea typeface="微軟正黑體" panose="020B0604030504040204" pitchFamily="34" charset="-120"/>
+            </a:endParaRPr>
+          </a:p>
+          <a:p>
+            <a:pPr lvl="1"/>
+            <a:r>
+              <a:rPr lang="zh-TW" altLang="en-US" dirty="0">
+                <a:latin typeface="+mn-lt"/>
+                <a:ea typeface="微軟正黑體" panose="020B0604030504040204" pitchFamily="34" charset="-120"/>
+              </a:rPr>
+              <a:t>看詞性</a:t>
+            </a:r>
+            <a:endParaRPr lang="en-US" altLang="zh-TW" dirty="0">
+              <a:latin typeface="+mn-lt"/>
+              <a:ea typeface="微軟正黑體" panose="020B0604030504040204" pitchFamily="34" charset="-120"/>
+            </a:endParaRPr>
+          </a:p>
+          <a:p>
+            <a:pPr lvl="1"/>
+            <a:r>
+              <a:rPr lang="zh-TW" altLang="en-US" dirty="0">
+                <a:latin typeface="+mn-lt"/>
+                <a:ea typeface="微軟正黑體" panose="020B0604030504040204" pitchFamily="34" charset="-120"/>
+              </a:rPr>
+              <a:t>看</a:t>
+            </a:r>
+            <a:r>
+              <a:rPr lang="zh-TW" altLang="zh-TW" dirty="0">
+                <a:latin typeface="+mn-lt"/>
+                <a:ea typeface="微軟正黑體" panose="020B0604030504040204" pitchFamily="34" charset="-120"/>
+              </a:rPr>
+              <a:t>「人、事、時、地、物」</a:t>
+            </a:r>
+            <a:endParaRPr lang="en-US" altLang="zh-TW" dirty="0">
+              <a:latin typeface="+mn-lt"/>
+              <a:ea typeface="微軟正黑體" panose="020B0604030504040204" pitchFamily="34" charset="-120"/>
+            </a:endParaRPr>
+          </a:p>
+          <a:p>
+            <a:pPr lvl="1"/>
+            <a:endParaRPr lang="en-US" altLang="zh-TW" dirty="0"/>
+          </a:p>
+        </p:txBody>
+      </p:sp>
+      <p:sp>
+        <p:nvSpPr>
+          <p:cNvPr id="4" name="投影片編號版面配置區 3">
+            <a:extLst>
+              <a:ext uri="{FF2B5EF4-FFF2-40B4-BE49-F238E27FC236}">
+                <a16:creationId xmlns:a16="http://schemas.microsoft.com/office/drawing/2014/main" id="{2205FEBD-BA6E-4497-9864-6CCFC7F733C5}"/>
+              </a:ext>
+            </a:extLst>
+          </p:cNvPr>
+          <p:cNvSpPr>
+            <a:spLocks noGrp="1"/>
+          </p:cNvSpPr>
+          <p:nvPr>
+            <p:ph type="sldNum" idx="12"/>
+          </p:nvPr>
+        </p:nvSpPr>
+        <p:spPr/>
+        <p:txBody>
+          <a:bodyPr/>
+          <a:lstStyle/>
+          <a:p>
+            <a:pPr marL="0" lvl="0" indent="0" algn="r" rtl="0">
+              <a:spcBef>
+                <a:spcPts val="0"/>
+              </a:spcBef>
+              <a:spcAft>
+                <a:spcPts val="0"/>
+              </a:spcAft>
+              <a:buNone/>
+            </a:pPr>
+            <a:fld id="{00000000-1234-1234-1234-123412341234}" type="slidenum">
+              <a:rPr lang="en-US" altLang="zh-TW" smtClean="0"/>
+              <a:t>10</a:t>
+            </a:fld>
+            <a:endParaRPr lang="zh-TW" altLang="en-US"/>
+          </a:p>
+        </p:txBody>
+      </p:sp>
+      <p:pic>
+        <p:nvPicPr>
+          <p:cNvPr id="5" name="圖片 4">
+            <a:extLst>
+              <a:ext uri="{FF2B5EF4-FFF2-40B4-BE49-F238E27FC236}">
+                <a16:creationId xmlns:a16="http://schemas.microsoft.com/office/drawing/2014/main" id="{915089AF-8313-4458-B4E0-1FBC450704F5}"/>
+              </a:ext>
+            </a:extLst>
+          </p:cNvPr>
+          <p:cNvPicPr>
+            <a:picLocks noChangeAspect="1"/>
+          </p:cNvPicPr>
+          <p:nvPr/>
+        </p:nvPicPr>
+        <p:blipFill>
+          <a:blip r:embed="rId2"/>
+          <a:stretch>
+            <a:fillRect/>
+          </a:stretch>
+        </p:blipFill>
+        <p:spPr>
+          <a:xfrm>
+            <a:off x="219242" y="1188825"/>
+            <a:ext cx="10250330" cy="2400635"/>
+          </a:xfrm>
+          <a:prstGeom prst="rect">
+            <a:avLst/>
+          </a:prstGeom>
+        </p:spPr>
+      </p:pic>
+      <p:sp>
+        <p:nvSpPr>
+          <p:cNvPr id="6" name="Rectangle 5">
+            <a:extLst>
+              <a:ext uri="{FF2B5EF4-FFF2-40B4-BE49-F238E27FC236}">
+                <a16:creationId xmlns:a16="http://schemas.microsoft.com/office/drawing/2014/main" id="{BD7C322F-ECAB-4652-B311-759805B879C1}"/>
+              </a:ext>
+            </a:extLst>
+          </p:cNvPr>
+          <p:cNvSpPr/>
+          <p:nvPr/>
+        </p:nvSpPr>
+        <p:spPr>
+          <a:xfrm>
+            <a:off x="1544320" y="6415589"/>
+            <a:ext cx="9961165" cy="432000"/>
+          </a:xfrm>
+          <a:prstGeom prst="rect">
+            <a:avLst/>
+          </a:prstGeom>
+          <a:gradFill flip="none" rotWithShape="1">
+            <a:gsLst>
+              <a:gs pos="0">
+                <a:srgbClr val="20A4D6"/>
+              </a:gs>
+              <a:gs pos="100000">
+                <a:srgbClr val="86D7F3">
+                  <a:shade val="100000"/>
+                  <a:satMod val="115000"/>
+                </a:srgbClr>
+              </a:gs>
+            </a:gsLst>
+            <a:path path="circle">
+              <a:fillToRect l="100000" t="100000"/>
+            </a:path>
+            <a:tileRect r="-100000" b="-100000"/>
+          </a:gradFill>
+          <a:ln>
+            <a:noFill/>
+          </a:ln>
+        </p:spPr>
+        <p:style>
+          <a:lnRef idx="2">
+            <a:schemeClr val="accent1">
+              <a:shade val="50000"/>
+            </a:schemeClr>
+          </a:lnRef>
+          <a:fillRef idx="1">
+            <a:schemeClr val="accent1"/>
+          </a:fillRef>
+          <a:effectRef idx="0">
+            <a:schemeClr val="accent1"/>
+          </a:effectRef>
+          <a:fontRef idx="minor">
+            <a:schemeClr val="lt1"/>
+          </a:fontRef>
+        </p:style>
+        <p:txBody>
+          <a:bodyPr rtlCol="0" anchor="ctr"/>
+          <a:lstStyle/>
+          <a:p>
+            <a:r>
+              <a:rPr lang="zh-TW" altLang="en-US" sz="1100" b="1" dirty="0">
+                <a:solidFill>
+                  <a:schemeClr val="tx1"/>
+                </a:solidFill>
+                <a:latin typeface="微軟正黑體" panose="020B0604030504040204" pitchFamily="34" charset="-120"/>
+                <a:ea typeface="微軟正黑體" panose="020B0604030504040204" pitchFamily="34" charset="-120"/>
+              </a:rPr>
+              <a:t>推動大學程式設計教學計畫。分項六</a:t>
+            </a:r>
+            <a:r>
+              <a:rPr lang="en-US" altLang="zh-TW" sz="1100" b="1" dirty="0">
+                <a:solidFill>
+                  <a:schemeClr val="tx1"/>
+                </a:solidFill>
+                <a:latin typeface="微軟正黑體" panose="020B0604030504040204" pitchFamily="34" charset="-120"/>
+                <a:ea typeface="微軟正黑體" panose="020B0604030504040204" pitchFamily="34" charset="-120"/>
+              </a:rPr>
+              <a:t>:</a:t>
+            </a:r>
+            <a:r>
+              <a:rPr lang="zh-TW" altLang="en-US" sz="1100" b="1" dirty="0">
+                <a:solidFill>
+                  <a:schemeClr val="tx1"/>
+                </a:solidFill>
+                <a:latin typeface="微軟正黑體" panose="020B0604030504040204" pitchFamily="34" charset="-120"/>
+                <a:ea typeface="微軟正黑體" panose="020B0604030504040204" pitchFamily="34" charset="-120"/>
+              </a:rPr>
+              <a:t>資料分析領域與學習評量推動團隊</a:t>
+            </a:r>
+            <a:r>
+              <a:rPr lang="en-US" altLang="zh-TW" sz="1100" b="1" dirty="0">
+                <a:solidFill>
+                  <a:schemeClr val="tx1"/>
+                </a:solidFill>
+                <a:latin typeface="微軟正黑體" panose="020B0604030504040204" pitchFamily="34" charset="-120"/>
+                <a:ea typeface="微軟正黑體" panose="020B0604030504040204" pitchFamily="34" charset="-120"/>
+              </a:rPr>
+              <a:t>(</a:t>
+            </a:r>
+            <a:r>
+              <a:rPr lang="zh-TW" altLang="en-US" sz="1100" b="1" dirty="0">
+                <a:solidFill>
+                  <a:schemeClr val="tx1"/>
+                </a:solidFill>
+                <a:latin typeface="微軟正黑體" panose="020B0604030504040204" pitchFamily="34" charset="-120"/>
+                <a:ea typeface="微軟正黑體" panose="020B0604030504040204" pitchFamily="34" charset="-120"/>
+              </a:rPr>
+              <a:t>王文傑老師主編，林融、蘇洪寬協助編輯</a:t>
+            </a:r>
+            <a:r>
+              <a:rPr lang="en-US" altLang="zh-TW" sz="1100" b="1" dirty="0">
+                <a:solidFill>
+                  <a:schemeClr val="tx1"/>
+                </a:solidFill>
+                <a:latin typeface="微軟正黑體" panose="020B0604030504040204" pitchFamily="34" charset="-120"/>
+                <a:ea typeface="微軟正黑體" panose="020B0604030504040204" pitchFamily="34" charset="-120"/>
+              </a:rPr>
+              <a:t>)</a:t>
+            </a:r>
+            <a:endParaRPr lang="zh-TW" altLang="en-US" sz="1100" b="1" dirty="0">
+              <a:solidFill>
+                <a:schemeClr val="tx1"/>
+              </a:solidFill>
+              <a:latin typeface="微軟正黑體" panose="020B0604030504040204" pitchFamily="34" charset="-120"/>
+              <a:ea typeface="微軟正黑體" panose="020B0604030504040204" pitchFamily="34" charset="-120"/>
+            </a:endParaRPr>
+          </a:p>
+        </p:txBody>
+      </p:sp>
+    </p:spTree>
+    <p:extLst>
+      <p:ext uri="{BB962C8B-B14F-4D97-AF65-F5344CB8AC3E}">
+        <p14:creationId xmlns:p14="http://schemas.microsoft.com/office/powerpoint/2010/main" val="1625552802"/>
+      </p:ext>
+    </p:extLst>
+  </p:cSld>
+  <p:clrMapOvr>
+    <a:masterClrMapping/>
+  </p:clrMapOvr>
+</p:sld>
+</file>
+
+<file path=ppt/slides/slide11.xml><?xml version="1.0" encoding="utf-8"?>
+<p:sld xmlns:a="http://schemas.openxmlformats.org/drawingml/2006/main" xmlns:r="http://schemas.openxmlformats.org/officeDocument/2006/relationships" xmlns:p="http://schemas.openxmlformats.org/presentationml/2006/main">
+  <p:cSld>
+    <p:spTree>
+      <p:nvGrpSpPr>
+        <p:cNvPr id="1" name=""/>
+        <p:cNvGrpSpPr/>
+        <p:nvPr/>
+      </p:nvGrpSpPr>
+      <p:grpSpPr>
+        <a:xfrm>
+          <a:off x="0" y="0"/>
+          <a:ext cx="0" cy="0"/>
+          <a:chOff x="0" y="0"/>
+          <a:chExt cx="0" cy="0"/>
+        </a:xfrm>
+      </p:grpSpPr>
+      <p:sp>
+        <p:nvSpPr>
+          <p:cNvPr id="2" name="標題 1">
+            <a:extLst>
+              <a:ext uri="{FF2B5EF4-FFF2-40B4-BE49-F238E27FC236}">
                 <a16:creationId xmlns:a16="http://schemas.microsoft.com/office/drawing/2014/main" id="{F43B6DFD-10B4-48AE-9BDD-7BEAB098F14B}"/>
               </a:ext>
             </a:extLst>
@@ -22791,7 +23162,7 @@
             </a:pPr>
             <a:fld id="{00000000-1234-1234-1234-123412341234}" type="slidenum">
               <a:rPr lang="en-US" altLang="zh-TW" smtClean="0"/>
-              <a:t>10</a:t>
+              <a:t>11</a:t>
             </a:fld>
             <a:endParaRPr lang="zh-TW" altLang="en-US"/>
           </a:p>
@@ -22810,7 +23181,7 @@
 </p:sld>
 </file>
 
-<file path=ppt/slides/slide11.xml><?xml version="1.0" encoding="utf-8"?>
+<file path=ppt/slides/slide12.xml><?xml version="1.0" encoding="utf-8"?>
 <p:sld xmlns:a="http://schemas.openxmlformats.org/drawingml/2006/main" xmlns:r="http://schemas.openxmlformats.org/officeDocument/2006/relationships" xmlns:p="http://schemas.openxmlformats.org/presentationml/2006/main">
   <p:cSld>
     <p:spTree>
@@ -23035,7 +23406,7 @@
             </a:pPr>
             <a:fld id="{00000000-1234-1234-1234-123412341234}" type="slidenum">
               <a:rPr lang="en-US" altLang="zh-TW"/>
-              <a:t>11</a:t>
+              <a:t>12</a:t>
             </a:fld>
             <a:endParaRPr/>
           </a:p>
@@ -23185,7 +23556,7 @@
 </p:sld>
 </file>
 
-<file path=ppt/slides/slide12.xml><?xml version="1.0" encoding="utf-8"?>
+<file path=ppt/slides/slide13.xml><?xml version="1.0" encoding="utf-8"?>
 <p:sld xmlns:a="http://schemas.openxmlformats.org/drawingml/2006/main" xmlns:r="http://schemas.openxmlformats.org/officeDocument/2006/relationships" xmlns:p="http://schemas.openxmlformats.org/presentationml/2006/main">
   <p:cSld>
     <p:spTree>
@@ -23412,7 +23783,7 @@
             </a:pPr>
             <a:fld id="{00000000-1234-1234-1234-123412341234}" type="slidenum">
               <a:rPr lang="en-US" altLang="zh-TW"/>
-              <a:t>12</a:t>
+              <a:t>13</a:t>
             </a:fld>
             <a:endParaRPr/>
           </a:p>
@@ -23592,7 +23963,7 @@
 </p:sld>
 </file>
 
-<file path=ppt/slides/slide13.xml><?xml version="1.0" encoding="utf-8"?>
+<file path=ppt/slides/slide14.xml><?xml version="1.0" encoding="utf-8"?>
 <p:sld xmlns:a="http://schemas.openxmlformats.org/drawingml/2006/main" xmlns:r="http://schemas.openxmlformats.org/officeDocument/2006/relationships" xmlns:p="http://schemas.openxmlformats.org/presentationml/2006/main">
   <p:cSld>
     <p:spTree>
@@ -24042,7 +24413,7 @@
             </a:pPr>
             <a:fld id="{00000000-1234-1234-1234-123412341234}" type="slidenum">
               <a:rPr lang="en-US" altLang="zh-TW"/>
-              <a:t>13</a:t>
+              <a:t>14</a:t>
             </a:fld>
             <a:endParaRPr/>
           </a:p>
@@ -24342,7 +24713,7 @@
 </p:sld>
 </file>
 
-<file path=ppt/slides/slide14.xml><?xml version="1.0" encoding="utf-8"?>
+<file path=ppt/slides/slide15.xml><?xml version="1.0" encoding="utf-8"?>
 <p:sld xmlns:a="http://schemas.openxmlformats.org/drawingml/2006/main" xmlns:r="http://schemas.openxmlformats.org/officeDocument/2006/relationships" xmlns:p="http://schemas.openxmlformats.org/presentationml/2006/main">
   <p:cSld>
     <p:spTree>
@@ -24543,7 +24914,7 @@
             </a:pPr>
             <a:fld id="{00000000-1234-1234-1234-123412341234}" type="slidenum">
               <a:rPr lang="en-US" altLang="zh-TW"/>
-              <a:t>14</a:t>
+              <a:t>15</a:t>
             </a:fld>
             <a:endParaRPr/>
           </a:p>
@@ -24723,7 +25094,7 @@
 </p:sld>
 </file>
 
-<file path=ppt/slides/slide15.xml><?xml version="1.0" encoding="utf-8"?>
+<file path=ppt/slides/slide16.xml><?xml version="1.0" encoding="utf-8"?>
 <p:sld xmlns:a="http://schemas.openxmlformats.org/drawingml/2006/main" xmlns:r="http://schemas.openxmlformats.org/officeDocument/2006/relationships" xmlns:p="http://schemas.openxmlformats.org/presentationml/2006/main">
   <p:cSld>
     <p:spTree>
@@ -24947,7 +25318,7 @@
             </a:pPr>
             <a:fld id="{00000000-1234-1234-1234-123412341234}" type="slidenum">
               <a:rPr lang="en-US" altLang="zh-TW"/>
-              <a:t>15</a:t>
+              <a:t>16</a:t>
             </a:fld>
             <a:endParaRPr/>
           </a:p>
@@ -25127,7 +25498,7 @@
 </p:sld>
 </file>
 
-<file path=ppt/slides/slide16.xml><?xml version="1.0" encoding="utf-8"?>
+<file path=ppt/slides/slide17.xml><?xml version="1.0" encoding="utf-8"?>
 <p:sld xmlns:a="http://schemas.openxmlformats.org/drawingml/2006/main" xmlns:r="http://schemas.openxmlformats.org/officeDocument/2006/relationships" xmlns:p="http://schemas.openxmlformats.org/presentationml/2006/main">
   <p:cSld>
     <p:spTree>
@@ -25484,7 +25855,7 @@
             </a:pPr>
             <a:fld id="{00000000-1234-1234-1234-123412341234}" type="slidenum">
               <a:rPr lang="en-US" altLang="zh-TW"/>
-              <a:t>16</a:t>
+              <a:t>17</a:t>
             </a:fld>
             <a:endParaRPr/>
           </a:p>
@@ -25814,7 +26185,7 @@
 </p:sld>
 </file>
 
-<file path=ppt/slides/slide17.xml><?xml version="1.0" encoding="utf-8"?>
+<file path=ppt/slides/slide18.xml><?xml version="1.0" encoding="utf-8"?>
 <p:sld xmlns:a="http://schemas.openxmlformats.org/drawingml/2006/main" xmlns:r="http://schemas.openxmlformats.org/officeDocument/2006/relationships" xmlns:p="http://schemas.openxmlformats.org/presentationml/2006/main">
   <p:cSld>
     <p:spTree>
@@ -26241,7 +26612,7 @@
             </a:pPr>
             <a:fld id="{00000000-1234-1234-1234-123412341234}" type="slidenum">
               <a:rPr lang="en-US" altLang="zh-TW"/>
-              <a:t>17</a:t>
+              <a:t>18</a:t>
             </a:fld>
             <a:endParaRPr/>
           </a:p>
@@ -26481,7 +26852,7 @@
 </p:sld>
 </file>
 
-<file path=ppt/slides/slide18.xml><?xml version="1.0" encoding="utf-8"?>
+<file path=ppt/slides/slide19.xml><?xml version="1.0" encoding="utf-8"?>
 <p:sld xmlns:a="http://schemas.openxmlformats.org/drawingml/2006/main" xmlns:r="http://schemas.openxmlformats.org/officeDocument/2006/relationships" xmlns:p="http://schemas.openxmlformats.org/presentationml/2006/main">
   <p:cSld>
     <p:spTree>
@@ -26760,7 +27131,7 @@
             </a:pPr>
             <a:fld id="{00000000-1234-1234-1234-123412341234}" type="slidenum">
               <a:rPr lang="en-US" altLang="zh-TW"/>
-              <a:t>18</a:t>
+              <a:t>19</a:t>
             </a:fld>
             <a:endParaRPr/>
           </a:p>
@@ -27030,7 +27401,146 @@
 </p:sld>
 </file>
 
-<file path=ppt/slides/slide19.xml><?xml version="1.0" encoding="utf-8"?>
+<file path=ppt/slides/slide2.xml><?xml version="1.0" encoding="utf-8"?>
+<p:sld xmlns:a="http://schemas.openxmlformats.org/drawingml/2006/main" xmlns:r="http://schemas.openxmlformats.org/officeDocument/2006/relationships" xmlns:p="http://schemas.openxmlformats.org/presentationml/2006/main">
+  <p:cSld>
+    <p:spTree>
+      <p:nvGrpSpPr>
+        <p:cNvPr id="1" name=""/>
+        <p:cNvGrpSpPr/>
+        <p:nvPr/>
+      </p:nvGrpSpPr>
+      <p:grpSpPr>
+        <a:xfrm>
+          <a:off x="0" y="0"/>
+          <a:ext cx="0" cy="0"/>
+          <a:chOff x="0" y="0"/>
+          <a:chExt cx="0" cy="0"/>
+        </a:xfrm>
+      </p:grpSpPr>
+      <p:sp>
+        <p:nvSpPr>
+          <p:cNvPr id="2" name="標題 1">
+            <a:extLst>
+              <a:ext uri="{FF2B5EF4-FFF2-40B4-BE49-F238E27FC236}">
+                <a16:creationId xmlns:a16="http://schemas.microsoft.com/office/drawing/2014/main" id="{5D5D28A7-41CC-4175-A7E4-39CB84CB5F37}"/>
+              </a:ext>
+            </a:extLst>
+          </p:cNvPr>
+          <p:cNvSpPr>
+            <a:spLocks noGrp="1"/>
+          </p:cNvSpPr>
+          <p:nvPr>
+            <p:ph type="title"/>
+          </p:nvPr>
+        </p:nvSpPr>
+        <p:spPr/>
+        <p:txBody>
+          <a:bodyPr/>
+          <a:lstStyle/>
+          <a:p>
+            <a:r>
+              <a:rPr lang="zh-TW" altLang="en-US" dirty="0"/>
+              <a:t>學習目標</a:t>
+            </a:r>
+          </a:p>
+        </p:txBody>
+      </p:sp>
+      <p:sp>
+        <p:nvSpPr>
+          <p:cNvPr id="3" name="文字版面配置區 2">
+            <a:extLst>
+              <a:ext uri="{FF2B5EF4-FFF2-40B4-BE49-F238E27FC236}">
+                <a16:creationId xmlns:a16="http://schemas.microsoft.com/office/drawing/2014/main" id="{752EA573-1841-4910-B067-D27FE30B9476}"/>
+              </a:ext>
+            </a:extLst>
+          </p:cNvPr>
+          <p:cNvSpPr>
+            <a:spLocks noGrp="1"/>
+          </p:cNvSpPr>
+          <p:nvPr>
+            <p:ph type="body" idx="1"/>
+          </p:nvPr>
+        </p:nvSpPr>
+        <p:spPr/>
+        <p:txBody>
+          <a:bodyPr/>
+          <a:lstStyle/>
+          <a:p>
+            <a:r>
+              <a:rPr lang="en-US" altLang="zh-TW" dirty="0"/>
+              <a:t>1.</a:t>
+            </a:r>
+            <a:r>
+              <a:rPr lang="zh-TW" altLang="en-US" dirty="0"/>
+              <a:t> 了解什麼是「特徵詞」</a:t>
+            </a:r>
+            <a:endParaRPr lang="en-US" altLang="zh-TW" dirty="0"/>
+          </a:p>
+          <a:p>
+            <a:r>
+              <a:rPr lang="en-US" altLang="zh-TW" dirty="0"/>
+              <a:t>2.</a:t>
+            </a:r>
+            <a:r>
+              <a:rPr lang="zh-TW" altLang="en-US" dirty="0"/>
+              <a:t> 如何使用不同的工具來輔助你找到特徵詞</a:t>
+            </a:r>
+          </a:p>
+        </p:txBody>
+      </p:sp>
+      <p:sp>
+        <p:nvSpPr>
+          <p:cNvPr id="4" name="投影片編號版面配置區 3">
+            <a:extLst>
+              <a:ext uri="{FF2B5EF4-FFF2-40B4-BE49-F238E27FC236}">
+                <a16:creationId xmlns:a16="http://schemas.microsoft.com/office/drawing/2014/main" id="{3BA88484-D45B-4CB1-BED6-241762DD3B3B}"/>
+              </a:ext>
+            </a:extLst>
+          </p:cNvPr>
+          <p:cNvSpPr>
+            <a:spLocks noGrp="1"/>
+          </p:cNvSpPr>
+          <p:nvPr>
+            <p:ph type="sldNum" idx="12"/>
+          </p:nvPr>
+        </p:nvSpPr>
+        <p:spPr/>
+        <p:txBody>
+          <a:bodyPr/>
+          <a:lstStyle/>
+          <a:p>
+            <a:pPr marL="0" lvl="0" indent="0" algn="r" rtl="0">
+              <a:spcBef>
+                <a:spcPts val="0"/>
+              </a:spcBef>
+              <a:spcAft>
+                <a:spcPts val="0"/>
+              </a:spcAft>
+              <a:buNone/>
+            </a:pPr>
+            <a:fld id="{00000000-1234-1234-1234-123412341234}" type="slidenum">
+              <a:rPr lang="en-US" altLang="zh-TW" smtClean="0"/>
+              <a:t>2</a:t>
+            </a:fld>
+            <a:endParaRPr lang="zh-TW" altLang="en-US"/>
+          </a:p>
+        </p:txBody>
+      </p:sp>
+    </p:spTree>
+    <p:extLst>
+      <p:ext uri="{BB962C8B-B14F-4D97-AF65-F5344CB8AC3E}">
+        <p14:creationId xmlns:p14="http://schemas.microsoft.com/office/powerpoint/2010/main" val="3942976187"/>
+      </p:ext>
+    </p:extLst>
+  </p:cSld>
+  <p:clrMapOvr>
+    <a:masterClrMapping/>
+  </p:clrMapOvr>
+</p:sld>
+</file>
+
+<file path=ppt/slides/slide20.xml><?xml version="1.0" encoding="utf-8"?>
 <p:sld xmlns:a="http://schemas.openxmlformats.org/drawingml/2006/main" xmlns:r="http://schemas.openxmlformats.org/officeDocument/2006/relationships" xmlns:p="http://schemas.openxmlformats.org/presentationml/2006/main">
   <p:cSld>
     <p:spTree>
@@ -27130,6 +27640,44 @@
                 <a:latin typeface="+mn-lt"/>
                 <a:ea typeface="微軟正黑體" panose="020B0604030504040204" pitchFamily="34" charset="-120"/>
               </a:rPr>
+              <a:t>想想看，你是怎麼判斷一個文章的大意呢？</a:t>
+            </a:r>
+            <a:endParaRPr lang="en-US" altLang="zh-TW" dirty="0">
+              <a:latin typeface="+mn-lt"/>
+              <a:ea typeface="微軟正黑體" panose="020B0604030504040204" pitchFamily="34" charset="-120"/>
+            </a:endParaRPr>
+          </a:p>
+          <a:p>
+            <a:pPr marL="342900" lvl="0" indent="-342900">
+              <a:spcBef>
+                <a:spcPts val="0"/>
+              </a:spcBef>
+              <a:buSzPts val="2240"/>
+            </a:pPr>
+            <a:r>
+              <a:rPr lang="zh-TW" altLang="en-US" dirty="0">
+                <a:latin typeface="+mn-lt"/>
+                <a:ea typeface="微軟正黑體" panose="020B0604030504040204" pitchFamily="34" charset="-120"/>
+              </a:rPr>
+              <a:t>想想看特徵詞的定義，你覺得特徵詞等同於文章大意嗎？</a:t>
+            </a:r>
+            <a:endParaRPr lang="en-US" altLang="zh-TW" dirty="0">
+              <a:latin typeface="+mn-lt"/>
+              <a:ea typeface="微軟正黑體" panose="020B0604030504040204" pitchFamily="34" charset="-120"/>
+            </a:endParaRPr>
+          </a:p>
+          <a:p>
+            <a:pPr marL="342900" lvl="0" indent="-342900">
+              <a:spcBef>
+                <a:spcPts val="0"/>
+              </a:spcBef>
+              <a:buSzPts val="2240"/>
+            </a:pPr>
+            <a:r>
+              <a:rPr lang="zh-TW" altLang="en-US" dirty="0">
+                <a:latin typeface="+mn-lt"/>
+                <a:ea typeface="微軟正黑體" panose="020B0604030504040204" pitchFamily="34" charset="-120"/>
+              </a:rPr>
               <a:t>看完</a:t>
             </a:r>
             <a:r>
@@ -27186,7 +27734,54 @@
                 <a:latin typeface="+mn-lt"/>
                 <a:ea typeface="微軟正黑體" panose="020B0604030504040204" pitchFamily="34" charset="-120"/>
               </a:rPr>
-              <a:t>哪個比較接近我們人類思考之中的特徵詞呢？</a:t>
+              <a:t>哪個比較接近我們人類思考之中的特徵詞呢？為什麼？</a:t>
+            </a:r>
+            <a:endParaRPr lang="en-US" altLang="zh-TW" dirty="0">
+              <a:latin typeface="+mn-lt"/>
+              <a:ea typeface="微軟正黑體" panose="020B0604030504040204" pitchFamily="34" charset="-120"/>
+            </a:endParaRPr>
+          </a:p>
+          <a:p>
+            <a:pPr marL="342900" lvl="0" indent="-342900">
+              <a:spcBef>
+                <a:spcPts val="0"/>
+              </a:spcBef>
+              <a:buSzPts val="2240"/>
+            </a:pPr>
+            <a:r>
+              <a:rPr lang="zh-TW" altLang="en-US" dirty="0">
+                <a:latin typeface="+mn-lt"/>
+                <a:ea typeface="微軟正黑體" panose="020B0604030504040204" pitchFamily="34" charset="-120"/>
+              </a:rPr>
+              <a:t>想一想</a:t>
+            </a:r>
+            <a:r>
+              <a:rPr lang="en-US" altLang="zh-TW" dirty="0">
+                <a:latin typeface="+mn-lt"/>
+                <a:ea typeface="微軟正黑體" panose="020B0604030504040204" pitchFamily="34" charset="-120"/>
+              </a:rPr>
+              <a:t>TF </a:t>
+            </a:r>
+            <a:r>
+              <a:rPr lang="zh-TW" altLang="en-US" dirty="0">
+                <a:latin typeface="+mn-lt"/>
+                <a:ea typeface="微軟正黑體" panose="020B0604030504040204" pitchFamily="34" charset="-120"/>
+              </a:rPr>
+              <a:t>和 </a:t>
+            </a:r>
+            <a:r>
+              <a:rPr lang="en-US" altLang="zh-TW" dirty="0">
+                <a:latin typeface="+mn-lt"/>
+                <a:ea typeface="微軟正黑體" panose="020B0604030504040204" pitchFamily="34" charset="-120"/>
+              </a:rPr>
+              <a:t>IDF </a:t>
+            </a:r>
+            <a:r>
+              <a:rPr lang="zh-TW" altLang="en-US" dirty="0">
+                <a:latin typeface="+mn-lt"/>
+                <a:ea typeface="微軟正黑體" panose="020B0604030504040204" pitchFamily="34" charset="-120"/>
+              </a:rPr>
+              <a:t>是如何計算的，你覺得和人類判斷語意一樣嗎？為什麼？</a:t>
             </a:r>
             <a:br>
               <a:rPr lang="en-US" altLang="zh-TW" dirty="0">
@@ -27250,7 +27845,7 @@
             </a:pPr>
             <a:fld id="{00000000-1234-1234-1234-123412341234}" type="slidenum">
               <a:rPr lang="en-US" altLang="zh-TW"/>
-              <a:t>19</a:t>
+              <a:t>20</a:t>
             </a:fld>
             <a:endParaRPr/>
           </a:p>
@@ -27400,7 +27995,7 @@
 </p:sld>
 </file>
 
-<file path=ppt/slides/slide2.xml><?xml version="1.0" encoding="utf-8"?>
+<file path=ppt/slides/slide21.xml><?xml version="1.0" encoding="utf-8"?>
 <p:sld xmlns:a="http://schemas.openxmlformats.org/drawingml/2006/main" xmlns:r="http://schemas.openxmlformats.org/officeDocument/2006/relationships" xmlns:p="http://schemas.openxmlformats.org/presentationml/2006/main">
   <p:cSld>
     <p:spTree>
@@ -27444,10 +28039,23 @@
           <a:p>
             <a:pPr lvl="0"/>
             <a:r>
-              <a:rPr lang="zh-TW" altLang="en-US" dirty="0"/>
-              <a:t>文本分析任務</a:t>
-            </a:r>
-            <a:endParaRPr dirty="0"/>
+              <a:rPr lang="zh-TW" altLang="en-US" dirty="0">
+                <a:latin typeface="+mn-lt"/>
+                <a:ea typeface="微軟正黑體" panose="020B0604030504040204" pitchFamily="34" charset="-120"/>
+              </a:rPr>
+              <a:t>什麼是</a:t>
+            </a:r>
+            <a:r>
+              <a:rPr lang="en-US" altLang="zh-TW" dirty="0">
+                <a:latin typeface="+mn-lt"/>
+                <a:ea typeface="微軟正黑體" panose="020B0604030504040204" pitchFamily="34" charset="-120"/>
+              </a:rPr>
+              <a:t>TF-IDF</a:t>
+            </a:r>
+            <a:endParaRPr dirty="0">
+              <a:latin typeface="+mn-lt"/>
+              <a:ea typeface="微軟正黑體" panose="020B0604030504040204" pitchFamily="34" charset="-120"/>
+            </a:endParaRPr>
           </a:p>
         </p:txBody>
       </p:sp>
@@ -27482,151 +28090,339 @@
               </a:spcBef>
               <a:buSzPts val="2240"/>
             </a:pPr>
+            <a:endParaRPr lang="en-US" altLang="zh-TW" dirty="0"/>
+          </a:p>
+          <a:p>
+            <a:pPr marL="342900" lvl="0" indent="-342900">
+              <a:spcBef>
+                <a:spcPts val="0"/>
+              </a:spcBef>
+              <a:buSzPts val="2240"/>
+            </a:pPr>
+            <a:endParaRPr lang="en-US" altLang="zh-TW" dirty="0"/>
+          </a:p>
+          <a:p>
+            <a:pPr marL="342900" lvl="0" indent="-342900">
+              <a:spcBef>
+                <a:spcPts val="0"/>
+              </a:spcBef>
+              <a:buSzPts val="2240"/>
+            </a:pPr>
+            <a:endParaRPr lang="en-US" altLang="zh-TW" dirty="0"/>
+          </a:p>
+          <a:p>
+            <a:pPr marL="342900" lvl="0" indent="-342900">
+              <a:spcBef>
+                <a:spcPts val="0"/>
+              </a:spcBef>
+              <a:buSzPts val="2240"/>
+            </a:pPr>
+            <a:endParaRPr lang="en-US" altLang="zh-TW" dirty="0"/>
+          </a:p>
+          <a:p>
+            <a:pPr marL="342900" lvl="0" indent="-342900">
+              <a:spcBef>
+                <a:spcPts val="0"/>
+              </a:spcBef>
+              <a:buSzPts val="2240"/>
+            </a:pPr>
+            <a:endParaRPr lang="en-US" altLang="zh-TW" dirty="0"/>
+          </a:p>
+          <a:p>
+            <a:pPr marL="342900" lvl="0" indent="-342900">
+              <a:spcBef>
+                <a:spcPts val="0"/>
+              </a:spcBef>
+              <a:buSzPts val="2240"/>
+            </a:pPr>
             <a:r>
               <a:rPr lang="zh-TW" altLang="en-US" dirty="0">
                 <a:latin typeface="+mn-lt"/>
                 <a:ea typeface="微軟正黑體" panose="020B0604030504040204" pitchFamily="34" charset="-120"/>
-              </a:rPr>
-              <a:t>文本分析是常見的自然語言處理</a:t>
+                <a:sym typeface="Wingdings" panose="05000000000000000000" pitchFamily="2" charset="2"/>
+              </a:rPr>
+              <a:t>最後，我們可以將我們計算出來的</a:t>
             </a:r>
             <a:r>
               <a:rPr lang="en-US" altLang="zh-TW" dirty="0">
                 <a:latin typeface="+mn-lt"/>
                 <a:ea typeface="微軟正黑體" panose="020B0604030504040204" pitchFamily="34" charset="-120"/>
-              </a:rPr>
-              <a:t>(Natural Language Processing, NLP) </a:t>
+                <a:sym typeface="Wingdings" panose="05000000000000000000" pitchFamily="2" charset="2"/>
+              </a:rPr>
+              <a:t>TF </a:t>
             </a:r>
             <a:r>
               <a:rPr lang="zh-TW" altLang="en-US" dirty="0">
                 <a:latin typeface="+mn-lt"/>
                 <a:ea typeface="微軟正黑體" panose="020B0604030504040204" pitchFamily="34" charset="-120"/>
-              </a:rPr>
-              <a:t>任務。</a:t>
-            </a:r>
-          </a:p>
-          <a:p>
-            <a:pPr marL="342900" lvl="0" indent="-342900">
-              <a:spcBef>
-                <a:spcPts val="0"/>
-              </a:spcBef>
-              <a:buSzPts val="2240"/>
-            </a:pPr>
+                <a:sym typeface="Wingdings" panose="05000000000000000000" pitchFamily="2" charset="2"/>
+              </a:rPr>
+              <a:t>和 </a:t>
+            </a:r>
+            <a:r>
+              <a:rPr lang="en-US" altLang="zh-TW" dirty="0">
+                <a:latin typeface="+mn-lt"/>
+                <a:ea typeface="微軟正黑體" panose="020B0604030504040204" pitchFamily="34" charset="-120"/>
+                <a:sym typeface="Wingdings" panose="05000000000000000000" pitchFamily="2" charset="2"/>
+              </a:rPr>
+              <a:t>IDF </a:t>
+            </a:r>
             <a:r>
               <a:rPr lang="zh-TW" altLang="en-US" dirty="0">
                 <a:latin typeface="+mn-lt"/>
                 <a:ea typeface="微軟正黑體" panose="020B0604030504040204" pitchFamily="34" charset="-120"/>
-              </a:rPr>
-              <a:t>本節將示範文本分析中三種常見的取特徵詞手法</a:t>
-            </a:r>
-          </a:p>
-          <a:p>
-            <a:pPr marL="742950" lvl="1" indent="-285750">
-              <a:buSzPts val="1920"/>
-            </a:pPr>
-            <a:r>
-              <a:rPr lang="zh-TW" altLang="zh-TW" dirty="0">
-                <a:latin typeface="+mn-lt"/>
-                <a:ea typeface="微軟正黑體" panose="020B0604030504040204" pitchFamily="34" charset="-120"/>
-              </a:rPr>
-              <a:t>一是取 TF-IDF 特徵詞</a:t>
-            </a:r>
-            <a:r>
-              <a:rPr lang="zh-TW" dirty="0">
-                <a:latin typeface="+mn-lt"/>
-                <a:ea typeface="微軟正黑體" panose="020B0604030504040204" pitchFamily="34" charset="-120"/>
-              </a:rPr>
-              <a:t>。</a:t>
-            </a:r>
-            <a:endParaRPr dirty="0">
-              <a:latin typeface="+mn-lt"/>
-              <a:ea typeface="微軟正黑體" panose="020B0604030504040204" pitchFamily="34" charset="-120"/>
-            </a:endParaRPr>
-          </a:p>
-          <a:p>
-            <a:pPr marL="742950" lvl="1" indent="-285750">
-              <a:buSzPts val="1920"/>
-            </a:pPr>
-            <a:r>
-              <a:rPr lang="zh-TW" altLang="zh-TW" dirty="0">
-                <a:latin typeface="+mn-lt"/>
-                <a:ea typeface="微軟正黑體" panose="020B0604030504040204" pitchFamily="34" charset="-120"/>
-              </a:rPr>
-              <a:t>二是依詞性取特徵詞</a:t>
-            </a:r>
-            <a:r>
-              <a:rPr lang="zh-TW" dirty="0">
-                <a:latin typeface="+mn-lt"/>
-                <a:ea typeface="微軟正黑體" panose="020B0604030504040204" pitchFamily="34" charset="-120"/>
-              </a:rPr>
-              <a:t>。</a:t>
-            </a:r>
-            <a:endParaRPr dirty="0">
-              <a:latin typeface="+mn-lt"/>
-              <a:ea typeface="微軟正黑體" panose="020B0604030504040204" pitchFamily="34" charset="-120"/>
-            </a:endParaRPr>
-          </a:p>
-          <a:p>
-            <a:pPr marL="742950" lvl="1" indent="-285750">
-              <a:buSzPts val="1920"/>
-            </a:pPr>
-            <a:r>
-              <a:rPr lang="zh-TW" altLang="zh-TW" dirty="0">
-                <a:latin typeface="+mn-lt"/>
-                <a:ea typeface="微軟正黑體" panose="020B0604030504040204" pitchFamily="34" charset="-120"/>
-              </a:rPr>
-              <a:t>三是依「人、事、時、地、物」取特徵詞</a:t>
-            </a:r>
-            <a:r>
-              <a:rPr lang="zh-TW" dirty="0">
-                <a:latin typeface="+mn-lt"/>
-                <a:ea typeface="微軟正黑體" panose="020B0604030504040204" pitchFamily="34" charset="-120"/>
-                <a:cs typeface="Arial"/>
-                <a:sym typeface="Arial"/>
-              </a:rPr>
-              <a:t>。</a:t>
+                <a:sym typeface="Wingdings" panose="05000000000000000000" pitchFamily="2" charset="2"/>
+              </a:rPr>
+              <a:t>相乘</a:t>
             </a:r>
             <a:endParaRPr lang="en-US" altLang="zh-TW" dirty="0">
               <a:latin typeface="+mn-lt"/>
               <a:ea typeface="微軟正黑體" panose="020B0604030504040204" pitchFamily="34" charset="-120"/>
-              <a:cs typeface="Arial"/>
-              <a:sym typeface="Arial"/>
+              <a:sym typeface="Wingdings" panose="05000000000000000000" pitchFamily="2" charset="2"/>
             </a:endParaRPr>
           </a:p>
           <a:p>
-            <a:pPr marL="0" indent="0">
-              <a:buSzPts val="1920"/>
-              <a:buNone/>
+            <a:pPr marL="342900" lvl="0" indent="-342900">
+              <a:spcBef>
+                <a:spcPts val="0"/>
+              </a:spcBef>
+              <a:buSzPts val="2240"/>
             </a:pPr>
+            <a:r>
+              <a:rPr lang="zh-TW" altLang="en-US" dirty="0">
+                <a:latin typeface="+mn-lt"/>
+                <a:ea typeface="微軟正黑體" panose="020B0604030504040204" pitchFamily="34" charset="-120"/>
+                <a:sym typeface="Wingdings" panose="05000000000000000000" pitchFamily="2" charset="2"/>
+              </a:rPr>
+              <a:t>例如      是</a:t>
+            </a:r>
+            <a:r>
+              <a:rPr lang="en-US" altLang="zh-TW" dirty="0">
+                <a:latin typeface="+mn-lt"/>
+                <a:ea typeface="微軟正黑體" panose="020B0604030504040204" pitchFamily="34" charset="-120"/>
+              </a:rPr>
+              <a:t>0.792</a:t>
+            </a:r>
+            <a:r>
+              <a:rPr lang="zh-TW" altLang="en-US" dirty="0">
+                <a:latin typeface="+mn-lt"/>
+                <a:ea typeface="微軟正黑體" panose="020B0604030504040204" pitchFamily="34" charset="-120"/>
+              </a:rPr>
+              <a:t> * </a:t>
+            </a:r>
+            <a:r>
+              <a:rPr lang="en-US" altLang="zh-TW" dirty="0">
+                <a:latin typeface="+mn-lt"/>
+                <a:ea typeface="微軟正黑體" panose="020B0604030504040204" pitchFamily="34" charset="-120"/>
+              </a:rPr>
+              <a:t>0</a:t>
+            </a:r>
+            <a:r>
+              <a:rPr lang="zh-TW" altLang="en-US" dirty="0">
+                <a:latin typeface="+mn-lt"/>
+                <a:ea typeface="微軟正黑體" panose="020B0604030504040204" pitchFamily="34" charset="-120"/>
+              </a:rPr>
+              <a:t> </a:t>
+            </a:r>
+            <a:r>
+              <a:rPr lang="en-US" altLang="zh-TW" dirty="0">
+                <a:latin typeface="+mn-lt"/>
+                <a:ea typeface="微軟正黑體" panose="020B0604030504040204" pitchFamily="34" charset="-120"/>
+              </a:rPr>
+              <a:t>=</a:t>
+            </a:r>
+            <a:r>
+              <a:rPr lang="zh-TW" altLang="en-US" dirty="0">
+                <a:latin typeface="+mn-lt"/>
+                <a:ea typeface="微軟正黑體" panose="020B0604030504040204" pitchFamily="34" charset="-120"/>
+              </a:rPr>
+              <a:t> </a:t>
+            </a:r>
+            <a:r>
+              <a:rPr lang="en-US" altLang="zh-TW" dirty="0">
+                <a:latin typeface="+mn-lt"/>
+                <a:ea typeface="微軟正黑體" panose="020B0604030504040204" pitchFamily="34" charset="-120"/>
+              </a:rPr>
+              <a:t>0</a:t>
+            </a:r>
+          </a:p>
+          <a:p>
+            <a:pPr marL="342900" lvl="0" indent="-342900">
+              <a:spcBef>
+                <a:spcPts val="0"/>
+              </a:spcBef>
+              <a:buSzPts val="2240"/>
+            </a:pPr>
+            <a:r>
+              <a:rPr lang="zh-TW" altLang="en-US" dirty="0">
+                <a:latin typeface="+mn-lt"/>
+                <a:ea typeface="微軟正黑體" panose="020B0604030504040204" pitchFamily="34" charset="-120"/>
+                <a:sym typeface="Wingdings" panose="05000000000000000000" pitchFamily="2" charset="2"/>
+              </a:rPr>
+              <a:t>而      是 </a:t>
+            </a:r>
+            <a:r>
+              <a:rPr lang="en-US" altLang="zh-TW" dirty="0">
+                <a:latin typeface="+mn-lt"/>
+                <a:ea typeface="微軟正黑體" panose="020B0604030504040204" pitchFamily="34" charset="-120"/>
+              </a:rPr>
+              <a:t>0.2</a:t>
+            </a:r>
+            <a:r>
+              <a:rPr lang="zh-TW" altLang="en-US" dirty="0">
+                <a:latin typeface="+mn-lt"/>
+                <a:ea typeface="微軟正黑體" panose="020B0604030504040204" pitchFamily="34" charset="-120"/>
+              </a:rPr>
+              <a:t> *</a:t>
+            </a:r>
+            <a:r>
+              <a:rPr lang="en-US" altLang="zh-TW" dirty="0">
+                <a:latin typeface="+mn-lt"/>
+                <a:ea typeface="微軟正黑體" panose="020B0604030504040204" pitchFamily="34" charset="-120"/>
+                <a:sym typeface="Wingdings" panose="05000000000000000000" pitchFamily="2" charset="2"/>
+              </a:rPr>
+              <a:t> 0.477</a:t>
+            </a:r>
+            <a:r>
+              <a:rPr lang="zh-TW" altLang="en-US" dirty="0">
+                <a:latin typeface="+mn-lt"/>
+                <a:ea typeface="微軟正黑體" panose="020B0604030504040204" pitchFamily="34" charset="-120"/>
+                <a:sym typeface="Wingdings" panose="05000000000000000000" pitchFamily="2" charset="2"/>
+              </a:rPr>
+              <a:t> </a:t>
+            </a:r>
+            <a:r>
+              <a:rPr lang="en-US" altLang="zh-TW" dirty="0">
+                <a:latin typeface="+mn-lt"/>
+                <a:ea typeface="微軟正黑體" panose="020B0604030504040204" pitchFamily="34" charset="-120"/>
+                <a:sym typeface="Wingdings" panose="05000000000000000000" pitchFamily="2" charset="2"/>
+              </a:rPr>
+              <a:t>=</a:t>
+            </a:r>
+            <a:r>
+              <a:rPr lang="zh-TW" altLang="en-US" dirty="0">
+                <a:latin typeface="+mn-lt"/>
+                <a:ea typeface="微軟正黑體" panose="020B0604030504040204" pitchFamily="34" charset="-120"/>
+                <a:sym typeface="Wingdings" panose="05000000000000000000" pitchFamily="2" charset="2"/>
+              </a:rPr>
+              <a:t> </a:t>
+            </a:r>
+            <a:r>
+              <a:rPr lang="en-US" altLang="zh-TW" dirty="0">
+                <a:latin typeface="+mn-lt"/>
+                <a:ea typeface="微軟正黑體" panose="020B0604030504040204" pitchFamily="34" charset="-120"/>
+                <a:sym typeface="Wingdings" panose="05000000000000000000" pitchFamily="2" charset="2"/>
+              </a:rPr>
+              <a:t>0.0954</a:t>
+            </a:r>
+            <a:r>
+              <a:rPr lang="zh-TW" altLang="en-US" dirty="0">
+                <a:latin typeface="+mn-lt"/>
+                <a:ea typeface="微軟正黑體" panose="020B0604030504040204" pitchFamily="34" charset="-120"/>
+                <a:sym typeface="Wingdings" panose="05000000000000000000" pitchFamily="2" charset="2"/>
+              </a:rPr>
+              <a:t> </a:t>
+            </a:r>
+            <a:r>
+              <a:rPr lang="en-US" altLang="zh-TW" dirty="0">
+                <a:latin typeface="+mn-lt"/>
+                <a:ea typeface="微軟正黑體" panose="020B0604030504040204" pitchFamily="34" charset="-120"/>
+                <a:sym typeface="Wingdings" panose="05000000000000000000" pitchFamily="2" charset="2"/>
+              </a:rPr>
+              <a:t></a:t>
+            </a:r>
+            <a:r>
+              <a:rPr lang="zh-TW" altLang="en-US" dirty="0">
+                <a:latin typeface="+mn-lt"/>
+                <a:ea typeface="微軟正黑體" panose="020B0604030504040204" pitchFamily="34" charset="-120"/>
+                <a:sym typeface="Wingdings" panose="05000000000000000000" pitchFamily="2" charset="2"/>
+              </a:rPr>
+              <a:t> 比較重要</a:t>
+            </a:r>
             <a:endParaRPr lang="en-US" altLang="zh-TW" dirty="0">
               <a:latin typeface="+mn-lt"/>
               <a:ea typeface="微軟正黑體" panose="020B0604030504040204" pitchFamily="34" charset="-120"/>
-              <a:cs typeface="Arial"/>
-              <a:sym typeface="Arial"/>
+              <a:sym typeface="Wingdings" panose="05000000000000000000" pitchFamily="2" charset="2"/>
             </a:endParaRPr>
           </a:p>
           <a:p>
-            <a:pPr marL="285750" indent="-285750">
-              <a:buSzPts val="1920"/>
+            <a:pPr marL="342900" lvl="0" indent="-342900">
+              <a:spcBef>
+                <a:spcPts val="0"/>
+              </a:spcBef>
+              <a:buSzPts val="2240"/>
             </a:pPr>
-            <a:endParaRPr lang="zh-TW" altLang="en-US" dirty="0">
-              <a:latin typeface="+mn-lt"/>
-              <a:ea typeface="微軟正黑體" panose="020B0604030504040204" pitchFamily="34" charset="-120"/>
-              <a:cs typeface="Arial"/>
-              <a:sym typeface="Arial"/>
-            </a:endParaRPr>
-          </a:p>
-          <a:p>
-            <a:pPr marL="914400" lvl="2" indent="0" algn="l" rtl="0">
-              <a:spcBef>
-                <a:spcPts val="1000"/>
-              </a:spcBef>
-              <a:spcAft>
-                <a:spcPts val="0"/>
-              </a:spcAft>
-              <a:buSzPts val="1600"/>
-              <a:buNone/>
+            <a:r>
+              <a:rPr lang="en-US" altLang="zh-TW" dirty="0">
+                <a:latin typeface="+mn-lt"/>
+                <a:ea typeface="微軟正黑體" panose="020B0604030504040204" pitchFamily="34" charset="-120"/>
+                <a:sym typeface="Wingdings" panose="05000000000000000000" pitchFamily="2" charset="2"/>
+              </a:rPr>
+              <a:t>0</a:t>
+            </a:r>
+            <a:r>
+              <a:rPr lang="zh-TW" altLang="en-US" dirty="0">
+                <a:latin typeface="+mn-lt"/>
+                <a:ea typeface="微軟正黑體" panose="020B0604030504040204" pitchFamily="34" charset="-120"/>
+                <a:sym typeface="Wingdings" panose="05000000000000000000" pitchFamily="2" charset="2"/>
+              </a:rPr>
+              <a:t> 和 </a:t>
+            </a:r>
+            <a:r>
+              <a:rPr lang="en-US" altLang="zh-TW" dirty="0">
+                <a:latin typeface="+mn-lt"/>
+                <a:ea typeface="微軟正黑體" panose="020B0604030504040204" pitchFamily="34" charset="-120"/>
+                <a:sym typeface="Wingdings" panose="05000000000000000000" pitchFamily="2" charset="2"/>
+              </a:rPr>
+              <a:t>0.0954 </a:t>
+            </a:r>
+            <a:r>
+              <a:rPr lang="zh-TW" altLang="en-US" dirty="0">
+                <a:latin typeface="+mn-lt"/>
+                <a:ea typeface="微軟正黑體" panose="020B0604030504040204" pitchFamily="34" charset="-120"/>
+                <a:sym typeface="Wingdings" panose="05000000000000000000" pitchFamily="2" charset="2"/>
+              </a:rPr>
+              <a:t>就是所謂的「</a:t>
+            </a:r>
+            <a:r>
+              <a:rPr lang="en-US" altLang="zh-TW" dirty="0">
+                <a:latin typeface="+mn-lt"/>
+                <a:ea typeface="微軟正黑體" panose="020B0604030504040204" pitchFamily="34" charset="-120"/>
+              </a:rPr>
+              <a:t> TF-IDF </a:t>
+            </a:r>
+            <a:r>
+              <a:rPr lang="zh-TW" altLang="en-US" dirty="0">
+                <a:latin typeface="+mn-lt"/>
+                <a:ea typeface="微軟正黑體" panose="020B0604030504040204" pitchFamily="34" charset="-120"/>
+              </a:rPr>
+              <a:t>權重值」</a:t>
+            </a:r>
+            <a:br>
+              <a:rPr lang="en-US" altLang="zh-TW" dirty="0">
+                <a:latin typeface="+mn-lt"/>
+                <a:ea typeface="微軟正黑體" panose="020B0604030504040204" pitchFamily="34" charset="-120"/>
+                <a:sym typeface="Wingdings" panose="05000000000000000000" pitchFamily="2" charset="2"/>
+              </a:rPr>
+            </a:br>
+            <a:r>
+              <a:rPr lang="zh-TW" altLang="en-US" dirty="0">
+                <a:sym typeface="Wingdings" panose="05000000000000000000" pitchFamily="2" charset="2"/>
+              </a:rPr>
+              <a:t> </a:t>
+            </a:r>
+            <a:endParaRPr lang="en-US" altLang="zh-TW" dirty="0"/>
+          </a:p>
+          <a:p>
+            <a:pPr lvl="1" indent="-457200">
+              <a:spcBef>
+                <a:spcPts val="0"/>
+              </a:spcBef>
+              <a:buSzPts val="2240"/>
+              <a:buFont typeface="+mj-lt"/>
+              <a:buAutoNum type="arabicPeriod" startAt="3"/>
             </a:pPr>
-            <a:endParaRPr lang="zh-TW" altLang="en-US" dirty="0"/>
+            <a:endParaRPr lang="en-US" altLang="zh-TW" dirty="0"/>
           </a:p>
         </p:txBody>
       </p:sp>
@@ -27666,619 +28462,7 @@
             </a:pPr>
             <a:fld id="{00000000-1234-1234-1234-123412341234}" type="slidenum">
               <a:rPr lang="en-US" altLang="zh-TW"/>
-              <a:t>2</a:t>
-            </a:fld>
-            <a:endParaRPr/>
-          </a:p>
-        </p:txBody>
-      </p:sp>
-      <p:sp>
-        <p:nvSpPr>
-          <p:cNvPr id="2" name="Rectangle 1">
-            <a:extLst>
-              <a:ext uri="{FF2B5EF4-FFF2-40B4-BE49-F238E27FC236}">
-                <a16:creationId xmlns:a16="http://schemas.microsoft.com/office/drawing/2014/main" id="{6B690C08-FD94-4AB1-A712-CDD44052146C}"/>
-              </a:ext>
-            </a:extLst>
-          </p:cNvPr>
-          <p:cNvSpPr/>
-          <p:nvPr/>
-        </p:nvSpPr>
-        <p:spPr>
-          <a:xfrm>
-            <a:off x="1544320" y="6415589"/>
-            <a:ext cx="9961165" cy="432000"/>
-          </a:xfrm>
-          <a:prstGeom prst="rect">
-            <a:avLst/>
-          </a:prstGeom>
-          <a:gradFill flip="none" rotWithShape="1">
-            <a:gsLst>
-              <a:gs pos="0">
-                <a:srgbClr val="20A4D6"/>
-              </a:gs>
-              <a:gs pos="100000">
-                <a:srgbClr val="86D7F3">
-                  <a:shade val="100000"/>
-                  <a:satMod val="115000"/>
-                </a:srgbClr>
-              </a:gs>
-            </a:gsLst>
-            <a:path path="circle">
-              <a:fillToRect l="100000" t="100000"/>
-            </a:path>
-            <a:tileRect r="-100000" b="-100000"/>
-          </a:gradFill>
-          <a:ln>
-            <a:noFill/>
-          </a:ln>
-        </p:spPr>
-        <p:style>
-          <a:lnRef idx="2">
-            <a:schemeClr val="accent1">
-              <a:shade val="50000"/>
-            </a:schemeClr>
-          </a:lnRef>
-          <a:fillRef idx="1">
-            <a:schemeClr val="accent1"/>
-          </a:fillRef>
-          <a:effectRef idx="0">
-            <a:schemeClr val="accent1"/>
-          </a:effectRef>
-          <a:fontRef idx="minor">
-            <a:schemeClr val="lt1"/>
-          </a:fontRef>
-        </p:style>
-        <p:txBody>
-          <a:bodyPr rtlCol="0" anchor="ctr"/>
-          <a:lstStyle/>
-          <a:p>
-            <a:r>
-              <a:rPr lang="zh-TW" altLang="en-US" sz="1100" b="1" dirty="0">
-                <a:solidFill>
-                  <a:schemeClr val="tx1"/>
-                </a:solidFill>
-                <a:latin typeface="微軟正黑體" panose="020B0604030504040204" pitchFamily="34" charset="-120"/>
-                <a:ea typeface="微軟正黑體" panose="020B0604030504040204" pitchFamily="34" charset="-120"/>
-              </a:rPr>
-              <a:t>推動大學程式設計教學計畫。分項六</a:t>
-            </a:r>
-            <a:r>
-              <a:rPr lang="en-US" altLang="zh-TW" sz="1100" b="1" dirty="0">
-                <a:solidFill>
-                  <a:schemeClr val="tx1"/>
-                </a:solidFill>
-                <a:latin typeface="微軟正黑體" panose="020B0604030504040204" pitchFamily="34" charset="-120"/>
-                <a:ea typeface="微軟正黑體" panose="020B0604030504040204" pitchFamily="34" charset="-120"/>
-              </a:rPr>
-              <a:t>:</a:t>
-            </a:r>
-            <a:r>
-              <a:rPr lang="zh-TW" altLang="en-US" sz="1100" b="1" dirty="0">
-                <a:solidFill>
-                  <a:schemeClr val="tx1"/>
-                </a:solidFill>
-                <a:latin typeface="微軟正黑體" panose="020B0604030504040204" pitchFamily="34" charset="-120"/>
-                <a:ea typeface="微軟正黑體" panose="020B0604030504040204" pitchFamily="34" charset="-120"/>
-              </a:rPr>
-              <a:t>資料分析領域與學習評量推動團隊</a:t>
-            </a:r>
-            <a:r>
-              <a:rPr lang="en-US" altLang="zh-TW" sz="1100" b="1" dirty="0">
-                <a:solidFill>
-                  <a:schemeClr val="tx1"/>
-                </a:solidFill>
-                <a:latin typeface="微軟正黑體" panose="020B0604030504040204" pitchFamily="34" charset="-120"/>
-                <a:ea typeface="微軟正黑體" panose="020B0604030504040204" pitchFamily="34" charset="-120"/>
-              </a:rPr>
-              <a:t>(</a:t>
-            </a:r>
-            <a:r>
-              <a:rPr lang="zh-TW" altLang="en-US" sz="1100" b="1" dirty="0">
-                <a:solidFill>
-                  <a:schemeClr val="tx1"/>
-                </a:solidFill>
-                <a:latin typeface="微軟正黑體" panose="020B0604030504040204" pitchFamily="34" charset="-120"/>
-                <a:ea typeface="微軟正黑體" panose="020B0604030504040204" pitchFamily="34" charset="-120"/>
-              </a:rPr>
-              <a:t>王文傑老師主編，林融、蘇洪寬協助編輯</a:t>
-            </a:r>
-            <a:r>
-              <a:rPr lang="en-US" altLang="zh-TW" sz="1100" b="1" dirty="0">
-                <a:solidFill>
-                  <a:schemeClr val="tx1"/>
-                </a:solidFill>
-                <a:latin typeface="微軟正黑體" panose="020B0604030504040204" pitchFamily="34" charset="-120"/>
-                <a:ea typeface="微軟正黑體" panose="020B0604030504040204" pitchFamily="34" charset="-120"/>
-              </a:rPr>
-              <a:t>)</a:t>
-            </a:r>
-            <a:endParaRPr lang="zh-TW" altLang="en-US" sz="1100" b="1" dirty="0">
-              <a:solidFill>
-                <a:schemeClr val="tx1"/>
-              </a:solidFill>
-              <a:latin typeface="微軟正黑體" panose="020B0604030504040204" pitchFamily="34" charset="-120"/>
-              <a:ea typeface="微軟正黑體" panose="020B0604030504040204" pitchFamily="34" charset="-120"/>
-            </a:endParaRPr>
-          </a:p>
-        </p:txBody>
-      </p:sp>
-    </p:spTree>
-  </p:cSld>
-  <p:clrMapOvr>
-    <a:masterClrMapping/>
-  </p:clrMapOvr>
-</p:sld>
-</file>
-
-<file path=ppt/slides/slide20.xml><?xml version="1.0" encoding="utf-8"?>
-<p:sld xmlns:a="http://schemas.openxmlformats.org/drawingml/2006/main" xmlns:r="http://schemas.openxmlformats.org/officeDocument/2006/relationships" xmlns:p="http://schemas.openxmlformats.org/presentationml/2006/main">
-  <p:cSld>
-    <p:spTree>
-      <p:nvGrpSpPr>
-        <p:cNvPr id="1" name="Shape 190"/>
-        <p:cNvGrpSpPr/>
-        <p:nvPr/>
-      </p:nvGrpSpPr>
-      <p:grpSpPr>
-        <a:xfrm>
-          <a:off x="0" y="0"/>
-          <a:ext cx="0" cy="0"/>
-          <a:chOff x="0" y="0"/>
-          <a:chExt cx="0" cy="0"/>
-        </a:xfrm>
-      </p:grpSpPr>
-      <p:sp>
-        <p:nvSpPr>
-          <p:cNvPr id="191" name="Google Shape;191;p2"/>
-          <p:cNvSpPr txBox="1">
-            <a:spLocks noGrp="1"/>
-          </p:cNvSpPr>
-          <p:nvPr>
-            <p:ph type="title"/>
-          </p:nvPr>
-        </p:nvSpPr>
-        <p:spPr>
-          <a:prstGeom prst="rect">
-            <a:avLst/>
-          </a:prstGeom>
-          <a:noFill/>
-          <a:ln>
-            <a:noFill/>
-          </a:ln>
-        </p:spPr>
-        <p:txBody>
-          <a:bodyPr spcFirstLastPara="1" wrap="square" lIns="91425" tIns="45700" rIns="91425" bIns="45700" anchor="t" anchorCtr="0">
-            <a:normAutofit/>
-          </a:bodyPr>
-          <a:lstStyle/>
-          <a:p>
-            <a:pPr lvl="0"/>
-            <a:r>
-              <a:rPr lang="zh-TW" altLang="en-US" dirty="0">
-                <a:latin typeface="+mn-lt"/>
-                <a:ea typeface="微軟正黑體" panose="020B0604030504040204" pitchFamily="34" charset="-120"/>
-              </a:rPr>
-              <a:t>什麼是</a:t>
-            </a:r>
-            <a:r>
-              <a:rPr lang="en-US" altLang="zh-TW" dirty="0">
-                <a:latin typeface="+mn-lt"/>
-                <a:ea typeface="微軟正黑體" panose="020B0604030504040204" pitchFamily="34" charset="-120"/>
-              </a:rPr>
-              <a:t>TF-IDF</a:t>
-            </a:r>
-            <a:endParaRPr dirty="0">
-              <a:latin typeface="+mn-lt"/>
-              <a:ea typeface="微軟正黑體" panose="020B0604030504040204" pitchFamily="34" charset="-120"/>
-            </a:endParaRPr>
-          </a:p>
-        </p:txBody>
-      </p:sp>
-      <p:sp>
-        <p:nvSpPr>
-          <p:cNvPr id="192" name="Google Shape;192;p2"/>
-          <p:cNvSpPr txBox="1">
-            <a:spLocks noGrp="1"/>
-          </p:cNvSpPr>
-          <p:nvPr>
-            <p:ph type="body" idx="1"/>
-          </p:nvPr>
-        </p:nvSpPr>
-        <p:spPr>
-          <a:prstGeom prst="rect">
-            <a:avLst/>
-          </a:prstGeom>
-          <a:noFill/>
-          <a:ln>
-            <a:noFill/>
-          </a:ln>
-        </p:spPr>
-        <p:txBody>
-          <a:bodyPr spcFirstLastPara="1" wrap="square" lIns="91425" tIns="45700" rIns="91425" bIns="45700" anchor="t" anchorCtr="0">
-            <a:normAutofit/>
-          </a:bodyPr>
-          <a:lstStyle/>
-          <a:p>
-            <a:pPr marL="342900" lvl="0" indent="-342900">
-              <a:spcBef>
-                <a:spcPts val="0"/>
-              </a:spcBef>
-              <a:buSzPts val="2240"/>
-            </a:pPr>
-            <a:endParaRPr lang="en-US" altLang="zh-TW" dirty="0"/>
-          </a:p>
-          <a:p>
-            <a:pPr marL="342900" lvl="0" indent="-342900">
-              <a:spcBef>
-                <a:spcPts val="0"/>
-              </a:spcBef>
-              <a:buSzPts val="2240"/>
-            </a:pPr>
-            <a:endParaRPr lang="en-US" altLang="zh-TW" dirty="0"/>
-          </a:p>
-          <a:p>
-            <a:pPr marL="342900" lvl="0" indent="-342900">
-              <a:spcBef>
-                <a:spcPts val="0"/>
-              </a:spcBef>
-              <a:buSzPts val="2240"/>
-            </a:pPr>
-            <a:endParaRPr lang="en-US" altLang="zh-TW" dirty="0"/>
-          </a:p>
-          <a:p>
-            <a:pPr marL="342900" lvl="0" indent="-342900">
-              <a:spcBef>
-                <a:spcPts val="0"/>
-              </a:spcBef>
-              <a:buSzPts val="2240"/>
-            </a:pPr>
-            <a:endParaRPr lang="en-US" altLang="zh-TW" dirty="0"/>
-          </a:p>
-          <a:p>
-            <a:pPr marL="342900" lvl="0" indent="-342900">
-              <a:spcBef>
-                <a:spcPts val="0"/>
-              </a:spcBef>
-              <a:buSzPts val="2240"/>
-            </a:pPr>
-            <a:endParaRPr lang="en-US" altLang="zh-TW" dirty="0"/>
-          </a:p>
-          <a:p>
-            <a:pPr marL="342900" lvl="0" indent="-342900">
-              <a:spcBef>
-                <a:spcPts val="0"/>
-              </a:spcBef>
-              <a:buSzPts val="2240"/>
-            </a:pPr>
-            <a:r>
-              <a:rPr lang="zh-TW" altLang="en-US" dirty="0">
-                <a:latin typeface="+mn-lt"/>
-                <a:ea typeface="微軟正黑體" panose="020B0604030504040204" pitchFamily="34" charset="-120"/>
-                <a:sym typeface="Wingdings" panose="05000000000000000000" pitchFamily="2" charset="2"/>
-              </a:rPr>
-              <a:t>最後，我們可以將我們計算出來的</a:t>
-            </a:r>
-            <a:r>
-              <a:rPr lang="en-US" altLang="zh-TW" dirty="0">
-                <a:latin typeface="+mn-lt"/>
-                <a:ea typeface="微軟正黑體" panose="020B0604030504040204" pitchFamily="34" charset="-120"/>
-                <a:sym typeface="Wingdings" panose="05000000000000000000" pitchFamily="2" charset="2"/>
-              </a:rPr>
-              <a:t>TF </a:t>
-            </a:r>
-            <a:r>
-              <a:rPr lang="zh-TW" altLang="en-US" dirty="0">
-                <a:latin typeface="+mn-lt"/>
-                <a:ea typeface="微軟正黑體" panose="020B0604030504040204" pitchFamily="34" charset="-120"/>
-                <a:sym typeface="Wingdings" panose="05000000000000000000" pitchFamily="2" charset="2"/>
-              </a:rPr>
-              <a:t>和 </a:t>
-            </a:r>
-            <a:r>
-              <a:rPr lang="en-US" altLang="zh-TW" dirty="0">
-                <a:latin typeface="+mn-lt"/>
-                <a:ea typeface="微軟正黑體" panose="020B0604030504040204" pitchFamily="34" charset="-120"/>
-                <a:sym typeface="Wingdings" panose="05000000000000000000" pitchFamily="2" charset="2"/>
-              </a:rPr>
-              <a:t>IDF </a:t>
-            </a:r>
-            <a:r>
-              <a:rPr lang="zh-TW" altLang="en-US" dirty="0">
-                <a:latin typeface="+mn-lt"/>
-                <a:ea typeface="微軟正黑體" panose="020B0604030504040204" pitchFamily="34" charset="-120"/>
-                <a:sym typeface="Wingdings" panose="05000000000000000000" pitchFamily="2" charset="2"/>
-              </a:rPr>
-              <a:t>相乘</a:t>
-            </a:r>
-            <a:endParaRPr lang="en-US" altLang="zh-TW" dirty="0">
-              <a:latin typeface="+mn-lt"/>
-              <a:ea typeface="微軟正黑體" panose="020B0604030504040204" pitchFamily="34" charset="-120"/>
-              <a:sym typeface="Wingdings" panose="05000000000000000000" pitchFamily="2" charset="2"/>
-            </a:endParaRPr>
-          </a:p>
-          <a:p>
-            <a:pPr marL="342900" lvl="0" indent="-342900">
-              <a:spcBef>
-                <a:spcPts val="0"/>
-              </a:spcBef>
-              <a:buSzPts val="2240"/>
-            </a:pPr>
-            <a:r>
-              <a:rPr lang="zh-TW" altLang="en-US" dirty="0">
-                <a:latin typeface="+mn-lt"/>
-                <a:ea typeface="微軟正黑體" panose="020B0604030504040204" pitchFamily="34" charset="-120"/>
-                <a:sym typeface="Wingdings" panose="05000000000000000000" pitchFamily="2" charset="2"/>
-              </a:rPr>
-              <a:t>例如      是</a:t>
-            </a:r>
-            <a:r>
-              <a:rPr lang="en-US" altLang="zh-TW" dirty="0">
-                <a:latin typeface="+mn-lt"/>
-                <a:ea typeface="微軟正黑體" panose="020B0604030504040204" pitchFamily="34" charset="-120"/>
-              </a:rPr>
-              <a:t>0.792</a:t>
-            </a:r>
-            <a:r>
-              <a:rPr lang="zh-TW" altLang="en-US" dirty="0">
-                <a:latin typeface="+mn-lt"/>
-                <a:ea typeface="微軟正黑體" panose="020B0604030504040204" pitchFamily="34" charset="-120"/>
-              </a:rPr>
-              <a:t> * </a:t>
-            </a:r>
-            <a:r>
-              <a:rPr lang="en-US" altLang="zh-TW" dirty="0">
-                <a:latin typeface="+mn-lt"/>
-                <a:ea typeface="微軟正黑體" panose="020B0604030504040204" pitchFamily="34" charset="-120"/>
-              </a:rPr>
-              <a:t>0</a:t>
-            </a:r>
-            <a:r>
-              <a:rPr lang="zh-TW" altLang="en-US" dirty="0">
-                <a:latin typeface="+mn-lt"/>
-                <a:ea typeface="微軟正黑體" panose="020B0604030504040204" pitchFamily="34" charset="-120"/>
-              </a:rPr>
-              <a:t> </a:t>
-            </a:r>
-            <a:r>
-              <a:rPr lang="en-US" altLang="zh-TW" dirty="0">
-                <a:latin typeface="+mn-lt"/>
-                <a:ea typeface="微軟正黑體" panose="020B0604030504040204" pitchFamily="34" charset="-120"/>
-              </a:rPr>
-              <a:t>=</a:t>
-            </a:r>
-            <a:r>
-              <a:rPr lang="zh-TW" altLang="en-US" dirty="0">
-                <a:latin typeface="+mn-lt"/>
-                <a:ea typeface="微軟正黑體" panose="020B0604030504040204" pitchFamily="34" charset="-120"/>
-              </a:rPr>
-              <a:t> </a:t>
-            </a:r>
-            <a:r>
-              <a:rPr lang="en-US" altLang="zh-TW" dirty="0">
-                <a:latin typeface="+mn-lt"/>
-                <a:ea typeface="微軟正黑體" panose="020B0604030504040204" pitchFamily="34" charset="-120"/>
-              </a:rPr>
-              <a:t>0</a:t>
-            </a:r>
-          </a:p>
-          <a:p>
-            <a:pPr marL="342900" lvl="0" indent="-342900">
-              <a:spcBef>
-                <a:spcPts val="0"/>
-              </a:spcBef>
-              <a:buSzPts val="2240"/>
-            </a:pPr>
-            <a:r>
-              <a:rPr lang="zh-TW" altLang="en-US" dirty="0">
-                <a:latin typeface="+mn-lt"/>
-                <a:ea typeface="微軟正黑體" panose="020B0604030504040204" pitchFamily="34" charset="-120"/>
-                <a:sym typeface="Wingdings" panose="05000000000000000000" pitchFamily="2" charset="2"/>
-              </a:rPr>
-              <a:t>而      是 </a:t>
-            </a:r>
-            <a:r>
-              <a:rPr lang="en-US" altLang="zh-TW" dirty="0">
-                <a:latin typeface="+mn-lt"/>
-                <a:ea typeface="微軟正黑體" panose="020B0604030504040204" pitchFamily="34" charset="-120"/>
-              </a:rPr>
-              <a:t>0.2</a:t>
-            </a:r>
-            <a:r>
-              <a:rPr lang="zh-TW" altLang="en-US" dirty="0">
-                <a:latin typeface="+mn-lt"/>
-                <a:ea typeface="微軟正黑體" panose="020B0604030504040204" pitchFamily="34" charset="-120"/>
-              </a:rPr>
-              <a:t> *</a:t>
-            </a:r>
-            <a:r>
-              <a:rPr lang="en-US" altLang="zh-TW" dirty="0">
-                <a:latin typeface="+mn-lt"/>
-                <a:ea typeface="微軟正黑體" panose="020B0604030504040204" pitchFamily="34" charset="-120"/>
-                <a:sym typeface="Wingdings" panose="05000000000000000000" pitchFamily="2" charset="2"/>
-              </a:rPr>
-              <a:t> 0.477</a:t>
-            </a:r>
-            <a:r>
-              <a:rPr lang="zh-TW" altLang="en-US" dirty="0">
-                <a:latin typeface="+mn-lt"/>
-                <a:ea typeface="微軟正黑體" panose="020B0604030504040204" pitchFamily="34" charset="-120"/>
-                <a:sym typeface="Wingdings" panose="05000000000000000000" pitchFamily="2" charset="2"/>
-              </a:rPr>
-              <a:t> </a:t>
-            </a:r>
-            <a:r>
-              <a:rPr lang="en-US" altLang="zh-TW" dirty="0">
-                <a:latin typeface="+mn-lt"/>
-                <a:ea typeface="微軟正黑體" panose="020B0604030504040204" pitchFamily="34" charset="-120"/>
-                <a:sym typeface="Wingdings" panose="05000000000000000000" pitchFamily="2" charset="2"/>
-              </a:rPr>
-              <a:t>=</a:t>
-            </a:r>
-            <a:r>
-              <a:rPr lang="zh-TW" altLang="en-US" dirty="0">
-                <a:latin typeface="+mn-lt"/>
-                <a:ea typeface="微軟正黑體" panose="020B0604030504040204" pitchFamily="34" charset="-120"/>
-                <a:sym typeface="Wingdings" panose="05000000000000000000" pitchFamily="2" charset="2"/>
-              </a:rPr>
-              <a:t> </a:t>
-            </a:r>
-            <a:r>
-              <a:rPr lang="en-US" altLang="zh-TW" dirty="0">
-                <a:latin typeface="+mn-lt"/>
-                <a:ea typeface="微軟正黑體" panose="020B0604030504040204" pitchFamily="34" charset="-120"/>
-                <a:sym typeface="Wingdings" panose="05000000000000000000" pitchFamily="2" charset="2"/>
-              </a:rPr>
-              <a:t>0.0954</a:t>
-            </a:r>
-            <a:r>
-              <a:rPr lang="zh-TW" altLang="en-US" dirty="0">
-                <a:latin typeface="+mn-lt"/>
-                <a:ea typeface="微軟正黑體" panose="020B0604030504040204" pitchFamily="34" charset="-120"/>
-                <a:sym typeface="Wingdings" panose="05000000000000000000" pitchFamily="2" charset="2"/>
-              </a:rPr>
-              <a:t> </a:t>
-            </a:r>
-            <a:r>
-              <a:rPr lang="en-US" altLang="zh-TW" dirty="0">
-                <a:latin typeface="+mn-lt"/>
-                <a:ea typeface="微軟正黑體" panose="020B0604030504040204" pitchFamily="34" charset="-120"/>
-                <a:sym typeface="Wingdings" panose="05000000000000000000" pitchFamily="2" charset="2"/>
-              </a:rPr>
-              <a:t></a:t>
-            </a:r>
-            <a:r>
-              <a:rPr lang="zh-TW" altLang="en-US" dirty="0">
-                <a:latin typeface="+mn-lt"/>
-                <a:ea typeface="微軟正黑體" panose="020B0604030504040204" pitchFamily="34" charset="-120"/>
-                <a:sym typeface="Wingdings" panose="05000000000000000000" pitchFamily="2" charset="2"/>
-              </a:rPr>
-              <a:t> 比較重要</a:t>
-            </a:r>
-            <a:endParaRPr lang="en-US" altLang="zh-TW" dirty="0">
-              <a:latin typeface="+mn-lt"/>
-              <a:ea typeface="微軟正黑體" panose="020B0604030504040204" pitchFamily="34" charset="-120"/>
-              <a:sym typeface="Wingdings" panose="05000000000000000000" pitchFamily="2" charset="2"/>
-            </a:endParaRPr>
-          </a:p>
-          <a:p>
-            <a:pPr marL="342900" lvl="0" indent="-342900">
-              <a:spcBef>
-                <a:spcPts val="0"/>
-              </a:spcBef>
-              <a:buSzPts val="2240"/>
-            </a:pPr>
-            <a:r>
-              <a:rPr lang="en-US" altLang="zh-TW" dirty="0">
-                <a:latin typeface="+mn-lt"/>
-                <a:ea typeface="微軟正黑體" panose="020B0604030504040204" pitchFamily="34" charset="-120"/>
-                <a:sym typeface="Wingdings" panose="05000000000000000000" pitchFamily="2" charset="2"/>
-              </a:rPr>
-              <a:t>0</a:t>
-            </a:r>
-            <a:r>
-              <a:rPr lang="zh-TW" altLang="en-US" dirty="0">
-                <a:latin typeface="+mn-lt"/>
-                <a:ea typeface="微軟正黑體" panose="020B0604030504040204" pitchFamily="34" charset="-120"/>
-                <a:sym typeface="Wingdings" panose="05000000000000000000" pitchFamily="2" charset="2"/>
-              </a:rPr>
-              <a:t> 和 </a:t>
-            </a:r>
-            <a:r>
-              <a:rPr lang="en-US" altLang="zh-TW" dirty="0">
-                <a:latin typeface="+mn-lt"/>
-                <a:ea typeface="微軟正黑體" panose="020B0604030504040204" pitchFamily="34" charset="-120"/>
-                <a:sym typeface="Wingdings" panose="05000000000000000000" pitchFamily="2" charset="2"/>
-              </a:rPr>
-              <a:t>0.0954 </a:t>
-            </a:r>
-            <a:r>
-              <a:rPr lang="zh-TW" altLang="en-US" dirty="0">
-                <a:latin typeface="+mn-lt"/>
-                <a:ea typeface="微軟正黑體" panose="020B0604030504040204" pitchFamily="34" charset="-120"/>
-                <a:sym typeface="Wingdings" panose="05000000000000000000" pitchFamily="2" charset="2"/>
-              </a:rPr>
-              <a:t>就是所謂的「</a:t>
-            </a:r>
-            <a:r>
-              <a:rPr lang="en-US" altLang="zh-TW" dirty="0">
-                <a:latin typeface="+mn-lt"/>
-                <a:ea typeface="微軟正黑體" panose="020B0604030504040204" pitchFamily="34" charset="-120"/>
-              </a:rPr>
-              <a:t> TF-IDF </a:t>
-            </a:r>
-            <a:r>
-              <a:rPr lang="zh-TW" altLang="en-US" dirty="0">
-                <a:latin typeface="+mn-lt"/>
-                <a:ea typeface="微軟正黑體" panose="020B0604030504040204" pitchFamily="34" charset="-120"/>
-              </a:rPr>
-              <a:t>權重值」</a:t>
-            </a:r>
-            <a:br>
-              <a:rPr lang="en-US" altLang="zh-TW" dirty="0">
-                <a:latin typeface="+mn-lt"/>
-                <a:ea typeface="微軟正黑體" panose="020B0604030504040204" pitchFamily="34" charset="-120"/>
-                <a:sym typeface="Wingdings" panose="05000000000000000000" pitchFamily="2" charset="2"/>
-              </a:rPr>
-            </a:br>
-            <a:r>
-              <a:rPr lang="zh-TW" altLang="en-US" dirty="0">
-                <a:sym typeface="Wingdings" panose="05000000000000000000" pitchFamily="2" charset="2"/>
-              </a:rPr>
-              <a:t> </a:t>
-            </a:r>
-            <a:endParaRPr lang="en-US" altLang="zh-TW" dirty="0"/>
-          </a:p>
-          <a:p>
-            <a:pPr lvl="1" indent="-457200">
-              <a:spcBef>
-                <a:spcPts val="0"/>
-              </a:spcBef>
-              <a:buSzPts val="2240"/>
-              <a:buFont typeface="+mj-lt"/>
-              <a:buAutoNum type="arabicPeriod" startAt="3"/>
-            </a:pPr>
-            <a:endParaRPr lang="en-US" altLang="zh-TW" dirty="0"/>
-          </a:p>
-        </p:txBody>
-      </p:sp>
-      <p:sp>
-        <p:nvSpPr>
-          <p:cNvPr id="193" name="Google Shape;193;p2"/>
-          <p:cNvSpPr txBox="1">
-            <a:spLocks noGrp="1"/>
-          </p:cNvSpPr>
-          <p:nvPr>
-            <p:ph type="sldNum" idx="12"/>
-          </p:nvPr>
-        </p:nvSpPr>
-        <p:spPr>
-          <a:prstGeom prst="rect">
-            <a:avLst/>
-          </a:prstGeom>
-          <a:noFill/>
-          <a:ln>
-            <a:noFill/>
-          </a:ln>
-        </p:spPr>
-        <p:txBody>
-          <a:bodyPr spcFirstLastPara="1" wrap="square" lIns="91425" tIns="45700" rIns="91425" bIns="45700" anchor="ctr" anchorCtr="0">
-            <a:noAutofit/>
-          </a:bodyPr>
-          <a:lstStyle/>
-          <a:p>
-            <a:pPr marL="0" lvl="0" indent="0" algn="r" rtl="0">
-              <a:spcBef>
-                <a:spcPts val="0"/>
-              </a:spcBef>
-              <a:spcAft>
-                <a:spcPts val="0"/>
-              </a:spcAft>
-              <a:buNone/>
-            </a:pPr>
-            <a:fld id="{00000000-1234-1234-1234-123412341234}" type="slidenum">
-              <a:rPr lang="en-US" altLang="zh-TW"/>
-              <a:t>20</a:t>
+              <a:t>21</a:t>
             </a:fld>
             <a:endParaRPr/>
           </a:p>
@@ -28518,7 +28702,7 @@
 </p:sld>
 </file>
 
-<file path=ppt/slides/slide21.xml><?xml version="1.0" encoding="utf-8"?>
+<file path=ppt/slides/slide22.xml><?xml version="1.0" encoding="utf-8"?>
 <p:sld xmlns:a="http://schemas.openxmlformats.org/drawingml/2006/main" xmlns:r="http://schemas.openxmlformats.org/officeDocument/2006/relationships" xmlns:p="http://schemas.openxmlformats.org/presentationml/2006/main">
   <p:cSld>
     <p:spTree>
@@ -28782,7 +28966,7 @@
             </a:pPr>
             <a:fld id="{00000000-1234-1234-1234-123412341234}" type="slidenum">
               <a:rPr lang="en-US" altLang="zh-TW"/>
-              <a:t>21</a:t>
+              <a:t>22</a:t>
             </a:fld>
             <a:endParaRPr/>
           </a:p>
@@ -28962,7 +29146,7 @@
 </p:sld>
 </file>
 
-<file path=ppt/slides/slide22.xml><?xml version="1.0" encoding="utf-8"?>
+<file path=ppt/slides/slide23.xml><?xml version="1.0" encoding="utf-8"?>
 <p:sld xmlns:a="http://schemas.openxmlformats.org/drawingml/2006/main" xmlns:r="http://schemas.openxmlformats.org/officeDocument/2006/relationships" xmlns:p="http://schemas.openxmlformats.org/presentationml/2006/main">
   <p:cSld>
     <p:spTree>
@@ -29228,7 +29412,7 @@
             </a:pPr>
             <a:fld id="{00000000-1234-1234-1234-123412341234}" type="slidenum">
               <a:rPr lang="en-US" altLang="zh-TW"/>
-              <a:t>22</a:t>
+              <a:t>23</a:t>
             </a:fld>
             <a:endParaRPr/>
           </a:p>
@@ -29408,7 +29592,7 @@
 </p:sld>
 </file>
 
-<file path=ppt/slides/slide23.xml><?xml version="1.0" encoding="utf-8"?>
+<file path=ppt/slides/slide24.xml><?xml version="1.0" encoding="utf-8"?>
 <p:sld xmlns:a="http://schemas.openxmlformats.org/drawingml/2006/main" xmlns:r="http://schemas.openxmlformats.org/officeDocument/2006/relationships" xmlns:p="http://schemas.openxmlformats.org/presentationml/2006/main">
   <p:cSld>
     <p:spTree>
@@ -29583,7 +29767,7 @@
             </a:pPr>
             <a:fld id="{00000000-1234-1234-1234-123412341234}" type="slidenum">
               <a:rPr lang="en-US" altLang="zh-TW"/>
-              <a:t>23</a:t>
+              <a:t>24</a:t>
             </a:fld>
             <a:endParaRPr/>
           </a:p>
@@ -29733,7 +29917,7 @@
 </p:sld>
 </file>
 
-<file path=ppt/slides/slide24.xml><?xml version="1.0" encoding="utf-8"?>
+<file path=ppt/slides/slide25.xml><?xml version="1.0" encoding="utf-8"?>
 <p:sld xmlns:a="http://schemas.openxmlformats.org/drawingml/2006/main" xmlns:r="http://schemas.openxmlformats.org/officeDocument/2006/relationships" xmlns:p="http://schemas.openxmlformats.org/presentationml/2006/main">
   <p:cSld>
     <p:spTree>
@@ -29976,7 +30160,7 @@
             </a:pPr>
             <a:fld id="{00000000-1234-1234-1234-123412341234}" type="slidenum">
               <a:rPr lang="en-US" altLang="zh-TW" smtClean="0"/>
-              <a:t>24</a:t>
+              <a:t>25</a:t>
             </a:fld>
             <a:endParaRPr lang="zh-TW" altLang="en-US"/>
           </a:p>
@@ -30126,7 +30310,7 @@
 </p:sld>
 </file>
 
-<file path=ppt/slides/slide25.xml><?xml version="1.0" encoding="utf-8"?>
+<file path=ppt/slides/slide26.xml><?xml version="1.0" encoding="utf-8"?>
 <p:sld xmlns:a="http://schemas.openxmlformats.org/drawingml/2006/main" xmlns:r="http://schemas.openxmlformats.org/officeDocument/2006/relationships" xmlns:p="http://schemas.openxmlformats.org/presentationml/2006/main">
   <p:cSld>
     <p:spTree>
@@ -30419,7 +30603,7 @@
             </a:pPr>
             <a:fld id="{00000000-1234-1234-1234-123412341234}" type="slidenum">
               <a:rPr lang="en-US" altLang="zh-TW"/>
-              <a:t>25</a:t>
+              <a:t>26</a:t>
             </a:fld>
             <a:endParaRPr/>
           </a:p>
@@ -30599,7 +30783,2358 @@
 </p:sld>
 </file>
 
-<file path=ppt/slides/slide26.xml><?xml version="1.0" encoding="utf-8"?>
+<file path=ppt/slides/slide27.xml><?xml version="1.0" encoding="utf-8"?>
+<p:sld xmlns:a="http://schemas.openxmlformats.org/drawingml/2006/main" xmlns:r="http://schemas.openxmlformats.org/officeDocument/2006/relationships" xmlns:p="http://schemas.openxmlformats.org/presentationml/2006/main">
+  <p:cSld>
+    <p:spTree>
+      <p:nvGrpSpPr>
+        <p:cNvPr id="1" name=""/>
+        <p:cNvGrpSpPr/>
+        <p:nvPr/>
+      </p:nvGrpSpPr>
+      <p:grpSpPr>
+        <a:xfrm>
+          <a:off x="0" y="0"/>
+          <a:ext cx="0" cy="0"/>
+          <a:chOff x="0" y="0"/>
+          <a:chExt cx="0" cy="0"/>
+        </a:xfrm>
+      </p:grpSpPr>
+      <p:sp>
+        <p:nvSpPr>
+          <p:cNvPr id="2" name="標題 1">
+            <a:extLst>
+              <a:ext uri="{FF2B5EF4-FFF2-40B4-BE49-F238E27FC236}">
+                <a16:creationId xmlns:a16="http://schemas.microsoft.com/office/drawing/2014/main" id="{F1144A22-54CE-43F4-9557-D0680B1EEE40}"/>
+              </a:ext>
+            </a:extLst>
+          </p:cNvPr>
+          <p:cNvSpPr>
+            <a:spLocks noGrp="1"/>
+          </p:cNvSpPr>
+          <p:nvPr>
+            <p:ph type="title"/>
+          </p:nvPr>
+        </p:nvSpPr>
+        <p:spPr/>
+        <p:txBody>
+          <a:bodyPr/>
+          <a:lstStyle/>
+          <a:p>
+            <a:r>
+              <a:rPr lang="en-US" altLang="zh-TW" dirty="0">
+                <a:ea typeface="微軟正黑體" panose="020B0604030504040204" pitchFamily="34" charset="-120"/>
+              </a:rPr>
+              <a:t>TF-IDF</a:t>
+            </a:r>
+            <a:r>
+              <a:rPr lang="zh-TW" altLang="en-US" dirty="0">
+                <a:ea typeface="微軟正黑體" panose="020B0604030504040204" pitchFamily="34" charset="-120"/>
+              </a:rPr>
+              <a:t>限制</a:t>
+            </a:r>
+            <a:endParaRPr lang="zh-TW" altLang="en-US" dirty="0"/>
+          </a:p>
+        </p:txBody>
+      </p:sp>
+      <p:sp>
+        <p:nvSpPr>
+          <p:cNvPr id="3" name="文字版面配置區 2">
+            <a:extLst>
+              <a:ext uri="{FF2B5EF4-FFF2-40B4-BE49-F238E27FC236}">
+                <a16:creationId xmlns:a16="http://schemas.microsoft.com/office/drawing/2014/main" id="{C4EDA4C0-7F81-4CE3-824B-38B2B314B29A}"/>
+              </a:ext>
+            </a:extLst>
+          </p:cNvPr>
+          <p:cNvSpPr>
+            <a:spLocks noGrp="1"/>
+          </p:cNvSpPr>
+          <p:nvPr>
+            <p:ph type="body" idx="1"/>
+          </p:nvPr>
+        </p:nvSpPr>
+        <p:spPr/>
+        <p:txBody>
+          <a:bodyPr/>
+          <a:lstStyle/>
+          <a:p>
+            <a:r>
+              <a:rPr lang="zh-TW" altLang="en-US" dirty="0"/>
+              <a:t>從以上的操作，我們會發現</a:t>
+            </a:r>
+            <a:r>
+              <a:rPr lang="en-US" altLang="zh-TW" dirty="0"/>
+              <a:t>TF-IDF </a:t>
+            </a:r>
+            <a:r>
+              <a:rPr lang="zh-TW" altLang="en-US" dirty="0"/>
+              <a:t>，也就是單頻文章字詞的頻率來判斷，其實解讀內容有限。</a:t>
+            </a:r>
+            <a:endParaRPr lang="en-US" altLang="zh-TW" dirty="0"/>
+          </a:p>
+          <a:p>
+            <a:r>
+              <a:rPr lang="zh-TW" altLang="en-US" dirty="0"/>
+              <a:t>為什麼呢？</a:t>
+            </a:r>
+            <a:endParaRPr lang="en-US" altLang="zh-TW" dirty="0"/>
+          </a:p>
+          <a:p>
+            <a:r>
+              <a:rPr lang="en-US" altLang="zh-TW" dirty="0"/>
+              <a:t>1.</a:t>
+            </a:r>
+            <a:r>
+              <a:rPr lang="zh-TW" altLang="en-US" dirty="0"/>
+              <a:t> </a:t>
+            </a:r>
+            <a:r>
+              <a:rPr lang="en-US" altLang="zh-TW" dirty="0"/>
+              <a:t>TF</a:t>
+            </a:r>
+            <a:r>
+              <a:rPr lang="zh-TW" altLang="en-US" dirty="0"/>
+              <a:t> 中所得到的高頻詞，有可能無法解讀</a:t>
+            </a:r>
+            <a:endParaRPr lang="en-US" altLang="zh-TW" dirty="0"/>
+          </a:p>
+          <a:p>
+            <a:pPr lvl="1"/>
+            <a:r>
+              <a:rPr lang="zh-TW" altLang="en-US" dirty="0"/>
+              <a:t>從以上的練習題，我們會發現，一篇文章如果我們直接只看高頻詞那我們可能會完全不了解這篇文章再講什麼，因為這些高頻詞，很多都是「功能詞」，也就是語法架構的一部分，並非「實詞」，也就是具備比較多「語意」的詞彙</a:t>
+            </a:r>
+            <a:endParaRPr lang="en-US" altLang="zh-TW" dirty="0"/>
+          </a:p>
+          <a:p>
+            <a:endParaRPr lang="zh-TW" altLang="en-US" dirty="0"/>
+          </a:p>
+        </p:txBody>
+      </p:sp>
+      <p:sp>
+        <p:nvSpPr>
+          <p:cNvPr id="4" name="投影片編號版面配置區 3">
+            <a:extLst>
+              <a:ext uri="{FF2B5EF4-FFF2-40B4-BE49-F238E27FC236}">
+                <a16:creationId xmlns:a16="http://schemas.microsoft.com/office/drawing/2014/main" id="{A70B6745-6041-4890-B6EA-D0BAF9E8C410}"/>
+              </a:ext>
+            </a:extLst>
+          </p:cNvPr>
+          <p:cNvSpPr>
+            <a:spLocks noGrp="1"/>
+          </p:cNvSpPr>
+          <p:nvPr>
+            <p:ph type="sldNum" idx="12"/>
+          </p:nvPr>
+        </p:nvSpPr>
+        <p:spPr/>
+        <p:txBody>
+          <a:bodyPr/>
+          <a:lstStyle/>
+          <a:p>
+            <a:pPr marL="0" lvl="0" indent="0" algn="r" rtl="0">
+              <a:spcBef>
+                <a:spcPts val="0"/>
+              </a:spcBef>
+              <a:spcAft>
+                <a:spcPts val="0"/>
+              </a:spcAft>
+              <a:buNone/>
+            </a:pPr>
+            <a:fld id="{00000000-1234-1234-1234-123412341234}" type="slidenum">
+              <a:rPr lang="en-US" altLang="zh-TW" smtClean="0"/>
+              <a:t>27</a:t>
+            </a:fld>
+            <a:endParaRPr lang="zh-TW" altLang="en-US"/>
+          </a:p>
+        </p:txBody>
+      </p:sp>
+    </p:spTree>
+    <p:extLst>
+      <p:ext uri="{BB962C8B-B14F-4D97-AF65-F5344CB8AC3E}">
+        <p14:creationId xmlns:p14="http://schemas.microsoft.com/office/powerpoint/2010/main" val="3795792464"/>
+      </p:ext>
+    </p:extLst>
+  </p:cSld>
+  <p:clrMapOvr>
+    <a:masterClrMapping/>
+  </p:clrMapOvr>
+</p:sld>
+</file>
+
+<file path=ppt/slides/slide28.xml><?xml version="1.0" encoding="utf-8"?>
+<p:sld xmlns:a="http://schemas.openxmlformats.org/drawingml/2006/main" xmlns:r="http://schemas.openxmlformats.org/officeDocument/2006/relationships" xmlns:p="http://schemas.openxmlformats.org/presentationml/2006/main">
+  <p:cSld>
+    <p:spTree>
+      <p:nvGrpSpPr>
+        <p:cNvPr id="1" name=""/>
+        <p:cNvGrpSpPr/>
+        <p:nvPr/>
+      </p:nvGrpSpPr>
+      <p:grpSpPr>
+        <a:xfrm>
+          <a:off x="0" y="0"/>
+          <a:ext cx="0" cy="0"/>
+          <a:chOff x="0" y="0"/>
+          <a:chExt cx="0" cy="0"/>
+        </a:xfrm>
+      </p:grpSpPr>
+      <p:sp>
+        <p:nvSpPr>
+          <p:cNvPr id="2" name="標題 1">
+            <a:extLst>
+              <a:ext uri="{FF2B5EF4-FFF2-40B4-BE49-F238E27FC236}">
+                <a16:creationId xmlns:a16="http://schemas.microsoft.com/office/drawing/2014/main" id="{DE87ECAD-2BD1-4D77-8DB5-09807E6386B0}"/>
+              </a:ext>
+            </a:extLst>
+          </p:cNvPr>
+          <p:cNvSpPr>
+            <a:spLocks noGrp="1"/>
+          </p:cNvSpPr>
+          <p:nvPr>
+            <p:ph type="title"/>
+          </p:nvPr>
+        </p:nvSpPr>
+        <p:spPr/>
+        <p:txBody>
+          <a:bodyPr/>
+          <a:lstStyle/>
+          <a:p>
+            <a:r>
+              <a:rPr lang="zh-TW" altLang="en-US" dirty="0">
+                <a:latin typeface="+mn-lt"/>
+                <a:ea typeface="微軟正黑體" panose="020B0604030504040204" pitchFamily="34" charset="-120"/>
+              </a:rPr>
+              <a:t>什麼是功能詞 </a:t>
+            </a:r>
+            <a:r>
+              <a:rPr lang="en-US" altLang="zh-TW" dirty="0">
+                <a:latin typeface="+mn-lt"/>
+                <a:ea typeface="微軟正黑體" panose="020B0604030504040204" pitchFamily="34" charset="-120"/>
+              </a:rPr>
+              <a:t>content words </a:t>
+            </a:r>
+            <a:endParaRPr lang="zh-TW" altLang="en-US" dirty="0">
+              <a:latin typeface="+mn-lt"/>
+              <a:ea typeface="微軟正黑體" panose="020B0604030504040204" pitchFamily="34" charset="-120"/>
+            </a:endParaRPr>
+          </a:p>
+        </p:txBody>
+      </p:sp>
+      <p:sp>
+        <p:nvSpPr>
+          <p:cNvPr id="3" name="文字版面配置區 2">
+            <a:extLst>
+              <a:ext uri="{FF2B5EF4-FFF2-40B4-BE49-F238E27FC236}">
+                <a16:creationId xmlns:a16="http://schemas.microsoft.com/office/drawing/2014/main" id="{0B419789-0226-4981-A301-9EB997A91B64}"/>
+              </a:ext>
+            </a:extLst>
+          </p:cNvPr>
+          <p:cNvSpPr>
+            <a:spLocks noGrp="1"/>
+          </p:cNvSpPr>
+          <p:nvPr>
+            <p:ph type="body" idx="1"/>
+          </p:nvPr>
+        </p:nvSpPr>
+        <p:spPr/>
+        <p:txBody>
+          <a:bodyPr/>
+          <a:lstStyle/>
+          <a:p>
+            <a:r>
+              <a:rPr lang="en-US" altLang="zh-TW" dirty="0">
+                <a:latin typeface="+mn-lt"/>
+                <a:ea typeface="微軟正黑體" panose="020B0604030504040204" pitchFamily="34" charset="-120"/>
+              </a:rPr>
+              <a:t>Content words</a:t>
+            </a:r>
+            <a:r>
+              <a:rPr lang="zh-TW" altLang="en-US" dirty="0">
+                <a:latin typeface="+mn-lt"/>
+                <a:ea typeface="微軟正黑體" panose="020B0604030504040204" pitchFamily="34" charset="-120"/>
+              </a:rPr>
+              <a:t>，或是又稱「實詞」，指的是句子中有重要意義的意思。</a:t>
+            </a:r>
+            <a:endParaRPr lang="en-US" altLang="zh-TW" dirty="0">
+              <a:latin typeface="+mn-lt"/>
+              <a:ea typeface="微軟正黑體" panose="020B0604030504040204" pitchFamily="34" charset="-120"/>
+            </a:endParaRPr>
+          </a:p>
+          <a:p>
+            <a:r>
+              <a:rPr lang="zh-TW" altLang="en-US" dirty="0">
+                <a:latin typeface="+mn-lt"/>
+                <a:ea typeface="微軟正黑體" panose="020B0604030504040204" pitchFamily="34" charset="-120"/>
+              </a:rPr>
+              <a:t>例如以下句子 </a:t>
+            </a:r>
+            <a:r>
+              <a:rPr lang="en-US" altLang="zh-TW" dirty="0">
+                <a:latin typeface="+mn-lt"/>
+                <a:ea typeface="微軟正黑體" panose="020B0604030504040204" pitchFamily="34" charset="-120"/>
+              </a:rPr>
+              <a:t>(</a:t>
+            </a:r>
+            <a:r>
+              <a:rPr lang="zh-TW" altLang="en-US" dirty="0">
+                <a:latin typeface="+mn-lt"/>
+                <a:ea typeface="微軟正黑體" panose="020B0604030504040204" pitchFamily="34" charset="-120"/>
+              </a:rPr>
+              <a:t>取次於 </a:t>
+            </a:r>
+            <a:r>
+              <a:rPr lang="en-US" altLang="zh-TW" dirty="0">
+                <a:latin typeface="+mn-lt"/>
+                <a:ea typeface="微軟正黑體" panose="020B0604030504040204" pitchFamily="34" charset="-120"/>
+              </a:rPr>
+              <a:t>Snow White </a:t>
+            </a:r>
+            <a:r>
+              <a:rPr lang="zh-TW" altLang="en-US" dirty="0">
+                <a:latin typeface="+mn-lt"/>
+                <a:ea typeface="微軟正黑體" panose="020B0604030504040204" pitchFamily="34" charset="-120"/>
+              </a:rPr>
+              <a:t>的維基條目</a:t>
+            </a:r>
+            <a:r>
+              <a:rPr lang="en-US" altLang="zh-TW" dirty="0">
+                <a:latin typeface="+mn-lt"/>
+                <a:ea typeface="微軟正黑體" panose="020B0604030504040204" pitchFamily="34" charset="-120"/>
+              </a:rPr>
+              <a:t>) </a:t>
+            </a:r>
+          </a:p>
+          <a:p>
+            <a:r>
+              <a:rPr lang="en-US" altLang="zh-TW" dirty="0">
+                <a:latin typeface="+mn-lt"/>
+                <a:ea typeface="微軟正黑體" panose="020B0604030504040204" pitchFamily="34" charset="-120"/>
+              </a:rPr>
+              <a:t>"Snow White" is a 19th-century German fairy tale that is today known widely across the Western world. </a:t>
+            </a:r>
+          </a:p>
+          <a:p>
+            <a:r>
+              <a:rPr lang="zh-TW" altLang="en-US" dirty="0">
+                <a:latin typeface="+mn-lt"/>
+                <a:ea typeface="微軟正黑體" panose="020B0604030504040204" pitchFamily="34" charset="-120"/>
+              </a:rPr>
+              <a:t>其中實詞就包括 </a:t>
+            </a:r>
+            <a:r>
+              <a:rPr lang="en-US" altLang="zh-TW" dirty="0">
+                <a:latin typeface="+mn-lt"/>
+                <a:ea typeface="微軟正黑體" panose="020B0604030504040204" pitchFamily="34" charset="-120"/>
+              </a:rPr>
+              <a:t>Snow White, German, fairy tale</a:t>
+            </a:r>
+          </a:p>
+          <a:p>
+            <a:r>
+              <a:rPr lang="zh-TW" altLang="en-US" dirty="0">
+                <a:latin typeface="+mn-lt"/>
+                <a:ea typeface="微軟正黑體" panose="020B0604030504040204" pitchFamily="34" charset="-120"/>
+              </a:rPr>
+              <a:t>而相對於實詞，如果只有文法上功能的就是虛詞，也就是功能詞</a:t>
+            </a:r>
+          </a:p>
+        </p:txBody>
+      </p:sp>
+      <p:sp>
+        <p:nvSpPr>
+          <p:cNvPr id="4" name="投影片編號版面配置區 3">
+            <a:extLst>
+              <a:ext uri="{FF2B5EF4-FFF2-40B4-BE49-F238E27FC236}">
+                <a16:creationId xmlns:a16="http://schemas.microsoft.com/office/drawing/2014/main" id="{78795F42-E4B0-4A05-B5FA-0179A2694A2F}"/>
+              </a:ext>
+            </a:extLst>
+          </p:cNvPr>
+          <p:cNvSpPr>
+            <a:spLocks noGrp="1"/>
+          </p:cNvSpPr>
+          <p:nvPr>
+            <p:ph type="sldNum" idx="12"/>
+          </p:nvPr>
+        </p:nvSpPr>
+        <p:spPr/>
+        <p:txBody>
+          <a:bodyPr/>
+          <a:lstStyle/>
+          <a:p>
+            <a:pPr marL="0" lvl="0" indent="0" algn="r" rtl="0">
+              <a:spcBef>
+                <a:spcPts val="0"/>
+              </a:spcBef>
+              <a:spcAft>
+                <a:spcPts val="0"/>
+              </a:spcAft>
+              <a:buNone/>
+            </a:pPr>
+            <a:fld id="{00000000-1234-1234-1234-123412341234}" type="slidenum">
+              <a:rPr lang="en-US" altLang="zh-TW" smtClean="0"/>
+              <a:t>28</a:t>
+            </a:fld>
+            <a:endParaRPr lang="zh-TW" altLang="en-US"/>
+          </a:p>
+        </p:txBody>
+      </p:sp>
+      <p:sp>
+        <p:nvSpPr>
+          <p:cNvPr id="5" name="Rectangle 4">
+            <a:extLst>
+              <a:ext uri="{FF2B5EF4-FFF2-40B4-BE49-F238E27FC236}">
+                <a16:creationId xmlns:a16="http://schemas.microsoft.com/office/drawing/2014/main" id="{8F8D6D9F-C5B3-41D7-BB2B-A3D49A6CFBD8}"/>
+              </a:ext>
+            </a:extLst>
+          </p:cNvPr>
+          <p:cNvSpPr/>
+          <p:nvPr/>
+        </p:nvSpPr>
+        <p:spPr>
+          <a:xfrm>
+            <a:off x="1544320" y="6415589"/>
+            <a:ext cx="9961165" cy="432000"/>
+          </a:xfrm>
+          <a:prstGeom prst="rect">
+            <a:avLst/>
+          </a:prstGeom>
+          <a:gradFill flip="none" rotWithShape="1">
+            <a:gsLst>
+              <a:gs pos="0">
+                <a:srgbClr val="20A4D6"/>
+              </a:gs>
+              <a:gs pos="100000">
+                <a:srgbClr val="86D7F3">
+                  <a:shade val="100000"/>
+                  <a:satMod val="115000"/>
+                </a:srgbClr>
+              </a:gs>
+            </a:gsLst>
+            <a:path path="circle">
+              <a:fillToRect l="100000" t="100000"/>
+            </a:path>
+            <a:tileRect r="-100000" b="-100000"/>
+          </a:gradFill>
+          <a:ln>
+            <a:noFill/>
+          </a:ln>
+        </p:spPr>
+        <p:style>
+          <a:lnRef idx="2">
+            <a:schemeClr val="accent1">
+              <a:shade val="50000"/>
+            </a:schemeClr>
+          </a:lnRef>
+          <a:fillRef idx="1">
+            <a:schemeClr val="accent1"/>
+          </a:fillRef>
+          <a:effectRef idx="0">
+            <a:schemeClr val="accent1"/>
+          </a:effectRef>
+          <a:fontRef idx="minor">
+            <a:schemeClr val="lt1"/>
+          </a:fontRef>
+        </p:style>
+        <p:txBody>
+          <a:bodyPr rtlCol="0" anchor="ctr"/>
+          <a:lstStyle/>
+          <a:p>
+            <a:r>
+              <a:rPr lang="zh-TW" altLang="en-US" sz="1100" b="1" dirty="0">
+                <a:solidFill>
+                  <a:schemeClr val="tx1"/>
+                </a:solidFill>
+                <a:latin typeface="微軟正黑體" panose="020B0604030504040204" pitchFamily="34" charset="-120"/>
+                <a:ea typeface="微軟正黑體" panose="020B0604030504040204" pitchFamily="34" charset="-120"/>
+              </a:rPr>
+              <a:t>推動大學程式設計教學計畫。分項六</a:t>
+            </a:r>
+            <a:r>
+              <a:rPr lang="en-US" altLang="zh-TW" sz="1100" b="1" dirty="0">
+                <a:solidFill>
+                  <a:schemeClr val="tx1"/>
+                </a:solidFill>
+                <a:latin typeface="微軟正黑體" panose="020B0604030504040204" pitchFamily="34" charset="-120"/>
+                <a:ea typeface="微軟正黑體" panose="020B0604030504040204" pitchFamily="34" charset="-120"/>
+              </a:rPr>
+              <a:t>:</a:t>
+            </a:r>
+            <a:r>
+              <a:rPr lang="zh-TW" altLang="en-US" sz="1100" b="1" dirty="0">
+                <a:solidFill>
+                  <a:schemeClr val="tx1"/>
+                </a:solidFill>
+                <a:latin typeface="微軟正黑體" panose="020B0604030504040204" pitchFamily="34" charset="-120"/>
+                <a:ea typeface="微軟正黑體" panose="020B0604030504040204" pitchFamily="34" charset="-120"/>
+              </a:rPr>
+              <a:t>資料分析領域與學習評量推動團隊</a:t>
+            </a:r>
+            <a:r>
+              <a:rPr lang="en-US" altLang="zh-TW" sz="1100" b="1" dirty="0">
+                <a:solidFill>
+                  <a:schemeClr val="tx1"/>
+                </a:solidFill>
+                <a:latin typeface="微軟正黑體" panose="020B0604030504040204" pitchFamily="34" charset="-120"/>
+                <a:ea typeface="微軟正黑體" panose="020B0604030504040204" pitchFamily="34" charset="-120"/>
+              </a:rPr>
+              <a:t>(</a:t>
+            </a:r>
+            <a:r>
+              <a:rPr lang="zh-TW" altLang="en-US" sz="1100" b="1" dirty="0">
+                <a:solidFill>
+                  <a:schemeClr val="tx1"/>
+                </a:solidFill>
+                <a:latin typeface="微軟正黑體" panose="020B0604030504040204" pitchFamily="34" charset="-120"/>
+                <a:ea typeface="微軟正黑體" panose="020B0604030504040204" pitchFamily="34" charset="-120"/>
+              </a:rPr>
+              <a:t>王文傑老師主編，林融、蘇洪寬協助編輯</a:t>
+            </a:r>
+            <a:r>
+              <a:rPr lang="en-US" altLang="zh-TW" sz="1100" b="1" dirty="0">
+                <a:solidFill>
+                  <a:schemeClr val="tx1"/>
+                </a:solidFill>
+                <a:latin typeface="微軟正黑體" panose="020B0604030504040204" pitchFamily="34" charset="-120"/>
+                <a:ea typeface="微軟正黑體" panose="020B0604030504040204" pitchFamily="34" charset="-120"/>
+              </a:rPr>
+              <a:t>)</a:t>
+            </a:r>
+            <a:endParaRPr lang="zh-TW" altLang="en-US" sz="1100" b="1" dirty="0">
+              <a:solidFill>
+                <a:schemeClr val="tx1"/>
+              </a:solidFill>
+              <a:latin typeface="微軟正黑體" panose="020B0604030504040204" pitchFamily="34" charset="-120"/>
+              <a:ea typeface="微軟正黑體" panose="020B0604030504040204" pitchFamily="34" charset="-120"/>
+            </a:endParaRPr>
+          </a:p>
+        </p:txBody>
+      </p:sp>
+    </p:spTree>
+    <p:extLst>
+      <p:ext uri="{BB962C8B-B14F-4D97-AF65-F5344CB8AC3E}">
+        <p14:creationId xmlns:p14="http://schemas.microsoft.com/office/powerpoint/2010/main" val="293018941"/>
+      </p:ext>
+    </p:extLst>
+  </p:cSld>
+  <p:clrMapOvr>
+    <a:masterClrMapping/>
+  </p:clrMapOvr>
+</p:sld>
+</file>
+
+<file path=ppt/slides/slide29.xml><?xml version="1.0" encoding="utf-8"?>
+<p:sld xmlns:a="http://schemas.openxmlformats.org/drawingml/2006/main" xmlns:r="http://schemas.openxmlformats.org/officeDocument/2006/relationships" xmlns:p="http://schemas.openxmlformats.org/presentationml/2006/main">
+  <p:cSld>
+    <p:spTree>
+      <p:nvGrpSpPr>
+        <p:cNvPr id="1" name=""/>
+        <p:cNvGrpSpPr/>
+        <p:nvPr/>
+      </p:nvGrpSpPr>
+      <p:grpSpPr>
+        <a:xfrm>
+          <a:off x="0" y="0"/>
+          <a:ext cx="0" cy="0"/>
+          <a:chOff x="0" y="0"/>
+          <a:chExt cx="0" cy="0"/>
+        </a:xfrm>
+      </p:grpSpPr>
+      <p:sp>
+        <p:nvSpPr>
+          <p:cNvPr id="2" name="標題 1">
+            <a:extLst>
+              <a:ext uri="{FF2B5EF4-FFF2-40B4-BE49-F238E27FC236}">
+                <a16:creationId xmlns:a16="http://schemas.microsoft.com/office/drawing/2014/main" id="{DE87ECAD-2BD1-4D77-8DB5-09807E6386B0}"/>
+              </a:ext>
+            </a:extLst>
+          </p:cNvPr>
+          <p:cNvSpPr>
+            <a:spLocks noGrp="1"/>
+          </p:cNvSpPr>
+          <p:nvPr>
+            <p:ph type="title"/>
+          </p:nvPr>
+        </p:nvSpPr>
+        <p:spPr/>
+        <p:txBody>
+          <a:bodyPr/>
+          <a:lstStyle/>
+          <a:p>
+            <a:r>
+              <a:rPr lang="zh-TW" altLang="en-US" dirty="0">
+                <a:latin typeface="+mn-lt"/>
+                <a:ea typeface="微軟正黑體" panose="020B0604030504040204" pitchFamily="34" charset="-120"/>
+              </a:rPr>
+              <a:t>什麼是功能詞 </a:t>
+            </a:r>
+            <a:r>
+              <a:rPr lang="en-US" altLang="zh-TW" dirty="0">
+                <a:latin typeface="+mn-lt"/>
+                <a:ea typeface="微軟正黑體" panose="020B0604030504040204" pitchFamily="34" charset="-120"/>
+              </a:rPr>
+              <a:t>content words </a:t>
+            </a:r>
+            <a:endParaRPr lang="zh-TW" altLang="en-US" dirty="0">
+              <a:latin typeface="+mn-lt"/>
+              <a:ea typeface="微軟正黑體" panose="020B0604030504040204" pitchFamily="34" charset="-120"/>
+            </a:endParaRPr>
+          </a:p>
+        </p:txBody>
+      </p:sp>
+      <p:sp>
+        <p:nvSpPr>
+          <p:cNvPr id="3" name="文字版面配置區 2">
+            <a:extLst>
+              <a:ext uri="{FF2B5EF4-FFF2-40B4-BE49-F238E27FC236}">
+                <a16:creationId xmlns:a16="http://schemas.microsoft.com/office/drawing/2014/main" id="{0B419789-0226-4981-A301-9EB997A91B64}"/>
+              </a:ext>
+            </a:extLst>
+          </p:cNvPr>
+          <p:cNvSpPr>
+            <a:spLocks noGrp="1"/>
+          </p:cNvSpPr>
+          <p:nvPr>
+            <p:ph type="body" idx="1"/>
+          </p:nvPr>
+        </p:nvSpPr>
+        <p:spPr/>
+        <p:txBody>
+          <a:bodyPr>
+            <a:normAutofit/>
+          </a:bodyPr>
+          <a:lstStyle/>
+          <a:p>
+            <a:r>
+              <a:rPr lang="zh-TW" altLang="en-US" dirty="0">
+                <a:latin typeface="+mn-lt"/>
+                <a:ea typeface="微軟正黑體" panose="020B0604030504040204" pitchFamily="34" charset="-120"/>
+              </a:rPr>
+              <a:t>而相對於實詞，如果只有文法上功能的就是虛詞</a:t>
+            </a:r>
+            <a:endParaRPr lang="en-US" altLang="zh-TW" dirty="0">
+              <a:latin typeface="+mn-lt"/>
+              <a:ea typeface="微軟正黑體" panose="020B0604030504040204" pitchFamily="34" charset="-120"/>
+            </a:endParaRPr>
+          </a:p>
+          <a:p>
+            <a:r>
+              <a:rPr lang="zh-TW" altLang="en-US" dirty="0">
+                <a:latin typeface="+mn-lt"/>
+                <a:ea typeface="微軟正黑體" panose="020B0604030504040204" pitchFamily="34" charset="-120"/>
+              </a:rPr>
+              <a:t>例如在剛剛的句子中</a:t>
+            </a:r>
+            <a:br>
+              <a:rPr lang="en-US" altLang="zh-TW" dirty="0">
+                <a:latin typeface="+mn-lt"/>
+                <a:ea typeface="微軟正黑體" panose="020B0604030504040204" pitchFamily="34" charset="-120"/>
+              </a:rPr>
+            </a:br>
+            <a:r>
+              <a:rPr lang="en-US" altLang="zh-TW" dirty="0">
+                <a:latin typeface="+mn-lt"/>
+                <a:ea typeface="微軟正黑體" panose="020B0604030504040204" pitchFamily="34" charset="-120"/>
+              </a:rPr>
+              <a:t>"Snow White" is a 19th-century German fairy tale that is today known widely across the Western world. </a:t>
+            </a:r>
+          </a:p>
+          <a:p>
+            <a:r>
+              <a:rPr lang="en-US" altLang="zh-TW" dirty="0">
+                <a:latin typeface="+mn-lt"/>
+                <a:ea typeface="微軟正黑體" panose="020B0604030504040204" pitchFamily="34" charset="-120"/>
+              </a:rPr>
+              <a:t>a, that, the </a:t>
+            </a:r>
+            <a:r>
+              <a:rPr lang="zh-TW" altLang="en-US" dirty="0">
+                <a:latin typeface="+mn-lt"/>
+                <a:ea typeface="微軟正黑體" panose="020B0604030504040204" pitchFamily="34" charset="-120"/>
+              </a:rPr>
+              <a:t>就是虛詞</a:t>
+            </a:r>
+            <a:r>
+              <a:rPr lang="en-US" altLang="zh-TW" dirty="0">
+                <a:latin typeface="+mn-lt"/>
+                <a:ea typeface="微軟正黑體" panose="020B0604030504040204" pitchFamily="34" charset="-120"/>
+              </a:rPr>
+              <a:t> </a:t>
+            </a:r>
+          </a:p>
+          <a:p>
+            <a:endParaRPr lang="en-US" altLang="zh-TW" dirty="0">
+              <a:latin typeface="+mn-lt"/>
+              <a:ea typeface="微軟正黑體" panose="020B0604030504040204" pitchFamily="34" charset="-120"/>
+            </a:endParaRPr>
+          </a:p>
+          <a:p>
+            <a:r>
+              <a:rPr lang="zh-TW" altLang="en-US" dirty="0">
+                <a:latin typeface="+mn-lt"/>
+                <a:ea typeface="微軟正黑體" panose="020B0604030504040204" pitchFamily="34" charset="-120"/>
+              </a:rPr>
+              <a:t>取自於</a:t>
+            </a:r>
+            <a:r>
+              <a:rPr lang="en-US" altLang="zh-TW" dirty="0">
+                <a:latin typeface="+mn-lt"/>
+                <a:ea typeface="微軟正黑體" panose="020B0604030504040204" pitchFamily="34" charset="-120"/>
+              </a:rPr>
+              <a:t>https://en.wikipedia.org/wiki/Snow_White</a:t>
+            </a:r>
+            <a:endParaRPr lang="zh-TW" altLang="en-US" dirty="0">
+              <a:latin typeface="+mn-lt"/>
+              <a:ea typeface="微軟正黑體" panose="020B0604030504040204" pitchFamily="34" charset="-120"/>
+            </a:endParaRPr>
+          </a:p>
+        </p:txBody>
+      </p:sp>
+      <p:sp>
+        <p:nvSpPr>
+          <p:cNvPr id="4" name="投影片編號版面配置區 3">
+            <a:extLst>
+              <a:ext uri="{FF2B5EF4-FFF2-40B4-BE49-F238E27FC236}">
+                <a16:creationId xmlns:a16="http://schemas.microsoft.com/office/drawing/2014/main" id="{78795F42-E4B0-4A05-B5FA-0179A2694A2F}"/>
+              </a:ext>
+            </a:extLst>
+          </p:cNvPr>
+          <p:cNvSpPr>
+            <a:spLocks noGrp="1"/>
+          </p:cNvSpPr>
+          <p:nvPr>
+            <p:ph type="sldNum" idx="12"/>
+          </p:nvPr>
+        </p:nvSpPr>
+        <p:spPr/>
+        <p:txBody>
+          <a:bodyPr/>
+          <a:lstStyle/>
+          <a:p>
+            <a:pPr marL="0" lvl="0" indent="0" algn="r" rtl="0">
+              <a:spcBef>
+                <a:spcPts val="0"/>
+              </a:spcBef>
+              <a:spcAft>
+                <a:spcPts val="0"/>
+              </a:spcAft>
+              <a:buNone/>
+            </a:pPr>
+            <a:fld id="{00000000-1234-1234-1234-123412341234}" type="slidenum">
+              <a:rPr lang="en-US" altLang="zh-TW" smtClean="0"/>
+              <a:t>29</a:t>
+            </a:fld>
+            <a:endParaRPr lang="zh-TW" altLang="en-US"/>
+          </a:p>
+        </p:txBody>
+      </p:sp>
+      <p:sp>
+        <p:nvSpPr>
+          <p:cNvPr id="5" name="Rectangle 4">
+            <a:extLst>
+              <a:ext uri="{FF2B5EF4-FFF2-40B4-BE49-F238E27FC236}">
+                <a16:creationId xmlns:a16="http://schemas.microsoft.com/office/drawing/2014/main" id="{276C9EDC-DE4A-4ED9-8774-457A7229984E}"/>
+              </a:ext>
+            </a:extLst>
+          </p:cNvPr>
+          <p:cNvSpPr/>
+          <p:nvPr/>
+        </p:nvSpPr>
+        <p:spPr>
+          <a:xfrm>
+            <a:off x="1544320" y="6415589"/>
+            <a:ext cx="9961165" cy="432000"/>
+          </a:xfrm>
+          <a:prstGeom prst="rect">
+            <a:avLst/>
+          </a:prstGeom>
+          <a:gradFill flip="none" rotWithShape="1">
+            <a:gsLst>
+              <a:gs pos="0">
+                <a:srgbClr val="20A4D6"/>
+              </a:gs>
+              <a:gs pos="100000">
+                <a:srgbClr val="86D7F3">
+                  <a:shade val="100000"/>
+                  <a:satMod val="115000"/>
+                </a:srgbClr>
+              </a:gs>
+            </a:gsLst>
+            <a:path path="circle">
+              <a:fillToRect l="100000" t="100000"/>
+            </a:path>
+            <a:tileRect r="-100000" b="-100000"/>
+          </a:gradFill>
+          <a:ln>
+            <a:noFill/>
+          </a:ln>
+        </p:spPr>
+        <p:style>
+          <a:lnRef idx="2">
+            <a:schemeClr val="accent1">
+              <a:shade val="50000"/>
+            </a:schemeClr>
+          </a:lnRef>
+          <a:fillRef idx="1">
+            <a:schemeClr val="accent1"/>
+          </a:fillRef>
+          <a:effectRef idx="0">
+            <a:schemeClr val="accent1"/>
+          </a:effectRef>
+          <a:fontRef idx="minor">
+            <a:schemeClr val="lt1"/>
+          </a:fontRef>
+        </p:style>
+        <p:txBody>
+          <a:bodyPr rtlCol="0" anchor="ctr"/>
+          <a:lstStyle/>
+          <a:p>
+            <a:r>
+              <a:rPr lang="zh-TW" altLang="en-US" sz="1100" b="1" dirty="0">
+                <a:solidFill>
+                  <a:schemeClr val="tx1"/>
+                </a:solidFill>
+                <a:latin typeface="微軟正黑體" panose="020B0604030504040204" pitchFamily="34" charset="-120"/>
+                <a:ea typeface="微軟正黑體" panose="020B0604030504040204" pitchFamily="34" charset="-120"/>
+              </a:rPr>
+              <a:t>推動大學程式設計教學計畫。分項六</a:t>
+            </a:r>
+            <a:r>
+              <a:rPr lang="en-US" altLang="zh-TW" sz="1100" b="1" dirty="0">
+                <a:solidFill>
+                  <a:schemeClr val="tx1"/>
+                </a:solidFill>
+                <a:latin typeface="微軟正黑體" panose="020B0604030504040204" pitchFamily="34" charset="-120"/>
+                <a:ea typeface="微軟正黑體" panose="020B0604030504040204" pitchFamily="34" charset="-120"/>
+              </a:rPr>
+              <a:t>:</a:t>
+            </a:r>
+            <a:r>
+              <a:rPr lang="zh-TW" altLang="en-US" sz="1100" b="1" dirty="0">
+                <a:solidFill>
+                  <a:schemeClr val="tx1"/>
+                </a:solidFill>
+                <a:latin typeface="微軟正黑體" panose="020B0604030504040204" pitchFamily="34" charset="-120"/>
+                <a:ea typeface="微軟正黑體" panose="020B0604030504040204" pitchFamily="34" charset="-120"/>
+              </a:rPr>
+              <a:t>資料分析領域與學習評量推動團隊</a:t>
+            </a:r>
+            <a:r>
+              <a:rPr lang="en-US" altLang="zh-TW" sz="1100" b="1" dirty="0">
+                <a:solidFill>
+                  <a:schemeClr val="tx1"/>
+                </a:solidFill>
+                <a:latin typeface="微軟正黑體" panose="020B0604030504040204" pitchFamily="34" charset="-120"/>
+                <a:ea typeface="微軟正黑體" panose="020B0604030504040204" pitchFamily="34" charset="-120"/>
+              </a:rPr>
+              <a:t>(</a:t>
+            </a:r>
+            <a:r>
+              <a:rPr lang="zh-TW" altLang="en-US" sz="1100" b="1" dirty="0">
+                <a:solidFill>
+                  <a:schemeClr val="tx1"/>
+                </a:solidFill>
+                <a:latin typeface="微軟正黑體" panose="020B0604030504040204" pitchFamily="34" charset="-120"/>
+                <a:ea typeface="微軟正黑體" panose="020B0604030504040204" pitchFamily="34" charset="-120"/>
+              </a:rPr>
+              <a:t>王文傑老師主編，林融、蘇洪寬協助編輯</a:t>
+            </a:r>
+            <a:r>
+              <a:rPr lang="en-US" altLang="zh-TW" sz="1100" b="1" dirty="0">
+                <a:solidFill>
+                  <a:schemeClr val="tx1"/>
+                </a:solidFill>
+                <a:latin typeface="微軟正黑體" panose="020B0604030504040204" pitchFamily="34" charset="-120"/>
+                <a:ea typeface="微軟正黑體" panose="020B0604030504040204" pitchFamily="34" charset="-120"/>
+              </a:rPr>
+              <a:t>)</a:t>
+            </a:r>
+            <a:endParaRPr lang="zh-TW" altLang="en-US" sz="1100" b="1" dirty="0">
+              <a:solidFill>
+                <a:schemeClr val="tx1"/>
+              </a:solidFill>
+              <a:latin typeface="微軟正黑體" panose="020B0604030504040204" pitchFamily="34" charset="-120"/>
+              <a:ea typeface="微軟正黑體" panose="020B0604030504040204" pitchFamily="34" charset="-120"/>
+            </a:endParaRPr>
+          </a:p>
+        </p:txBody>
+      </p:sp>
+    </p:spTree>
+    <p:extLst>
+      <p:ext uri="{BB962C8B-B14F-4D97-AF65-F5344CB8AC3E}">
+        <p14:creationId xmlns:p14="http://schemas.microsoft.com/office/powerpoint/2010/main" val="219457583"/>
+      </p:ext>
+    </p:extLst>
+  </p:cSld>
+  <p:clrMapOvr>
+    <a:masterClrMapping/>
+  </p:clrMapOvr>
+</p:sld>
+</file>
+
+<file path=ppt/slides/slide3.xml><?xml version="1.0" encoding="utf-8"?>
+<p:sld xmlns:a="http://schemas.openxmlformats.org/drawingml/2006/main" xmlns:r="http://schemas.openxmlformats.org/officeDocument/2006/relationships" xmlns:p="http://schemas.openxmlformats.org/presentationml/2006/main">
+  <p:cSld>
+    <p:spTree>
+      <p:nvGrpSpPr>
+        <p:cNvPr id="1" name="Shape 190"/>
+        <p:cNvGrpSpPr/>
+        <p:nvPr/>
+      </p:nvGrpSpPr>
+      <p:grpSpPr>
+        <a:xfrm>
+          <a:off x="0" y="0"/>
+          <a:ext cx="0" cy="0"/>
+          <a:chOff x="0" y="0"/>
+          <a:chExt cx="0" cy="0"/>
+        </a:xfrm>
+      </p:grpSpPr>
+      <p:sp>
+        <p:nvSpPr>
+          <p:cNvPr id="191" name="Google Shape;191;p2"/>
+          <p:cNvSpPr txBox="1">
+            <a:spLocks noGrp="1"/>
+          </p:cNvSpPr>
+          <p:nvPr>
+            <p:ph type="title"/>
+          </p:nvPr>
+        </p:nvSpPr>
+        <p:spPr>
+          <a:prstGeom prst="rect">
+            <a:avLst/>
+          </a:prstGeom>
+          <a:noFill/>
+          <a:ln>
+            <a:noFill/>
+          </a:ln>
+        </p:spPr>
+        <p:txBody>
+          <a:bodyPr spcFirstLastPara="1" wrap="square" lIns="91425" tIns="45700" rIns="91425" bIns="45700" anchor="t" anchorCtr="0">
+            <a:normAutofit/>
+          </a:bodyPr>
+          <a:lstStyle/>
+          <a:p>
+            <a:pPr lvl="0"/>
+            <a:r>
+              <a:rPr lang="zh-TW" altLang="en-US" dirty="0"/>
+              <a:t>文本分析任務</a:t>
+            </a:r>
+            <a:endParaRPr dirty="0"/>
+          </a:p>
+        </p:txBody>
+      </p:sp>
+      <p:sp>
+        <p:nvSpPr>
+          <p:cNvPr id="192" name="Google Shape;192;p2"/>
+          <p:cNvSpPr txBox="1">
+            <a:spLocks noGrp="1"/>
+          </p:cNvSpPr>
+          <p:nvPr>
+            <p:ph type="body" idx="1"/>
+          </p:nvPr>
+        </p:nvSpPr>
+        <p:spPr>
+          <a:prstGeom prst="rect">
+            <a:avLst/>
+          </a:prstGeom>
+          <a:noFill/>
+          <a:ln>
+            <a:noFill/>
+          </a:ln>
+        </p:spPr>
+        <p:txBody>
+          <a:bodyPr spcFirstLastPara="1" wrap="square" lIns="91425" tIns="45700" rIns="91425" bIns="45700" anchor="t" anchorCtr="0">
+            <a:normAutofit/>
+          </a:bodyPr>
+          <a:lstStyle/>
+          <a:p>
+            <a:pPr marL="342900" lvl="0" indent="-342900">
+              <a:spcBef>
+                <a:spcPts val="0"/>
+              </a:spcBef>
+              <a:buSzPts val="2240"/>
+            </a:pPr>
+            <a:r>
+              <a:rPr lang="zh-TW" altLang="en-US" dirty="0">
+                <a:latin typeface="+mn-lt"/>
+                <a:ea typeface="微軟正黑體" panose="020B0604030504040204" pitchFamily="34" charset="-120"/>
+              </a:rPr>
+              <a:t>文本分析是常見的自然語言處理</a:t>
+            </a:r>
+            <a:r>
+              <a:rPr lang="en-US" altLang="zh-TW" dirty="0">
+                <a:latin typeface="+mn-lt"/>
+                <a:ea typeface="微軟正黑體" panose="020B0604030504040204" pitchFamily="34" charset="-120"/>
+              </a:rPr>
+              <a:t>(Natural Language Processing, NLP) </a:t>
+            </a:r>
+            <a:r>
+              <a:rPr lang="zh-TW" altLang="en-US" dirty="0">
+                <a:latin typeface="+mn-lt"/>
+                <a:ea typeface="微軟正黑體" panose="020B0604030504040204" pitchFamily="34" charset="-120"/>
+              </a:rPr>
+              <a:t>任務。</a:t>
+            </a:r>
+          </a:p>
+          <a:p>
+            <a:pPr marL="342900" lvl="0" indent="-342900">
+              <a:spcBef>
+                <a:spcPts val="0"/>
+              </a:spcBef>
+              <a:buSzPts val="2240"/>
+            </a:pPr>
+            <a:r>
+              <a:rPr lang="zh-TW" altLang="en-US" dirty="0">
+                <a:latin typeface="+mn-lt"/>
+                <a:ea typeface="微軟正黑體" panose="020B0604030504040204" pitchFamily="34" charset="-120"/>
+              </a:rPr>
+              <a:t>有三種常見的取特徵詞手法</a:t>
+            </a:r>
+          </a:p>
+          <a:p>
+            <a:pPr marL="742950" lvl="1" indent="-285750">
+              <a:buSzPts val="1920"/>
+            </a:pPr>
+            <a:r>
+              <a:rPr lang="zh-TW" altLang="zh-TW" dirty="0">
+                <a:latin typeface="+mn-lt"/>
+                <a:ea typeface="微軟正黑體" panose="020B0604030504040204" pitchFamily="34" charset="-120"/>
+              </a:rPr>
+              <a:t>一是取 TF-IDF 特徵詞</a:t>
+            </a:r>
+            <a:r>
+              <a:rPr lang="zh-TW" dirty="0">
+                <a:latin typeface="+mn-lt"/>
+                <a:ea typeface="微軟正黑體" panose="020B0604030504040204" pitchFamily="34" charset="-120"/>
+              </a:rPr>
+              <a:t>。</a:t>
+            </a:r>
+            <a:endParaRPr dirty="0">
+              <a:latin typeface="+mn-lt"/>
+              <a:ea typeface="微軟正黑體" panose="020B0604030504040204" pitchFamily="34" charset="-120"/>
+            </a:endParaRPr>
+          </a:p>
+          <a:p>
+            <a:pPr marL="742950" lvl="1" indent="-285750">
+              <a:buSzPts val="1920"/>
+            </a:pPr>
+            <a:r>
+              <a:rPr lang="zh-TW" altLang="zh-TW" dirty="0">
+                <a:latin typeface="+mn-lt"/>
+                <a:ea typeface="微軟正黑體" panose="020B0604030504040204" pitchFamily="34" charset="-120"/>
+              </a:rPr>
+              <a:t>二是依詞性取特徵詞</a:t>
+            </a:r>
+            <a:r>
+              <a:rPr lang="zh-TW" dirty="0">
+                <a:latin typeface="+mn-lt"/>
+                <a:ea typeface="微軟正黑體" panose="020B0604030504040204" pitchFamily="34" charset="-120"/>
+              </a:rPr>
+              <a:t>。</a:t>
+            </a:r>
+            <a:endParaRPr dirty="0">
+              <a:latin typeface="+mn-lt"/>
+              <a:ea typeface="微軟正黑體" panose="020B0604030504040204" pitchFamily="34" charset="-120"/>
+            </a:endParaRPr>
+          </a:p>
+          <a:p>
+            <a:pPr marL="742950" lvl="1" indent="-285750">
+              <a:buSzPts val="1920"/>
+            </a:pPr>
+            <a:r>
+              <a:rPr lang="zh-TW" altLang="zh-TW" dirty="0">
+                <a:latin typeface="+mn-lt"/>
+                <a:ea typeface="微軟正黑體" panose="020B0604030504040204" pitchFamily="34" charset="-120"/>
+              </a:rPr>
+              <a:t>三是依「人、事、時、地、物」取特徵詞</a:t>
+            </a:r>
+            <a:r>
+              <a:rPr lang="zh-TW" dirty="0">
+                <a:latin typeface="+mn-lt"/>
+                <a:ea typeface="微軟正黑體" panose="020B0604030504040204" pitchFamily="34" charset="-120"/>
+                <a:cs typeface="Arial"/>
+                <a:sym typeface="Arial"/>
+              </a:rPr>
+              <a:t>。</a:t>
+            </a:r>
+            <a:endParaRPr lang="en-US" altLang="zh-TW" dirty="0">
+              <a:latin typeface="+mn-lt"/>
+              <a:ea typeface="微軟正黑體" panose="020B0604030504040204" pitchFamily="34" charset="-120"/>
+              <a:cs typeface="Arial"/>
+              <a:sym typeface="Arial"/>
+            </a:endParaRPr>
+          </a:p>
+          <a:p>
+            <a:pPr marL="285750" indent="-285750">
+              <a:buSzPts val="1920"/>
+            </a:pPr>
+            <a:r>
+              <a:rPr lang="zh-TW" altLang="en-US" dirty="0">
+                <a:latin typeface="+mn-lt"/>
+                <a:ea typeface="微軟正黑體" panose="020B0604030504040204" pitchFamily="34" charset="-120"/>
+                <a:cs typeface="Arial"/>
+                <a:sym typeface="Arial"/>
+              </a:rPr>
+              <a:t>本週課程會以</a:t>
+            </a:r>
+            <a:r>
+              <a:rPr lang="en-US" altLang="zh-TW" dirty="0">
+                <a:latin typeface="+mn-lt"/>
+                <a:ea typeface="微軟正黑體" panose="020B0604030504040204" pitchFamily="34" charset="-120"/>
+                <a:cs typeface="Arial"/>
+                <a:sym typeface="Arial"/>
+              </a:rPr>
+              <a:t>TF-IDF </a:t>
+            </a:r>
+            <a:r>
+              <a:rPr lang="zh-TW" altLang="en-US" dirty="0">
+                <a:latin typeface="+mn-lt"/>
+                <a:ea typeface="微軟正黑體" panose="020B0604030504040204" pitchFamily="34" charset="-120"/>
+                <a:cs typeface="Arial"/>
+                <a:sym typeface="Arial"/>
+              </a:rPr>
+              <a:t>和詞性為主</a:t>
+            </a:r>
+            <a:endParaRPr lang="en-US" altLang="zh-TW" dirty="0">
+              <a:latin typeface="+mn-lt"/>
+              <a:ea typeface="微軟正黑體" panose="020B0604030504040204" pitchFamily="34" charset="-120"/>
+              <a:cs typeface="Arial"/>
+              <a:sym typeface="Arial"/>
+            </a:endParaRPr>
+          </a:p>
+          <a:p>
+            <a:pPr marL="285750" indent="-285750">
+              <a:buSzPts val="1920"/>
+            </a:pPr>
+            <a:r>
+              <a:rPr lang="zh-TW" altLang="zh-TW" dirty="0">
+                <a:ea typeface="微軟正黑體" panose="020B0604030504040204" pitchFamily="34" charset="-120"/>
+              </a:rPr>
+              <a:t>依「人、事、時、地、物」取特徵詞</a:t>
+            </a:r>
+            <a:r>
+              <a:rPr lang="zh-TW" altLang="en-US" dirty="0">
+                <a:ea typeface="微軟正黑體" panose="020B0604030504040204" pitchFamily="34" charset="-120"/>
+              </a:rPr>
+              <a:t>會是下週內容</a:t>
+            </a:r>
+            <a:endParaRPr lang="en-US" altLang="zh-TW" dirty="0">
+              <a:latin typeface="+mn-lt"/>
+              <a:ea typeface="微軟正黑體" panose="020B0604030504040204" pitchFamily="34" charset="-120"/>
+              <a:cs typeface="Arial"/>
+              <a:sym typeface="Arial"/>
+            </a:endParaRPr>
+          </a:p>
+          <a:p>
+            <a:pPr marL="0" indent="0">
+              <a:buSzPts val="1920"/>
+              <a:buNone/>
+            </a:pPr>
+            <a:endParaRPr lang="en-US" altLang="zh-TW" dirty="0">
+              <a:latin typeface="+mn-lt"/>
+              <a:ea typeface="微軟正黑體" panose="020B0604030504040204" pitchFamily="34" charset="-120"/>
+              <a:cs typeface="Arial"/>
+              <a:sym typeface="Arial"/>
+            </a:endParaRPr>
+          </a:p>
+          <a:p>
+            <a:pPr marL="285750" indent="-285750">
+              <a:buSzPts val="1920"/>
+            </a:pPr>
+            <a:endParaRPr lang="zh-TW" altLang="en-US" dirty="0">
+              <a:latin typeface="+mn-lt"/>
+              <a:ea typeface="微軟正黑體" panose="020B0604030504040204" pitchFamily="34" charset="-120"/>
+              <a:cs typeface="Arial"/>
+              <a:sym typeface="Arial"/>
+            </a:endParaRPr>
+          </a:p>
+          <a:p>
+            <a:pPr marL="914400" lvl="2" indent="0" algn="l" rtl="0">
+              <a:spcBef>
+                <a:spcPts val="1000"/>
+              </a:spcBef>
+              <a:spcAft>
+                <a:spcPts val="0"/>
+              </a:spcAft>
+              <a:buSzPts val="1600"/>
+              <a:buNone/>
+            </a:pPr>
+            <a:endParaRPr lang="zh-TW" altLang="en-US" dirty="0"/>
+          </a:p>
+        </p:txBody>
+      </p:sp>
+      <p:sp>
+        <p:nvSpPr>
+          <p:cNvPr id="193" name="Google Shape;193;p2"/>
+          <p:cNvSpPr txBox="1">
+            <a:spLocks noGrp="1"/>
+          </p:cNvSpPr>
+          <p:nvPr>
+            <p:ph type="sldNum" idx="12"/>
+          </p:nvPr>
+        </p:nvSpPr>
+        <p:spPr>
+          <a:prstGeom prst="rect">
+            <a:avLst/>
+          </a:prstGeom>
+          <a:noFill/>
+          <a:ln>
+            <a:noFill/>
+          </a:ln>
+        </p:spPr>
+        <p:txBody>
+          <a:bodyPr spcFirstLastPara="1" wrap="square" lIns="91425" tIns="45700" rIns="91425" bIns="45700" anchor="ctr" anchorCtr="0">
+            <a:noAutofit/>
+          </a:bodyPr>
+          <a:lstStyle/>
+          <a:p>
+            <a:pPr marL="0" lvl="0" indent="0" algn="r" rtl="0">
+              <a:spcBef>
+                <a:spcPts val="0"/>
+              </a:spcBef>
+              <a:spcAft>
+                <a:spcPts val="0"/>
+              </a:spcAft>
+              <a:buNone/>
+            </a:pPr>
+            <a:fld id="{00000000-1234-1234-1234-123412341234}" type="slidenum">
+              <a:rPr lang="en-US" altLang="zh-TW"/>
+              <a:t>3</a:t>
+            </a:fld>
+            <a:endParaRPr/>
+          </a:p>
+        </p:txBody>
+      </p:sp>
+      <p:sp>
+        <p:nvSpPr>
+          <p:cNvPr id="2" name="Rectangle 1">
+            <a:extLst>
+              <a:ext uri="{FF2B5EF4-FFF2-40B4-BE49-F238E27FC236}">
+                <a16:creationId xmlns:a16="http://schemas.microsoft.com/office/drawing/2014/main" id="{6B690C08-FD94-4AB1-A712-CDD44052146C}"/>
+              </a:ext>
+            </a:extLst>
+          </p:cNvPr>
+          <p:cNvSpPr/>
+          <p:nvPr/>
+        </p:nvSpPr>
+        <p:spPr>
+          <a:xfrm>
+            <a:off x="1544320" y="6415589"/>
+            <a:ext cx="9961165" cy="432000"/>
+          </a:xfrm>
+          <a:prstGeom prst="rect">
+            <a:avLst/>
+          </a:prstGeom>
+          <a:gradFill flip="none" rotWithShape="1">
+            <a:gsLst>
+              <a:gs pos="0">
+                <a:srgbClr val="20A4D6"/>
+              </a:gs>
+              <a:gs pos="100000">
+                <a:srgbClr val="86D7F3">
+                  <a:shade val="100000"/>
+                  <a:satMod val="115000"/>
+                </a:srgbClr>
+              </a:gs>
+            </a:gsLst>
+            <a:path path="circle">
+              <a:fillToRect l="100000" t="100000"/>
+            </a:path>
+            <a:tileRect r="-100000" b="-100000"/>
+          </a:gradFill>
+          <a:ln>
+            <a:noFill/>
+          </a:ln>
+        </p:spPr>
+        <p:style>
+          <a:lnRef idx="2">
+            <a:schemeClr val="accent1">
+              <a:shade val="50000"/>
+            </a:schemeClr>
+          </a:lnRef>
+          <a:fillRef idx="1">
+            <a:schemeClr val="accent1"/>
+          </a:fillRef>
+          <a:effectRef idx="0">
+            <a:schemeClr val="accent1"/>
+          </a:effectRef>
+          <a:fontRef idx="minor">
+            <a:schemeClr val="lt1"/>
+          </a:fontRef>
+        </p:style>
+        <p:txBody>
+          <a:bodyPr rtlCol="0" anchor="ctr"/>
+          <a:lstStyle/>
+          <a:p>
+            <a:r>
+              <a:rPr lang="zh-TW" altLang="en-US" sz="1100" b="1" dirty="0">
+                <a:solidFill>
+                  <a:schemeClr val="tx1"/>
+                </a:solidFill>
+                <a:latin typeface="微軟正黑體" panose="020B0604030504040204" pitchFamily="34" charset="-120"/>
+                <a:ea typeface="微軟正黑體" panose="020B0604030504040204" pitchFamily="34" charset="-120"/>
+              </a:rPr>
+              <a:t>推動大學程式設計教學計畫。分項六</a:t>
+            </a:r>
+            <a:r>
+              <a:rPr lang="en-US" altLang="zh-TW" sz="1100" b="1" dirty="0">
+                <a:solidFill>
+                  <a:schemeClr val="tx1"/>
+                </a:solidFill>
+                <a:latin typeface="微軟正黑體" panose="020B0604030504040204" pitchFamily="34" charset="-120"/>
+                <a:ea typeface="微軟正黑體" panose="020B0604030504040204" pitchFamily="34" charset="-120"/>
+              </a:rPr>
+              <a:t>:</a:t>
+            </a:r>
+            <a:r>
+              <a:rPr lang="zh-TW" altLang="en-US" sz="1100" b="1" dirty="0">
+                <a:solidFill>
+                  <a:schemeClr val="tx1"/>
+                </a:solidFill>
+                <a:latin typeface="微軟正黑體" panose="020B0604030504040204" pitchFamily="34" charset="-120"/>
+                <a:ea typeface="微軟正黑體" panose="020B0604030504040204" pitchFamily="34" charset="-120"/>
+              </a:rPr>
+              <a:t>資料分析領域與學習評量推動團隊</a:t>
+            </a:r>
+            <a:r>
+              <a:rPr lang="en-US" altLang="zh-TW" sz="1100" b="1" dirty="0">
+                <a:solidFill>
+                  <a:schemeClr val="tx1"/>
+                </a:solidFill>
+                <a:latin typeface="微軟正黑體" panose="020B0604030504040204" pitchFamily="34" charset="-120"/>
+                <a:ea typeface="微軟正黑體" panose="020B0604030504040204" pitchFamily="34" charset="-120"/>
+              </a:rPr>
+              <a:t>(</a:t>
+            </a:r>
+            <a:r>
+              <a:rPr lang="zh-TW" altLang="en-US" sz="1100" b="1" dirty="0">
+                <a:solidFill>
+                  <a:schemeClr val="tx1"/>
+                </a:solidFill>
+                <a:latin typeface="微軟正黑體" panose="020B0604030504040204" pitchFamily="34" charset="-120"/>
+                <a:ea typeface="微軟正黑體" panose="020B0604030504040204" pitchFamily="34" charset="-120"/>
+              </a:rPr>
+              <a:t>王文傑老師主編，林融、蘇洪寬協助編輯</a:t>
+            </a:r>
+            <a:r>
+              <a:rPr lang="en-US" altLang="zh-TW" sz="1100" b="1" dirty="0">
+                <a:solidFill>
+                  <a:schemeClr val="tx1"/>
+                </a:solidFill>
+                <a:latin typeface="微軟正黑體" panose="020B0604030504040204" pitchFamily="34" charset="-120"/>
+                <a:ea typeface="微軟正黑體" panose="020B0604030504040204" pitchFamily="34" charset="-120"/>
+              </a:rPr>
+              <a:t>)</a:t>
+            </a:r>
+            <a:endParaRPr lang="zh-TW" altLang="en-US" sz="1100" b="1" dirty="0">
+              <a:solidFill>
+                <a:schemeClr val="tx1"/>
+              </a:solidFill>
+              <a:latin typeface="微軟正黑體" panose="020B0604030504040204" pitchFamily="34" charset="-120"/>
+              <a:ea typeface="微軟正黑體" panose="020B0604030504040204" pitchFamily="34" charset="-120"/>
+            </a:endParaRPr>
+          </a:p>
+        </p:txBody>
+      </p:sp>
+    </p:spTree>
+  </p:cSld>
+  <p:clrMapOvr>
+    <a:masterClrMapping/>
+  </p:clrMapOvr>
+</p:sld>
+</file>
+
+<file path=ppt/slides/slide30.xml><?xml version="1.0" encoding="utf-8"?>
+<p:sld xmlns:a="http://schemas.openxmlformats.org/drawingml/2006/main" xmlns:r="http://schemas.openxmlformats.org/officeDocument/2006/relationships" xmlns:p="http://schemas.openxmlformats.org/presentationml/2006/main">
+  <p:cSld>
+    <p:spTree>
+      <p:nvGrpSpPr>
+        <p:cNvPr id="1" name=""/>
+        <p:cNvGrpSpPr/>
+        <p:nvPr/>
+      </p:nvGrpSpPr>
+      <p:grpSpPr>
+        <a:xfrm>
+          <a:off x="0" y="0"/>
+          <a:ext cx="0" cy="0"/>
+          <a:chOff x="0" y="0"/>
+          <a:chExt cx="0" cy="0"/>
+        </a:xfrm>
+      </p:grpSpPr>
+      <p:sp>
+        <p:nvSpPr>
+          <p:cNvPr id="2" name="標題 1">
+            <a:extLst>
+              <a:ext uri="{FF2B5EF4-FFF2-40B4-BE49-F238E27FC236}">
+                <a16:creationId xmlns:a16="http://schemas.microsoft.com/office/drawing/2014/main" id="{76255BC5-66EE-47D0-AE33-10BCEC1A1CD5}"/>
+              </a:ext>
+            </a:extLst>
+          </p:cNvPr>
+          <p:cNvSpPr>
+            <a:spLocks noGrp="1"/>
+          </p:cNvSpPr>
+          <p:nvPr>
+            <p:ph type="title"/>
+          </p:nvPr>
+        </p:nvSpPr>
+        <p:spPr/>
+        <p:txBody>
+          <a:bodyPr/>
+          <a:lstStyle/>
+          <a:p>
+            <a:r>
+              <a:rPr lang="zh-TW" altLang="en-US" dirty="0"/>
+              <a:t>課間練習</a:t>
+            </a:r>
+            <a:r>
+              <a:rPr lang="en-US" altLang="zh-TW" dirty="0"/>
+              <a:t>3</a:t>
+            </a:r>
+            <a:endParaRPr lang="zh-TW" altLang="en-US" dirty="0"/>
+          </a:p>
+        </p:txBody>
+      </p:sp>
+      <p:sp>
+        <p:nvSpPr>
+          <p:cNvPr id="3" name="文字版面配置區 2">
+            <a:extLst>
+              <a:ext uri="{FF2B5EF4-FFF2-40B4-BE49-F238E27FC236}">
+                <a16:creationId xmlns:a16="http://schemas.microsoft.com/office/drawing/2014/main" id="{256A7286-E4A5-4726-9624-0EA794CACDE3}"/>
+              </a:ext>
+            </a:extLst>
+          </p:cNvPr>
+          <p:cNvSpPr>
+            <a:spLocks noGrp="1"/>
+          </p:cNvSpPr>
+          <p:nvPr>
+            <p:ph type="body" idx="1"/>
+          </p:nvPr>
+        </p:nvSpPr>
+        <p:spPr/>
+        <p:txBody>
+          <a:bodyPr/>
+          <a:lstStyle/>
+          <a:p>
+            <a:r>
+              <a:rPr lang="zh-TW" altLang="en-US" dirty="0"/>
+              <a:t>可能你會說，我們可以把功能詞濾掉啊？然後再做</a:t>
+            </a:r>
+            <a:r>
+              <a:rPr lang="en-US" altLang="zh-TW" dirty="0"/>
+              <a:t>TF-IDF </a:t>
+            </a:r>
+            <a:r>
+              <a:rPr lang="zh-TW" altLang="en-US" dirty="0"/>
+              <a:t>分析，這樣</a:t>
+            </a:r>
+            <a:r>
+              <a:rPr lang="en-US" altLang="zh-TW" dirty="0"/>
+              <a:t>TF-IDF </a:t>
+            </a:r>
+            <a:r>
+              <a:rPr lang="zh-TW" altLang="en-US" dirty="0"/>
+              <a:t>會不會比較有意義呢？請和同學討論看看。</a:t>
+            </a:r>
+            <a:endParaRPr lang="en-US" altLang="zh-TW" dirty="0"/>
+          </a:p>
+          <a:p>
+            <a:pPr lvl="1"/>
+            <a:endParaRPr lang="zh-TW" altLang="en-US" dirty="0"/>
+          </a:p>
+        </p:txBody>
+      </p:sp>
+      <p:sp>
+        <p:nvSpPr>
+          <p:cNvPr id="4" name="投影片編號版面配置區 3">
+            <a:extLst>
+              <a:ext uri="{FF2B5EF4-FFF2-40B4-BE49-F238E27FC236}">
+                <a16:creationId xmlns:a16="http://schemas.microsoft.com/office/drawing/2014/main" id="{85F00797-0C06-415E-969B-B367B0399EBF}"/>
+              </a:ext>
+            </a:extLst>
+          </p:cNvPr>
+          <p:cNvSpPr>
+            <a:spLocks noGrp="1"/>
+          </p:cNvSpPr>
+          <p:nvPr>
+            <p:ph type="sldNum" idx="12"/>
+          </p:nvPr>
+        </p:nvSpPr>
+        <p:spPr/>
+        <p:txBody>
+          <a:bodyPr/>
+          <a:lstStyle/>
+          <a:p>
+            <a:pPr marL="0" lvl="0" indent="0" algn="r" rtl="0">
+              <a:spcBef>
+                <a:spcPts val="0"/>
+              </a:spcBef>
+              <a:spcAft>
+                <a:spcPts val="0"/>
+              </a:spcAft>
+              <a:buNone/>
+            </a:pPr>
+            <a:fld id="{00000000-1234-1234-1234-123412341234}" type="slidenum">
+              <a:rPr lang="en-US" altLang="zh-TW" smtClean="0"/>
+              <a:t>30</a:t>
+            </a:fld>
+            <a:endParaRPr lang="zh-TW" altLang="en-US"/>
+          </a:p>
+        </p:txBody>
+      </p:sp>
+    </p:spTree>
+    <p:extLst>
+      <p:ext uri="{BB962C8B-B14F-4D97-AF65-F5344CB8AC3E}">
+        <p14:creationId xmlns:p14="http://schemas.microsoft.com/office/powerpoint/2010/main" val="4023603544"/>
+      </p:ext>
+    </p:extLst>
+  </p:cSld>
+  <p:clrMapOvr>
+    <a:masterClrMapping/>
+  </p:clrMapOvr>
+</p:sld>
+</file>
+
+<file path=ppt/slides/slide31.xml><?xml version="1.0" encoding="utf-8"?>
+<p:sld xmlns:a="http://schemas.openxmlformats.org/drawingml/2006/main" xmlns:r="http://schemas.openxmlformats.org/officeDocument/2006/relationships" xmlns:p="http://schemas.openxmlformats.org/presentationml/2006/main">
+  <p:cSld>
+    <p:spTree>
+      <p:nvGrpSpPr>
+        <p:cNvPr id="1" name=""/>
+        <p:cNvGrpSpPr/>
+        <p:nvPr/>
+      </p:nvGrpSpPr>
+      <p:grpSpPr>
+        <a:xfrm>
+          <a:off x="0" y="0"/>
+          <a:ext cx="0" cy="0"/>
+          <a:chOff x="0" y="0"/>
+          <a:chExt cx="0" cy="0"/>
+        </a:xfrm>
+      </p:grpSpPr>
+      <p:sp>
+        <p:nvSpPr>
+          <p:cNvPr id="2" name="標題 1">
+            <a:extLst>
+              <a:ext uri="{FF2B5EF4-FFF2-40B4-BE49-F238E27FC236}">
+                <a16:creationId xmlns:a16="http://schemas.microsoft.com/office/drawing/2014/main" id="{5B08BB6F-50D3-4858-AE02-F8AF53110B5E}"/>
+              </a:ext>
+            </a:extLst>
+          </p:cNvPr>
+          <p:cNvSpPr>
+            <a:spLocks noGrp="1"/>
+          </p:cNvSpPr>
+          <p:nvPr>
+            <p:ph type="title"/>
+          </p:nvPr>
+        </p:nvSpPr>
+        <p:spPr/>
+        <p:txBody>
+          <a:bodyPr/>
+          <a:lstStyle/>
+          <a:p>
+            <a:r>
+              <a:rPr lang="en-US" altLang="zh-TW" dirty="0"/>
+              <a:t>TF-IDF </a:t>
+            </a:r>
+            <a:r>
+              <a:rPr lang="zh-TW" altLang="en-US" dirty="0"/>
+              <a:t>限制</a:t>
+            </a:r>
+          </a:p>
+        </p:txBody>
+      </p:sp>
+      <p:sp>
+        <p:nvSpPr>
+          <p:cNvPr id="3" name="文字版面配置區 2">
+            <a:extLst>
+              <a:ext uri="{FF2B5EF4-FFF2-40B4-BE49-F238E27FC236}">
+                <a16:creationId xmlns:a16="http://schemas.microsoft.com/office/drawing/2014/main" id="{A2B143CF-A16A-446E-89EA-CCE685988413}"/>
+              </a:ext>
+            </a:extLst>
+          </p:cNvPr>
+          <p:cNvSpPr>
+            <a:spLocks noGrp="1"/>
+          </p:cNvSpPr>
+          <p:nvPr>
+            <p:ph type="body" idx="1"/>
+          </p:nvPr>
+        </p:nvSpPr>
+        <p:spPr/>
+        <p:txBody>
+          <a:bodyPr/>
+          <a:lstStyle/>
+          <a:p>
+            <a:r>
+              <a:rPr lang="zh-TW" altLang="en-US" dirty="0"/>
+              <a:t>其實課間練習</a:t>
+            </a:r>
+            <a:r>
+              <a:rPr lang="en-US" altLang="zh-TW" dirty="0"/>
+              <a:t>3 </a:t>
+            </a:r>
+            <a:r>
+              <a:rPr lang="zh-TW" altLang="en-US" dirty="0"/>
+              <a:t>可以從兩個角度來看</a:t>
+            </a:r>
+            <a:endParaRPr lang="en-US" altLang="zh-TW" dirty="0"/>
+          </a:p>
+          <a:p>
+            <a:r>
+              <a:rPr lang="en-US" altLang="zh-TW" dirty="0"/>
+              <a:t>1.</a:t>
+            </a:r>
+            <a:r>
+              <a:rPr lang="zh-TW" altLang="en-US" dirty="0"/>
+              <a:t> 可以 </a:t>
+            </a:r>
+            <a:endParaRPr lang="en-US" altLang="zh-TW" dirty="0"/>
+          </a:p>
+          <a:p>
+            <a:pPr lvl="1"/>
+            <a:r>
+              <a:rPr lang="zh-TW" altLang="en-US" dirty="0"/>
+              <a:t>如果只剩下功能詞，的確從</a:t>
+            </a:r>
+            <a:r>
+              <a:rPr lang="en-US" altLang="zh-TW" dirty="0"/>
+              <a:t>TF-IDF </a:t>
+            </a:r>
+            <a:r>
+              <a:rPr lang="zh-TW" altLang="en-US" dirty="0"/>
+              <a:t>或許可以解構出更多的內容。不過光是從「頻率」中，其實不一定可以看出所有端倪，甚至頻率也有可能誤導，為什麼呢？</a:t>
+            </a:r>
+          </a:p>
+        </p:txBody>
+      </p:sp>
+      <p:sp>
+        <p:nvSpPr>
+          <p:cNvPr id="4" name="投影片編號版面配置區 3">
+            <a:extLst>
+              <a:ext uri="{FF2B5EF4-FFF2-40B4-BE49-F238E27FC236}">
+                <a16:creationId xmlns:a16="http://schemas.microsoft.com/office/drawing/2014/main" id="{127E5890-3197-4827-A1E8-5845B95A04DD}"/>
+              </a:ext>
+            </a:extLst>
+          </p:cNvPr>
+          <p:cNvSpPr>
+            <a:spLocks noGrp="1"/>
+          </p:cNvSpPr>
+          <p:nvPr>
+            <p:ph type="sldNum" idx="12"/>
+          </p:nvPr>
+        </p:nvSpPr>
+        <p:spPr/>
+        <p:txBody>
+          <a:bodyPr/>
+          <a:lstStyle/>
+          <a:p>
+            <a:pPr marL="0" lvl="0" indent="0" algn="r" rtl="0">
+              <a:spcBef>
+                <a:spcPts val="0"/>
+              </a:spcBef>
+              <a:spcAft>
+                <a:spcPts val="0"/>
+              </a:spcAft>
+              <a:buNone/>
+            </a:pPr>
+            <a:fld id="{00000000-1234-1234-1234-123412341234}" type="slidenum">
+              <a:rPr lang="en-US" altLang="zh-TW" smtClean="0"/>
+              <a:t>31</a:t>
+            </a:fld>
+            <a:endParaRPr lang="zh-TW" altLang="en-US"/>
+          </a:p>
+        </p:txBody>
+      </p:sp>
+    </p:spTree>
+    <p:extLst>
+      <p:ext uri="{BB962C8B-B14F-4D97-AF65-F5344CB8AC3E}">
+        <p14:creationId xmlns:p14="http://schemas.microsoft.com/office/powerpoint/2010/main" val="68361240"/>
+      </p:ext>
+    </p:extLst>
+  </p:cSld>
+  <p:clrMapOvr>
+    <a:masterClrMapping/>
+  </p:clrMapOvr>
+</p:sld>
+</file>
+
+<file path=ppt/slides/slide32.xml><?xml version="1.0" encoding="utf-8"?>
+<p:sld xmlns:a="http://schemas.openxmlformats.org/drawingml/2006/main" xmlns:r="http://schemas.openxmlformats.org/officeDocument/2006/relationships" xmlns:p="http://schemas.openxmlformats.org/presentationml/2006/main">
+  <p:cSld>
+    <p:spTree>
+      <p:nvGrpSpPr>
+        <p:cNvPr id="1" name=""/>
+        <p:cNvGrpSpPr/>
+        <p:nvPr/>
+      </p:nvGrpSpPr>
+      <p:grpSpPr>
+        <a:xfrm>
+          <a:off x="0" y="0"/>
+          <a:ext cx="0" cy="0"/>
+          <a:chOff x="0" y="0"/>
+          <a:chExt cx="0" cy="0"/>
+        </a:xfrm>
+      </p:grpSpPr>
+      <p:sp>
+        <p:nvSpPr>
+          <p:cNvPr id="2" name="標題 1">
+            <a:extLst>
+              <a:ext uri="{FF2B5EF4-FFF2-40B4-BE49-F238E27FC236}">
+                <a16:creationId xmlns:a16="http://schemas.microsoft.com/office/drawing/2014/main" id="{B3CA714A-7199-4981-BB2A-AE5FF4D43D25}"/>
+              </a:ext>
+            </a:extLst>
+          </p:cNvPr>
+          <p:cNvSpPr>
+            <a:spLocks noGrp="1"/>
+          </p:cNvSpPr>
+          <p:nvPr>
+            <p:ph type="title"/>
+          </p:nvPr>
+        </p:nvSpPr>
+        <p:spPr/>
+        <p:txBody>
+          <a:bodyPr/>
+          <a:lstStyle/>
+          <a:p>
+            <a:r>
+              <a:rPr lang="en-US" altLang="zh-TW" dirty="0">
+                <a:ea typeface="微軟正黑體" panose="020B0604030504040204" pitchFamily="34" charset="-120"/>
+              </a:rPr>
+              <a:t>TF-IDF</a:t>
+            </a:r>
+            <a:r>
+              <a:rPr lang="zh-TW" altLang="en-US" dirty="0">
+                <a:ea typeface="微軟正黑體" panose="020B0604030504040204" pitchFamily="34" charset="-120"/>
+              </a:rPr>
+              <a:t>限制</a:t>
+            </a:r>
+            <a:endParaRPr lang="zh-TW" altLang="en-US" dirty="0"/>
+          </a:p>
+        </p:txBody>
+      </p:sp>
+      <p:sp>
+        <p:nvSpPr>
+          <p:cNvPr id="3" name="文字版面配置區 2">
+            <a:extLst>
+              <a:ext uri="{FF2B5EF4-FFF2-40B4-BE49-F238E27FC236}">
+                <a16:creationId xmlns:a16="http://schemas.microsoft.com/office/drawing/2014/main" id="{C2B88DAE-2491-4264-B6FF-C24BC197FBE1}"/>
+              </a:ext>
+            </a:extLst>
+          </p:cNvPr>
+          <p:cNvSpPr>
+            <a:spLocks noGrp="1"/>
+          </p:cNvSpPr>
+          <p:nvPr>
+            <p:ph type="body" idx="1"/>
+          </p:nvPr>
+        </p:nvSpPr>
+        <p:spPr>
+          <a:xfrm>
+            <a:off x="677334" y="1381655"/>
+            <a:ext cx="8596668" cy="4894848"/>
+          </a:xfrm>
+        </p:spPr>
+        <p:txBody>
+          <a:bodyPr>
+            <a:normAutofit/>
+          </a:bodyPr>
+          <a:lstStyle/>
+          <a:p>
+            <a:r>
+              <a:rPr lang="zh-TW" altLang="en-US" dirty="0"/>
+              <a:t>因為當電腦在計算</a:t>
+            </a:r>
+            <a:r>
+              <a:rPr lang="en-US" altLang="zh-TW" dirty="0"/>
+              <a:t>TF-IDF </a:t>
+            </a:r>
+            <a:r>
+              <a:rPr lang="zh-TW" altLang="en-US" dirty="0"/>
+              <a:t>時其實並沒有注意語句的順序</a:t>
+            </a:r>
+          </a:p>
+          <a:p>
+            <a:r>
+              <a:rPr lang="zh-TW" altLang="en-US" dirty="0"/>
+              <a:t>如果說有兩篇文章</a:t>
+            </a:r>
+            <a:endParaRPr lang="en-US" altLang="zh-TW" dirty="0"/>
+          </a:p>
+          <a:p>
+            <a:pPr lvl="1"/>
+            <a:r>
+              <a:rPr lang="en-US" altLang="zh-TW" dirty="0"/>
+              <a:t>1.</a:t>
+            </a:r>
+            <a:r>
+              <a:rPr lang="zh-TW" altLang="en-US" dirty="0"/>
+              <a:t> 小明向小美說我愛你，你是我的最愛。</a:t>
+            </a:r>
+            <a:endParaRPr lang="en-US" altLang="zh-TW" dirty="0"/>
+          </a:p>
+          <a:p>
+            <a:pPr lvl="1"/>
+            <a:r>
+              <a:rPr lang="en-US" altLang="zh-TW" dirty="0"/>
+              <a:t>2.</a:t>
+            </a:r>
+            <a:r>
+              <a:rPr lang="zh-TW" altLang="en-US" dirty="0"/>
+              <a:t> 小明向小美說你愛我，我是你的最愛。</a:t>
+            </a:r>
+            <a:endParaRPr lang="en-US" altLang="zh-TW" dirty="0"/>
+          </a:p>
+          <a:p>
+            <a:pPr lvl="1"/>
+            <a:r>
+              <a:rPr lang="zh-TW" altLang="en-US" dirty="0"/>
+              <a:t>根據上述</a:t>
+            </a:r>
+            <a:r>
+              <a:rPr lang="en-US" altLang="zh-TW" dirty="0"/>
+              <a:t>TF-IDF </a:t>
+            </a:r>
+            <a:r>
+              <a:rPr lang="zh-TW" altLang="en-US" dirty="0"/>
+              <a:t>的算法，如果我們想算出第一篇和第二篇文章「你」和「我」的差異，因為字數完全一樣，所以從</a:t>
+            </a:r>
+            <a:r>
+              <a:rPr lang="en-US" altLang="zh-TW" dirty="0"/>
+              <a:t>TF-IDF </a:t>
+            </a:r>
+            <a:r>
+              <a:rPr lang="zh-TW" altLang="en-US" dirty="0"/>
+              <a:t>來看，這是兩篇特徵一樣的文章。不過我們因為有上下文，也就是語境</a:t>
+            </a:r>
+            <a:r>
+              <a:rPr lang="en-US" altLang="zh-TW" dirty="0"/>
+              <a:t>(context) </a:t>
+            </a:r>
+            <a:r>
+              <a:rPr lang="zh-TW" altLang="en-US" dirty="0"/>
+              <a:t>所以我們知道不一樣</a:t>
+            </a:r>
+          </a:p>
+        </p:txBody>
+      </p:sp>
+      <p:sp>
+        <p:nvSpPr>
+          <p:cNvPr id="4" name="投影片編號版面配置區 3">
+            <a:extLst>
+              <a:ext uri="{FF2B5EF4-FFF2-40B4-BE49-F238E27FC236}">
+                <a16:creationId xmlns:a16="http://schemas.microsoft.com/office/drawing/2014/main" id="{B9927F68-E2E2-47AE-B559-A513078F6851}"/>
+              </a:ext>
+            </a:extLst>
+          </p:cNvPr>
+          <p:cNvSpPr>
+            <a:spLocks noGrp="1"/>
+          </p:cNvSpPr>
+          <p:nvPr>
+            <p:ph type="sldNum" idx="12"/>
+          </p:nvPr>
+        </p:nvSpPr>
+        <p:spPr/>
+        <p:txBody>
+          <a:bodyPr/>
+          <a:lstStyle/>
+          <a:p>
+            <a:pPr marL="0" lvl="0" indent="0" algn="r" rtl="0">
+              <a:spcBef>
+                <a:spcPts val="0"/>
+              </a:spcBef>
+              <a:spcAft>
+                <a:spcPts val="0"/>
+              </a:spcAft>
+              <a:buNone/>
+            </a:pPr>
+            <a:fld id="{00000000-1234-1234-1234-123412341234}" type="slidenum">
+              <a:rPr lang="en-US" altLang="zh-TW" smtClean="0"/>
+              <a:t>32</a:t>
+            </a:fld>
+            <a:endParaRPr lang="zh-TW" altLang="en-US"/>
+          </a:p>
+        </p:txBody>
+      </p:sp>
+    </p:spTree>
+    <p:extLst>
+      <p:ext uri="{BB962C8B-B14F-4D97-AF65-F5344CB8AC3E}">
+        <p14:creationId xmlns:p14="http://schemas.microsoft.com/office/powerpoint/2010/main" val="3440673501"/>
+      </p:ext>
+    </p:extLst>
+  </p:cSld>
+  <p:clrMapOvr>
+    <a:masterClrMapping/>
+  </p:clrMapOvr>
+</p:sld>
+</file>
+
+<file path=ppt/slides/slide33.xml><?xml version="1.0" encoding="utf-8"?>
+<p:sld xmlns:a="http://schemas.openxmlformats.org/drawingml/2006/main" xmlns:r="http://schemas.openxmlformats.org/officeDocument/2006/relationships" xmlns:p="http://schemas.openxmlformats.org/presentationml/2006/main">
+  <p:cSld>
+    <p:spTree>
+      <p:nvGrpSpPr>
+        <p:cNvPr id="1" name=""/>
+        <p:cNvGrpSpPr/>
+        <p:nvPr/>
+      </p:nvGrpSpPr>
+      <p:grpSpPr>
+        <a:xfrm>
+          <a:off x="0" y="0"/>
+          <a:ext cx="0" cy="0"/>
+          <a:chOff x="0" y="0"/>
+          <a:chExt cx="0" cy="0"/>
+        </a:xfrm>
+      </p:grpSpPr>
+      <p:sp>
+        <p:nvSpPr>
+          <p:cNvPr id="2" name="標題 1">
+            <a:extLst>
+              <a:ext uri="{FF2B5EF4-FFF2-40B4-BE49-F238E27FC236}">
+                <a16:creationId xmlns:a16="http://schemas.microsoft.com/office/drawing/2014/main" id="{655D10EB-FDC8-4E0A-B222-6983C5837D69}"/>
+              </a:ext>
+            </a:extLst>
+          </p:cNvPr>
+          <p:cNvSpPr>
+            <a:spLocks noGrp="1"/>
+          </p:cNvSpPr>
+          <p:nvPr>
+            <p:ph type="title"/>
+          </p:nvPr>
+        </p:nvSpPr>
+        <p:spPr/>
+        <p:txBody>
+          <a:bodyPr/>
+          <a:lstStyle/>
+          <a:p>
+            <a:r>
+              <a:rPr lang="en-US" altLang="zh-TW" dirty="0"/>
+              <a:t>TF-IDF</a:t>
+            </a:r>
+            <a:r>
+              <a:rPr lang="zh-TW" altLang="en-US" dirty="0"/>
+              <a:t> 限制</a:t>
+            </a:r>
+          </a:p>
+        </p:txBody>
+      </p:sp>
+      <p:sp>
+        <p:nvSpPr>
+          <p:cNvPr id="3" name="文字版面配置區 2">
+            <a:extLst>
+              <a:ext uri="{FF2B5EF4-FFF2-40B4-BE49-F238E27FC236}">
+                <a16:creationId xmlns:a16="http://schemas.microsoft.com/office/drawing/2014/main" id="{A8324EAD-486A-4A2F-B41B-FEAB7FF20B5F}"/>
+              </a:ext>
+            </a:extLst>
+          </p:cNvPr>
+          <p:cNvSpPr>
+            <a:spLocks noGrp="1"/>
+          </p:cNvSpPr>
+          <p:nvPr>
+            <p:ph type="body" idx="1"/>
+          </p:nvPr>
+        </p:nvSpPr>
+        <p:spPr/>
+        <p:txBody>
+          <a:bodyPr/>
+          <a:lstStyle/>
+          <a:p>
+            <a:r>
+              <a:rPr lang="en-US" altLang="zh-TW" dirty="0"/>
+              <a:t>2.</a:t>
+            </a:r>
+            <a:r>
+              <a:rPr lang="zh-TW" altLang="en-US" dirty="0"/>
+              <a:t> 可能不行</a:t>
+            </a:r>
+            <a:endParaRPr lang="en-US" altLang="zh-TW" dirty="0"/>
+          </a:p>
+          <a:p>
+            <a:r>
+              <a:rPr lang="en-US" altLang="zh-TW" dirty="0"/>
+              <a:t>IDF</a:t>
+            </a:r>
+            <a:r>
+              <a:rPr lang="zh-TW" altLang="en-US" dirty="0"/>
+              <a:t> 或許很多人就會覺得已經可以抓到整篇文章的精華，因為</a:t>
+            </a:r>
+            <a:r>
+              <a:rPr lang="en-US" altLang="zh-TW" dirty="0"/>
+              <a:t>IDF </a:t>
+            </a:r>
+            <a:r>
+              <a:rPr lang="zh-TW" altLang="en-US" dirty="0"/>
+              <a:t>所計算出來的結果是某篇文章獨有的內容</a:t>
+            </a:r>
+            <a:endParaRPr lang="en-US" altLang="zh-TW" dirty="0"/>
+          </a:p>
+          <a:p>
+            <a:r>
+              <a:rPr lang="zh-TW" altLang="en-US" dirty="0"/>
+              <a:t>不過「某篇文章獨有內容」可以代表整篇文章想要講的概念嗎？</a:t>
+            </a:r>
+            <a:endParaRPr lang="en-US" altLang="zh-TW" dirty="0"/>
+          </a:p>
+          <a:p>
+            <a:endParaRPr lang="zh-TW" altLang="en-US" dirty="0"/>
+          </a:p>
+        </p:txBody>
+      </p:sp>
+      <p:sp>
+        <p:nvSpPr>
+          <p:cNvPr id="4" name="投影片編號版面配置區 3">
+            <a:extLst>
+              <a:ext uri="{FF2B5EF4-FFF2-40B4-BE49-F238E27FC236}">
+                <a16:creationId xmlns:a16="http://schemas.microsoft.com/office/drawing/2014/main" id="{BD25CDAA-2084-4E9E-982E-A5BDBFFF8034}"/>
+              </a:ext>
+            </a:extLst>
+          </p:cNvPr>
+          <p:cNvSpPr>
+            <a:spLocks noGrp="1"/>
+          </p:cNvSpPr>
+          <p:nvPr>
+            <p:ph type="sldNum" idx="12"/>
+          </p:nvPr>
+        </p:nvSpPr>
+        <p:spPr/>
+        <p:txBody>
+          <a:bodyPr/>
+          <a:lstStyle/>
+          <a:p>
+            <a:pPr marL="0" lvl="0" indent="0" algn="r" rtl="0">
+              <a:spcBef>
+                <a:spcPts val="0"/>
+              </a:spcBef>
+              <a:spcAft>
+                <a:spcPts val="0"/>
+              </a:spcAft>
+              <a:buNone/>
+            </a:pPr>
+            <a:fld id="{00000000-1234-1234-1234-123412341234}" type="slidenum">
+              <a:rPr lang="en-US" altLang="zh-TW" smtClean="0"/>
+              <a:t>33</a:t>
+            </a:fld>
+            <a:endParaRPr lang="zh-TW" altLang="en-US"/>
+          </a:p>
+        </p:txBody>
+      </p:sp>
+    </p:spTree>
+    <p:extLst>
+      <p:ext uri="{BB962C8B-B14F-4D97-AF65-F5344CB8AC3E}">
+        <p14:creationId xmlns:p14="http://schemas.microsoft.com/office/powerpoint/2010/main" val="2259487316"/>
+      </p:ext>
+    </p:extLst>
+  </p:cSld>
+  <p:clrMapOvr>
+    <a:masterClrMapping/>
+  </p:clrMapOvr>
+</p:sld>
+</file>
+
+<file path=ppt/slides/slide34.xml><?xml version="1.0" encoding="utf-8"?>
+<p:sld xmlns:a="http://schemas.openxmlformats.org/drawingml/2006/main" xmlns:r="http://schemas.openxmlformats.org/officeDocument/2006/relationships" xmlns:p="http://schemas.openxmlformats.org/presentationml/2006/main">
+  <p:cSld>
+    <p:spTree>
+      <p:nvGrpSpPr>
+        <p:cNvPr id="1" name=""/>
+        <p:cNvGrpSpPr/>
+        <p:nvPr/>
+      </p:nvGrpSpPr>
+      <p:grpSpPr>
+        <a:xfrm>
+          <a:off x="0" y="0"/>
+          <a:ext cx="0" cy="0"/>
+          <a:chOff x="0" y="0"/>
+          <a:chExt cx="0" cy="0"/>
+        </a:xfrm>
+      </p:grpSpPr>
+      <p:sp>
+        <p:nvSpPr>
+          <p:cNvPr id="2" name="標題 1">
+            <a:extLst>
+              <a:ext uri="{FF2B5EF4-FFF2-40B4-BE49-F238E27FC236}">
+                <a16:creationId xmlns:a16="http://schemas.microsoft.com/office/drawing/2014/main" id="{A9760840-1E4F-47FC-97FF-8057356BFF5D}"/>
+              </a:ext>
+            </a:extLst>
+          </p:cNvPr>
+          <p:cNvSpPr>
+            <a:spLocks noGrp="1"/>
+          </p:cNvSpPr>
+          <p:nvPr>
+            <p:ph type="title"/>
+          </p:nvPr>
+        </p:nvSpPr>
+        <p:spPr/>
+        <p:txBody>
+          <a:bodyPr/>
+          <a:lstStyle/>
+          <a:p>
+            <a:r>
+              <a:rPr lang="en-US" altLang="zh-TW" dirty="0"/>
+              <a:t>TF-IDF </a:t>
+            </a:r>
+            <a:r>
+              <a:rPr lang="zh-TW" altLang="en-US" dirty="0"/>
+              <a:t>限制</a:t>
+            </a:r>
+          </a:p>
+        </p:txBody>
+      </p:sp>
+      <p:sp>
+        <p:nvSpPr>
+          <p:cNvPr id="3" name="文字版面配置區 2">
+            <a:extLst>
+              <a:ext uri="{FF2B5EF4-FFF2-40B4-BE49-F238E27FC236}">
+                <a16:creationId xmlns:a16="http://schemas.microsoft.com/office/drawing/2014/main" id="{DA6D7B16-0FA1-4B84-9E2E-B22D4C4634B3}"/>
+              </a:ext>
+            </a:extLst>
+          </p:cNvPr>
+          <p:cNvSpPr>
+            <a:spLocks noGrp="1"/>
+          </p:cNvSpPr>
+          <p:nvPr>
+            <p:ph type="body" idx="1"/>
+          </p:nvPr>
+        </p:nvSpPr>
+        <p:spPr/>
+        <p:txBody>
+          <a:bodyPr/>
+          <a:lstStyle/>
+          <a:p>
+            <a:r>
+              <a:rPr lang="zh-TW" altLang="en-US" dirty="0"/>
+              <a:t>請看以下比喻：</a:t>
+            </a:r>
+            <a:endParaRPr lang="en-US" altLang="zh-TW" dirty="0"/>
+          </a:p>
+          <a:p>
+            <a:r>
+              <a:rPr lang="zh-TW" altLang="en-US" i="1" dirty="0"/>
+              <a:t>便當街裡，每家店都有排骨飯，但只有「好好吃便當店」的排骨飯有加辣椒。</a:t>
+            </a:r>
+            <a:endParaRPr lang="en-US" altLang="zh-TW" i="1" dirty="0"/>
+          </a:p>
+          <a:p>
+            <a:r>
+              <a:rPr lang="zh-TW" altLang="en-US" dirty="0"/>
+              <a:t>從這個敘述中，「辣椒」是一個特徵，這個好比</a:t>
+            </a:r>
+            <a:r>
+              <a:rPr lang="en-US" altLang="zh-TW" dirty="0"/>
+              <a:t>IDF </a:t>
+            </a:r>
+            <a:r>
+              <a:rPr lang="zh-TW" altLang="en-US" dirty="0"/>
+              <a:t>計算出來的結果</a:t>
+            </a:r>
+            <a:endParaRPr lang="en-US" altLang="zh-TW" dirty="0"/>
+          </a:p>
+          <a:p>
+            <a:r>
+              <a:rPr lang="zh-TW" altLang="en-US" dirty="0"/>
+              <a:t>不過我們會把「好好吃便當店」的這份有加辣椒的飯的排骨飯，叫做「辣椒飯」嗎？其實並不會</a:t>
+            </a:r>
+            <a:endParaRPr lang="en-US" altLang="zh-TW" dirty="0"/>
+          </a:p>
+          <a:p>
+            <a:endParaRPr lang="zh-TW" altLang="en-US" dirty="0"/>
+          </a:p>
+        </p:txBody>
+      </p:sp>
+      <p:sp>
+        <p:nvSpPr>
+          <p:cNvPr id="4" name="投影片編號版面配置區 3">
+            <a:extLst>
+              <a:ext uri="{FF2B5EF4-FFF2-40B4-BE49-F238E27FC236}">
+                <a16:creationId xmlns:a16="http://schemas.microsoft.com/office/drawing/2014/main" id="{2FBF59E1-5196-4344-BA9D-823BE6FD1CD9}"/>
+              </a:ext>
+            </a:extLst>
+          </p:cNvPr>
+          <p:cNvSpPr>
+            <a:spLocks noGrp="1"/>
+          </p:cNvSpPr>
+          <p:nvPr>
+            <p:ph type="sldNum" idx="12"/>
+          </p:nvPr>
+        </p:nvSpPr>
+        <p:spPr/>
+        <p:txBody>
+          <a:bodyPr/>
+          <a:lstStyle/>
+          <a:p>
+            <a:pPr marL="0" lvl="0" indent="0" algn="r" rtl="0">
+              <a:spcBef>
+                <a:spcPts val="0"/>
+              </a:spcBef>
+              <a:spcAft>
+                <a:spcPts val="0"/>
+              </a:spcAft>
+              <a:buNone/>
+            </a:pPr>
+            <a:fld id="{00000000-1234-1234-1234-123412341234}" type="slidenum">
+              <a:rPr lang="en-US" altLang="zh-TW" smtClean="0"/>
+              <a:t>34</a:t>
+            </a:fld>
+            <a:endParaRPr lang="zh-TW" altLang="en-US"/>
+          </a:p>
+        </p:txBody>
+      </p:sp>
+    </p:spTree>
+    <p:extLst>
+      <p:ext uri="{BB962C8B-B14F-4D97-AF65-F5344CB8AC3E}">
+        <p14:creationId xmlns:p14="http://schemas.microsoft.com/office/powerpoint/2010/main" val="1476998667"/>
+      </p:ext>
+    </p:extLst>
+  </p:cSld>
+  <p:clrMapOvr>
+    <a:masterClrMapping/>
+  </p:clrMapOvr>
+</p:sld>
+</file>
+
+<file path=ppt/slides/slide35.xml><?xml version="1.0" encoding="utf-8"?>
+<p:sld xmlns:a="http://schemas.openxmlformats.org/drawingml/2006/main" xmlns:r="http://schemas.openxmlformats.org/officeDocument/2006/relationships" xmlns:p="http://schemas.openxmlformats.org/presentationml/2006/main">
+  <p:cSld>
+    <p:spTree>
+      <p:nvGrpSpPr>
+        <p:cNvPr id="1" name=""/>
+        <p:cNvGrpSpPr/>
+        <p:nvPr/>
+      </p:nvGrpSpPr>
+      <p:grpSpPr>
+        <a:xfrm>
+          <a:off x="0" y="0"/>
+          <a:ext cx="0" cy="0"/>
+          <a:chOff x="0" y="0"/>
+          <a:chExt cx="0" cy="0"/>
+        </a:xfrm>
+      </p:grpSpPr>
+      <p:sp>
+        <p:nvSpPr>
+          <p:cNvPr id="2" name="標題 1">
+            <a:extLst>
+              <a:ext uri="{FF2B5EF4-FFF2-40B4-BE49-F238E27FC236}">
+                <a16:creationId xmlns:a16="http://schemas.microsoft.com/office/drawing/2014/main" id="{A9760840-1E4F-47FC-97FF-8057356BFF5D}"/>
+              </a:ext>
+            </a:extLst>
+          </p:cNvPr>
+          <p:cNvSpPr>
+            <a:spLocks noGrp="1"/>
+          </p:cNvSpPr>
+          <p:nvPr>
+            <p:ph type="title"/>
+          </p:nvPr>
+        </p:nvSpPr>
+        <p:spPr/>
+        <p:txBody>
+          <a:bodyPr/>
+          <a:lstStyle/>
+          <a:p>
+            <a:r>
+              <a:rPr lang="en-US" altLang="zh-TW" dirty="0"/>
+              <a:t>TF-IDF </a:t>
+            </a:r>
+            <a:r>
+              <a:rPr lang="zh-TW" altLang="en-US" dirty="0"/>
+              <a:t>限制</a:t>
+            </a:r>
+          </a:p>
+        </p:txBody>
+      </p:sp>
+      <p:sp>
+        <p:nvSpPr>
+          <p:cNvPr id="3" name="文字版面配置區 2">
+            <a:extLst>
+              <a:ext uri="{FF2B5EF4-FFF2-40B4-BE49-F238E27FC236}">
+                <a16:creationId xmlns:a16="http://schemas.microsoft.com/office/drawing/2014/main" id="{DA6D7B16-0FA1-4B84-9E2E-B22D4C4634B3}"/>
+              </a:ext>
+            </a:extLst>
+          </p:cNvPr>
+          <p:cNvSpPr>
+            <a:spLocks noGrp="1"/>
+          </p:cNvSpPr>
+          <p:nvPr>
+            <p:ph type="body" idx="1"/>
+          </p:nvPr>
+        </p:nvSpPr>
+        <p:spPr/>
+        <p:txBody>
+          <a:bodyPr/>
+          <a:lstStyle/>
+          <a:p>
+            <a:r>
+              <a:rPr lang="zh-TW" altLang="en-US" dirty="0"/>
+              <a:t>同理，如果我們有兩篇文章，當中</a:t>
+            </a:r>
+            <a:r>
+              <a:rPr lang="en-US" altLang="zh-TW" dirty="0"/>
+              <a:t>IDF</a:t>
+            </a:r>
+            <a:r>
+              <a:rPr lang="zh-TW" altLang="en-US" dirty="0"/>
+              <a:t>所計算出來的，其實也頂多算是我們辨別某些文章的特徵，但是是不是這個特徵一定等於整篇文章的大意，並不一定</a:t>
+            </a:r>
+            <a:endParaRPr lang="en-US" altLang="zh-TW" dirty="0"/>
+          </a:p>
+          <a:p>
+            <a:pPr lvl="1"/>
+            <a:endParaRPr lang="en-US" altLang="zh-TW" dirty="0"/>
+          </a:p>
+          <a:p>
+            <a:endParaRPr lang="zh-TW" altLang="en-US" dirty="0"/>
+          </a:p>
+        </p:txBody>
+      </p:sp>
+      <p:sp>
+        <p:nvSpPr>
+          <p:cNvPr id="4" name="投影片編號版面配置區 3">
+            <a:extLst>
+              <a:ext uri="{FF2B5EF4-FFF2-40B4-BE49-F238E27FC236}">
+                <a16:creationId xmlns:a16="http://schemas.microsoft.com/office/drawing/2014/main" id="{2FBF59E1-5196-4344-BA9D-823BE6FD1CD9}"/>
+              </a:ext>
+            </a:extLst>
+          </p:cNvPr>
+          <p:cNvSpPr>
+            <a:spLocks noGrp="1"/>
+          </p:cNvSpPr>
+          <p:nvPr>
+            <p:ph type="sldNum" idx="12"/>
+          </p:nvPr>
+        </p:nvSpPr>
+        <p:spPr/>
+        <p:txBody>
+          <a:bodyPr/>
+          <a:lstStyle/>
+          <a:p>
+            <a:pPr marL="0" lvl="0" indent="0" algn="r" rtl="0">
+              <a:spcBef>
+                <a:spcPts val="0"/>
+              </a:spcBef>
+              <a:spcAft>
+                <a:spcPts val="0"/>
+              </a:spcAft>
+              <a:buNone/>
+            </a:pPr>
+            <a:fld id="{00000000-1234-1234-1234-123412341234}" type="slidenum">
+              <a:rPr lang="en-US" altLang="zh-TW" smtClean="0"/>
+              <a:t>35</a:t>
+            </a:fld>
+            <a:endParaRPr lang="zh-TW" altLang="en-US"/>
+          </a:p>
+        </p:txBody>
+      </p:sp>
+    </p:spTree>
+    <p:extLst>
+      <p:ext uri="{BB962C8B-B14F-4D97-AF65-F5344CB8AC3E}">
+        <p14:creationId xmlns:p14="http://schemas.microsoft.com/office/powerpoint/2010/main" val="3760247015"/>
+      </p:ext>
+    </p:extLst>
+  </p:cSld>
+  <p:clrMapOvr>
+    <a:masterClrMapping/>
+  </p:clrMapOvr>
+</p:sld>
+</file>
+
+<file path=ppt/slides/slide36.xml><?xml version="1.0" encoding="utf-8"?>
 <p:sld xmlns:a="http://schemas.openxmlformats.org/drawingml/2006/main" xmlns:r="http://schemas.openxmlformats.org/officeDocument/2006/relationships" xmlns:p="http://schemas.openxmlformats.org/presentationml/2006/main">
   <p:cSld>
     <p:spTree>
@@ -30804,7 +33339,7 @@
             </a:pPr>
             <a:fld id="{00000000-1234-1234-1234-123412341234}" type="slidenum">
               <a:rPr lang="en-US" altLang="zh-TW" smtClean="0"/>
-              <a:t>26</a:t>
+              <a:t>36</a:t>
             </a:fld>
             <a:endParaRPr lang="zh-TW" altLang="en-US"/>
           </a:p>
@@ -30954,7 +33489,7 @@
 </p:sld>
 </file>
 
-<file path=ppt/slides/slide27.xml><?xml version="1.0" encoding="utf-8"?>
+<file path=ppt/slides/slide37.xml><?xml version="1.0" encoding="utf-8"?>
 <p:sld xmlns:a="http://schemas.openxmlformats.org/drawingml/2006/main" xmlns:r="http://schemas.openxmlformats.org/officeDocument/2006/relationships" xmlns:p="http://schemas.openxmlformats.org/presentationml/2006/main">
   <p:cSld>
     <p:spTree>
@@ -31117,7 +33652,7 @@
             </a:pPr>
             <a:fld id="{00000000-1234-1234-1234-123412341234}" type="slidenum">
               <a:rPr lang="en-US" altLang="zh-TW" smtClean="0"/>
-              <a:t>27</a:t>
+              <a:t>37</a:t>
             </a:fld>
             <a:endParaRPr lang="zh-TW" altLang="en-US"/>
           </a:p>
@@ -31589,7 +34124,7 @@
 </p:sld>
 </file>
 
-<file path=ppt/slides/slide28.xml><?xml version="1.0" encoding="utf-8"?>
+<file path=ppt/slides/slide38.xml><?xml version="1.0" encoding="utf-8"?>
 <p:sld xmlns:a="http://schemas.openxmlformats.org/drawingml/2006/main" xmlns:r="http://schemas.openxmlformats.org/officeDocument/2006/relationships" xmlns:p="http://schemas.openxmlformats.org/presentationml/2006/main">
   <p:cSld>
     <p:spTree>
@@ -31872,7 +34407,7 @@
             </a:pPr>
             <a:fld id="{00000000-1234-1234-1234-123412341234}" type="slidenum">
               <a:rPr lang="en-US" altLang="zh-TW" smtClean="0"/>
-              <a:t>28</a:t>
+              <a:t>38</a:t>
             </a:fld>
             <a:endParaRPr lang="zh-TW" altLang="en-US"/>
           </a:p>
@@ -32614,7 +35149,7 @@
 </p:sld>
 </file>
 
-<file path=ppt/slides/slide29.xml><?xml version="1.0" encoding="utf-8"?>
+<file path=ppt/slides/slide39.xml><?xml version="1.0" encoding="utf-8"?>
 <p:sld xmlns:a="http://schemas.openxmlformats.org/drawingml/2006/main" xmlns:r="http://schemas.openxmlformats.org/officeDocument/2006/relationships" xmlns:p="http://schemas.openxmlformats.org/presentationml/2006/main">
   <p:cSld>
     <p:spTree>
@@ -32796,7 +35331,7 @@
             </a:pPr>
             <a:fld id="{00000000-1234-1234-1234-123412341234}" type="slidenum">
               <a:rPr lang="en-US" altLang="zh-TW" smtClean="0"/>
-              <a:t>29</a:t>
+              <a:t>39</a:t>
             </a:fld>
             <a:endParaRPr lang="zh-TW" altLang="en-US"/>
           </a:p>
@@ -32946,7 +35481,7 @@
 </p:sld>
 </file>
 
-<file path=ppt/slides/slide3.xml><?xml version="1.0" encoding="utf-8"?>
+<file path=ppt/slides/slide4.xml><?xml version="1.0" encoding="utf-8"?>
 <p:sld xmlns:a="http://schemas.openxmlformats.org/drawingml/2006/main" xmlns:r="http://schemas.openxmlformats.org/officeDocument/2006/relationships" xmlns:p="http://schemas.openxmlformats.org/presentationml/2006/main">
   <p:cSld>
     <p:spTree>
@@ -33120,7 +35655,7 @@
             </a:pPr>
             <a:fld id="{00000000-1234-1234-1234-123412341234}" type="slidenum">
               <a:rPr lang="en-US" altLang="zh-TW"/>
-              <a:t>3</a:t>
+              <a:t>4</a:t>
             </a:fld>
             <a:endParaRPr/>
           </a:p>
@@ -33270,7 +35805,7 @@
 </p:sld>
 </file>
 
-<file path=ppt/slides/slide30.xml><?xml version="1.0" encoding="utf-8"?>
+<file path=ppt/slides/slide40.xml><?xml version="1.0" encoding="utf-8"?>
 <p:sld xmlns:a="http://schemas.openxmlformats.org/drawingml/2006/main" xmlns:r="http://schemas.openxmlformats.org/officeDocument/2006/relationships" xmlns:p="http://schemas.openxmlformats.org/presentationml/2006/main">
   <p:cSld>
     <p:spTree>
@@ -33479,7 +36014,7 @@
             </a:pPr>
             <a:fld id="{00000000-1234-1234-1234-123412341234}" type="slidenum">
               <a:rPr lang="en-US" altLang="zh-TW" smtClean="0"/>
-              <a:t>30</a:t>
+              <a:t>40</a:t>
             </a:fld>
             <a:endParaRPr lang="zh-TW" altLang="en-US"/>
           </a:p>
@@ -33629,7 +36164,7 @@
 </p:sld>
 </file>
 
-<file path=ppt/slides/slide31.xml><?xml version="1.0" encoding="utf-8"?>
+<file path=ppt/slides/slide41.xml><?xml version="1.0" encoding="utf-8"?>
 <p:sld xmlns:a="http://schemas.openxmlformats.org/drawingml/2006/main" xmlns:r="http://schemas.openxmlformats.org/officeDocument/2006/relationships" xmlns:p="http://schemas.openxmlformats.org/presentationml/2006/main">
   <p:cSld>
     <p:spTree>
@@ -33876,7 +36411,7 @@
             </a:pPr>
             <a:fld id="{00000000-1234-1234-1234-123412341234}" type="slidenum">
               <a:rPr lang="en-US" altLang="zh-TW" smtClean="0"/>
-              <a:t>31</a:t>
+              <a:t>41</a:t>
             </a:fld>
             <a:endParaRPr lang="zh-TW" altLang="en-US"/>
           </a:p>
@@ -34026,7 +36561,7 @@
 </p:sld>
 </file>
 
-<file path=ppt/slides/slide32.xml><?xml version="1.0" encoding="utf-8"?>
+<file path=ppt/slides/slide42.xml><?xml version="1.0" encoding="utf-8"?>
 <p:sld xmlns:a="http://schemas.openxmlformats.org/drawingml/2006/main" xmlns:r="http://schemas.openxmlformats.org/officeDocument/2006/relationships" xmlns:p="http://schemas.openxmlformats.org/presentationml/2006/main">
   <p:cSld>
     <p:spTree>
@@ -34131,7 +36666,7 @@
             </a:pPr>
             <a:fld id="{00000000-1234-1234-1234-123412341234}" type="slidenum">
               <a:rPr lang="en-US" altLang="zh-TW" smtClean="0"/>
-              <a:t>32</a:t>
+              <a:t>42</a:t>
             </a:fld>
             <a:endParaRPr lang="zh-TW" altLang="en-US"/>
           </a:p>
@@ -34150,7 +36685,7 @@
 </p:sld>
 </file>
 
-<file path=ppt/slides/slide33.xml><?xml version="1.0" encoding="utf-8"?>
+<file path=ppt/slides/slide43.xml><?xml version="1.0" encoding="utf-8"?>
 <p:sld xmlns:a="http://schemas.openxmlformats.org/drawingml/2006/main" xmlns:r="http://schemas.openxmlformats.org/officeDocument/2006/relationships" xmlns:p="http://schemas.openxmlformats.org/presentationml/2006/main">
   <p:cSld>
     <p:spTree>
@@ -34293,7 +36828,7 @@
             </a:pPr>
             <a:fld id="{00000000-1234-1234-1234-123412341234}" type="slidenum">
               <a:rPr lang="en-US" altLang="zh-TW" smtClean="0"/>
-              <a:t>33</a:t>
+              <a:t>43</a:t>
             </a:fld>
             <a:endParaRPr lang="zh-TW" altLang="en-US"/>
           </a:p>
@@ -34810,7 +37345,7 @@
 </p:sld>
 </file>
 
-<file path=ppt/slides/slide34.xml><?xml version="1.0" encoding="utf-8"?>
+<file path=ppt/slides/slide44.xml><?xml version="1.0" encoding="utf-8"?>
 <p:sld xmlns:a="http://schemas.openxmlformats.org/drawingml/2006/main" xmlns:r="http://schemas.openxmlformats.org/officeDocument/2006/relationships" xmlns:p="http://schemas.openxmlformats.org/presentationml/2006/main">
   <p:cSld>
     <p:spTree>
@@ -35055,7 +37590,7 @@
             </a:pPr>
             <a:fld id="{00000000-1234-1234-1234-123412341234}" type="slidenum">
               <a:rPr lang="en-US" altLang="zh-TW" smtClean="0"/>
-              <a:t>34</a:t>
+              <a:t>44</a:t>
             </a:fld>
             <a:endParaRPr lang="zh-TW" altLang="en-US"/>
           </a:p>
@@ -35968,7 +38503,7 @@
 </p:sld>
 </file>
 
-<file path=ppt/slides/slide35.xml><?xml version="1.0" encoding="utf-8"?>
+<file path=ppt/slides/slide45.xml><?xml version="1.0" encoding="utf-8"?>
 <p:sld xmlns:a="http://schemas.openxmlformats.org/drawingml/2006/main" xmlns:r="http://schemas.openxmlformats.org/officeDocument/2006/relationships" xmlns:p="http://schemas.openxmlformats.org/presentationml/2006/main">
   <p:cSld>
     <p:spTree>
@@ -36154,7 +38689,7 @@
             </a:pPr>
             <a:fld id="{00000000-1234-1234-1234-123412341234}" type="slidenum">
               <a:rPr lang="en-US" altLang="zh-TW" smtClean="0"/>
-              <a:t>35</a:t>
+              <a:t>45</a:t>
             </a:fld>
             <a:endParaRPr lang="zh-TW" altLang="en-US"/>
           </a:p>
@@ -37238,7 +39773,7 @@
 </p:sld>
 </file>
 
-<file path=ppt/slides/slide36.xml><?xml version="1.0" encoding="utf-8"?>
+<file path=ppt/slides/slide46.xml><?xml version="1.0" encoding="utf-8"?>
 <p:sld xmlns:a="http://schemas.openxmlformats.org/drawingml/2006/main" xmlns:r="http://schemas.openxmlformats.org/officeDocument/2006/relationships" xmlns:p="http://schemas.openxmlformats.org/presentationml/2006/main">
   <p:cSld>
     <p:spTree>
@@ -37402,7 +39937,7 @@
             </a:pPr>
             <a:fld id="{00000000-1234-1234-1234-123412341234}" type="slidenum">
               <a:rPr lang="en-US" altLang="zh-TW" smtClean="0"/>
-              <a:t>36</a:t>
+              <a:t>46</a:t>
             </a:fld>
             <a:endParaRPr lang="zh-TW" altLang="en-US"/>
           </a:p>
@@ -37943,7 +40478,7 @@
 </p:sld>
 </file>
 
-<file path=ppt/slides/slide37.xml><?xml version="1.0" encoding="utf-8"?>
+<file path=ppt/slides/slide47.xml><?xml version="1.0" encoding="utf-8"?>
 <p:sld xmlns:a="http://schemas.openxmlformats.org/drawingml/2006/main" xmlns:r="http://schemas.openxmlformats.org/officeDocument/2006/relationships" xmlns:p="http://schemas.openxmlformats.org/presentationml/2006/main">
   <p:cSld>
     <p:spTree>
@@ -38207,7 +40742,7 @@
             </a:pPr>
             <a:fld id="{00000000-1234-1234-1234-123412341234}" type="slidenum">
               <a:rPr lang="en-US" altLang="zh-TW" smtClean="0"/>
-              <a:t>37</a:t>
+              <a:t>47</a:t>
             </a:fld>
             <a:endParaRPr lang="zh-TW" altLang="en-US"/>
           </a:p>
@@ -39473,7 +42008,7 @@
 </p:sld>
 </file>
 
-<file path=ppt/slides/slide38.xml><?xml version="1.0" encoding="utf-8"?>
+<file path=ppt/slides/slide48.xml><?xml version="1.0" encoding="utf-8"?>
 <p:sld xmlns:a="http://schemas.openxmlformats.org/drawingml/2006/main" xmlns:r="http://schemas.openxmlformats.org/officeDocument/2006/relationships" xmlns:p="http://schemas.openxmlformats.org/presentationml/2006/main">
   <p:cSld>
     <p:spTree>
@@ -39702,7 +42237,7 @@
             </a:pPr>
             <a:fld id="{00000000-1234-1234-1234-123412341234}" type="slidenum">
               <a:rPr lang="en-US" altLang="zh-TW" smtClean="0"/>
-              <a:t>38</a:t>
+              <a:t>48</a:t>
             </a:fld>
             <a:endParaRPr lang="zh-TW" altLang="en-US"/>
           </a:p>
@@ -40983,7 +43518,7 @@
 </p:sld>
 </file>
 
-<file path=ppt/slides/slide39.xml><?xml version="1.0" encoding="utf-8"?>
+<file path=ppt/slides/slide49.xml><?xml version="1.0" encoding="utf-8"?>
 <p:sld xmlns:a="http://schemas.openxmlformats.org/drawingml/2006/main" xmlns:r="http://schemas.openxmlformats.org/officeDocument/2006/relationships" xmlns:p="http://schemas.openxmlformats.org/presentationml/2006/main">
   <p:cSld>
     <p:spTree>
@@ -41099,7 +43634,7 @@
             </a:pPr>
             <a:fld id="{00000000-1234-1234-1234-123412341234}" type="slidenum">
               <a:rPr lang="en-US" altLang="zh-TW" smtClean="0"/>
-              <a:t>39</a:t>
+              <a:t>49</a:t>
             </a:fld>
             <a:endParaRPr lang="zh-TW" altLang="en-US"/>
           </a:p>
@@ -41118,7 +43653,7 @@
 </p:sld>
 </file>
 
-<file path=ppt/slides/slide4.xml><?xml version="1.0" encoding="utf-8"?>
+<file path=ppt/slides/slide5.xml><?xml version="1.0" encoding="utf-8"?>
 <p:sld xmlns:a="http://schemas.openxmlformats.org/drawingml/2006/main" xmlns:r="http://schemas.openxmlformats.org/officeDocument/2006/relationships" xmlns:p="http://schemas.openxmlformats.org/presentationml/2006/main">
   <p:cSld>
     <p:spTree>
@@ -41264,7 +43799,7 @@
             </a:pPr>
             <a:fld id="{00000000-1234-1234-1234-123412341234}" type="slidenum">
               <a:rPr lang="en-US" altLang="zh-TW" smtClean="0"/>
-              <a:t>4</a:t>
+              <a:t>5</a:t>
             </a:fld>
             <a:endParaRPr lang="zh-TW" altLang="en-US"/>
           </a:p>
@@ -41444,7 +43979,7 @@
 </p:sld>
 </file>
 
-<file path=ppt/slides/slide40.xml><?xml version="1.0" encoding="utf-8"?>
+<file path=ppt/slides/slide50.xml><?xml version="1.0" encoding="utf-8"?>
 <p:sld xmlns:a="http://schemas.openxmlformats.org/drawingml/2006/main" xmlns:r="http://schemas.openxmlformats.org/officeDocument/2006/relationships" xmlns:p="http://schemas.openxmlformats.org/presentationml/2006/main">
   <p:cSld>
     <p:spTree>
@@ -41669,7 +44204,7 @@
             </a:pPr>
             <a:fld id="{00000000-1234-1234-1234-123412341234}" type="slidenum">
               <a:rPr lang="en-US" altLang="zh-TW" smtClean="0"/>
-              <a:t>40</a:t>
+              <a:t>50</a:t>
             </a:fld>
             <a:endParaRPr lang="zh-TW" altLang="en-US"/>
           </a:p>
@@ -41819,717 +44354,7 @@
 </p:sld>
 </file>
 
-<file path=ppt/slides/slide41.xml><?xml version="1.0" encoding="utf-8"?>
-<p:sld xmlns:a="http://schemas.openxmlformats.org/drawingml/2006/main" xmlns:r="http://schemas.openxmlformats.org/officeDocument/2006/relationships" xmlns:p="http://schemas.openxmlformats.org/presentationml/2006/main">
-  <p:cSld>
-    <p:spTree>
-      <p:nvGrpSpPr>
-        <p:cNvPr id="1" name=""/>
-        <p:cNvGrpSpPr/>
-        <p:nvPr/>
-      </p:nvGrpSpPr>
-      <p:grpSpPr>
-        <a:xfrm>
-          <a:off x="0" y="0"/>
-          <a:ext cx="0" cy="0"/>
-          <a:chOff x="0" y="0"/>
-          <a:chExt cx="0" cy="0"/>
-        </a:xfrm>
-      </p:grpSpPr>
-      <p:sp>
-        <p:nvSpPr>
-          <p:cNvPr id="2" name="標題 1">
-            <a:extLst>
-              <a:ext uri="{FF2B5EF4-FFF2-40B4-BE49-F238E27FC236}">
-                <a16:creationId xmlns:a16="http://schemas.microsoft.com/office/drawing/2014/main" id="{DE87ECAD-2BD1-4D77-8DB5-09807E6386B0}"/>
-              </a:ext>
-            </a:extLst>
-          </p:cNvPr>
-          <p:cNvSpPr>
-            <a:spLocks noGrp="1"/>
-          </p:cNvSpPr>
-          <p:nvPr>
-            <p:ph type="title"/>
-          </p:nvPr>
-        </p:nvSpPr>
-        <p:spPr/>
-        <p:txBody>
-          <a:bodyPr/>
-          <a:lstStyle/>
-          <a:p>
-            <a:r>
-              <a:rPr lang="zh-TW" altLang="en-US" dirty="0">
-                <a:latin typeface="+mn-lt"/>
-                <a:ea typeface="微軟正黑體" panose="020B0604030504040204" pitchFamily="34" charset="-120"/>
-              </a:rPr>
-              <a:t>什麼是</a:t>
-            </a:r>
-            <a:r>
-              <a:rPr lang="en-US" altLang="zh-TW" dirty="0">
-                <a:latin typeface="+mn-lt"/>
-                <a:ea typeface="微軟正黑體" panose="020B0604030504040204" pitchFamily="34" charset="-120"/>
-              </a:rPr>
-              <a:t>content words </a:t>
-            </a:r>
-            <a:endParaRPr lang="zh-TW" altLang="en-US" dirty="0">
-              <a:latin typeface="+mn-lt"/>
-              <a:ea typeface="微軟正黑體" panose="020B0604030504040204" pitchFamily="34" charset="-120"/>
-            </a:endParaRPr>
-          </a:p>
-        </p:txBody>
-      </p:sp>
-      <p:sp>
-        <p:nvSpPr>
-          <p:cNvPr id="3" name="文字版面配置區 2">
-            <a:extLst>
-              <a:ext uri="{FF2B5EF4-FFF2-40B4-BE49-F238E27FC236}">
-                <a16:creationId xmlns:a16="http://schemas.microsoft.com/office/drawing/2014/main" id="{0B419789-0226-4981-A301-9EB997A91B64}"/>
-              </a:ext>
-            </a:extLst>
-          </p:cNvPr>
-          <p:cNvSpPr>
-            <a:spLocks noGrp="1"/>
-          </p:cNvSpPr>
-          <p:nvPr>
-            <p:ph type="body" idx="1"/>
-          </p:nvPr>
-        </p:nvSpPr>
-        <p:spPr/>
-        <p:txBody>
-          <a:bodyPr/>
-          <a:lstStyle/>
-          <a:p>
-            <a:r>
-              <a:rPr lang="en-US" altLang="zh-TW" dirty="0">
-                <a:latin typeface="+mn-lt"/>
-                <a:ea typeface="微軟正黑體" panose="020B0604030504040204" pitchFamily="34" charset="-120"/>
-              </a:rPr>
-              <a:t>Content words</a:t>
-            </a:r>
-            <a:r>
-              <a:rPr lang="zh-TW" altLang="en-US" dirty="0">
-                <a:latin typeface="+mn-lt"/>
-                <a:ea typeface="微軟正黑體" panose="020B0604030504040204" pitchFamily="34" charset="-120"/>
-              </a:rPr>
-              <a:t>，或是又稱「實詞」，指的是句子中有重要意義的意思。</a:t>
-            </a:r>
-            <a:endParaRPr lang="en-US" altLang="zh-TW" dirty="0">
-              <a:latin typeface="+mn-lt"/>
-              <a:ea typeface="微軟正黑體" panose="020B0604030504040204" pitchFamily="34" charset="-120"/>
-            </a:endParaRPr>
-          </a:p>
-          <a:p>
-            <a:r>
-              <a:rPr lang="zh-TW" altLang="en-US" dirty="0">
-                <a:latin typeface="+mn-lt"/>
-                <a:ea typeface="微軟正黑體" panose="020B0604030504040204" pitchFamily="34" charset="-120"/>
-              </a:rPr>
-              <a:t>例如以下句子 </a:t>
-            </a:r>
-            <a:r>
-              <a:rPr lang="en-US" altLang="zh-TW" dirty="0">
-                <a:latin typeface="+mn-lt"/>
-                <a:ea typeface="微軟正黑體" panose="020B0604030504040204" pitchFamily="34" charset="-120"/>
-              </a:rPr>
-              <a:t>(</a:t>
-            </a:r>
-            <a:r>
-              <a:rPr lang="zh-TW" altLang="en-US" dirty="0">
-                <a:latin typeface="+mn-lt"/>
-                <a:ea typeface="微軟正黑體" panose="020B0604030504040204" pitchFamily="34" charset="-120"/>
-              </a:rPr>
-              <a:t>取次於 </a:t>
-            </a:r>
-            <a:r>
-              <a:rPr lang="en-US" altLang="zh-TW" dirty="0">
-                <a:latin typeface="+mn-lt"/>
-                <a:ea typeface="微軟正黑體" panose="020B0604030504040204" pitchFamily="34" charset="-120"/>
-              </a:rPr>
-              <a:t>Snow White </a:t>
-            </a:r>
-            <a:r>
-              <a:rPr lang="zh-TW" altLang="en-US" dirty="0">
-                <a:latin typeface="+mn-lt"/>
-                <a:ea typeface="微軟正黑體" panose="020B0604030504040204" pitchFamily="34" charset="-120"/>
-              </a:rPr>
-              <a:t>的維基條目</a:t>
-            </a:r>
-            <a:r>
-              <a:rPr lang="en-US" altLang="zh-TW" dirty="0">
-                <a:latin typeface="+mn-lt"/>
-                <a:ea typeface="微軟正黑體" panose="020B0604030504040204" pitchFamily="34" charset="-120"/>
-              </a:rPr>
-              <a:t>) </a:t>
-            </a:r>
-          </a:p>
-          <a:p>
-            <a:r>
-              <a:rPr lang="en-US" altLang="zh-TW" dirty="0">
-                <a:latin typeface="+mn-lt"/>
-                <a:ea typeface="微軟正黑體" panose="020B0604030504040204" pitchFamily="34" charset="-120"/>
-              </a:rPr>
-              <a:t>"Snow White" is a 19th-century German fairy tale that is today known widely across the Western world. </a:t>
-            </a:r>
-          </a:p>
-          <a:p>
-            <a:r>
-              <a:rPr lang="zh-TW" altLang="en-US" dirty="0">
-                <a:latin typeface="+mn-lt"/>
-                <a:ea typeface="微軟正黑體" panose="020B0604030504040204" pitchFamily="34" charset="-120"/>
-              </a:rPr>
-              <a:t>其中實詞就包括 </a:t>
-            </a:r>
-            <a:r>
-              <a:rPr lang="en-US" altLang="zh-TW" dirty="0">
-                <a:latin typeface="+mn-lt"/>
-                <a:ea typeface="微軟正黑體" panose="020B0604030504040204" pitchFamily="34" charset="-120"/>
-              </a:rPr>
-              <a:t>Snow White, German, fairy tale</a:t>
-            </a:r>
-          </a:p>
-          <a:p>
-            <a:r>
-              <a:rPr lang="zh-TW" altLang="en-US" dirty="0">
-                <a:latin typeface="+mn-lt"/>
-                <a:ea typeface="微軟正黑體" panose="020B0604030504040204" pitchFamily="34" charset="-120"/>
-              </a:rPr>
-              <a:t>而相對於實詞，如果只有文法上功能的就是虛詞</a:t>
-            </a:r>
-          </a:p>
-        </p:txBody>
-      </p:sp>
-      <p:sp>
-        <p:nvSpPr>
-          <p:cNvPr id="4" name="投影片編號版面配置區 3">
-            <a:extLst>
-              <a:ext uri="{FF2B5EF4-FFF2-40B4-BE49-F238E27FC236}">
-                <a16:creationId xmlns:a16="http://schemas.microsoft.com/office/drawing/2014/main" id="{78795F42-E4B0-4A05-B5FA-0179A2694A2F}"/>
-              </a:ext>
-            </a:extLst>
-          </p:cNvPr>
-          <p:cNvSpPr>
-            <a:spLocks noGrp="1"/>
-          </p:cNvSpPr>
-          <p:nvPr>
-            <p:ph type="sldNum" idx="12"/>
-          </p:nvPr>
-        </p:nvSpPr>
-        <p:spPr/>
-        <p:txBody>
-          <a:bodyPr/>
-          <a:lstStyle/>
-          <a:p>
-            <a:pPr marL="0" lvl="0" indent="0" algn="r" rtl="0">
-              <a:spcBef>
-                <a:spcPts val="0"/>
-              </a:spcBef>
-              <a:spcAft>
-                <a:spcPts val="0"/>
-              </a:spcAft>
-              <a:buNone/>
-            </a:pPr>
-            <a:fld id="{00000000-1234-1234-1234-123412341234}" type="slidenum">
-              <a:rPr lang="en-US" altLang="zh-TW" smtClean="0"/>
-              <a:t>41</a:t>
-            </a:fld>
-            <a:endParaRPr lang="zh-TW" altLang="en-US"/>
-          </a:p>
-        </p:txBody>
-      </p:sp>
-      <p:sp>
-        <p:nvSpPr>
-          <p:cNvPr id="5" name="Rectangle 4">
-            <a:extLst>
-              <a:ext uri="{FF2B5EF4-FFF2-40B4-BE49-F238E27FC236}">
-                <a16:creationId xmlns:a16="http://schemas.microsoft.com/office/drawing/2014/main" id="{8F8D6D9F-C5B3-41D7-BB2B-A3D49A6CFBD8}"/>
-              </a:ext>
-            </a:extLst>
-          </p:cNvPr>
-          <p:cNvSpPr/>
-          <p:nvPr/>
-        </p:nvSpPr>
-        <p:spPr>
-          <a:xfrm>
-            <a:off x="1544320" y="6415589"/>
-            <a:ext cx="9961165" cy="432000"/>
-          </a:xfrm>
-          <a:prstGeom prst="rect">
-            <a:avLst/>
-          </a:prstGeom>
-          <a:gradFill flip="none" rotWithShape="1">
-            <a:gsLst>
-              <a:gs pos="0">
-                <a:srgbClr val="20A4D6"/>
-              </a:gs>
-              <a:gs pos="100000">
-                <a:srgbClr val="86D7F3">
-                  <a:shade val="100000"/>
-                  <a:satMod val="115000"/>
-                </a:srgbClr>
-              </a:gs>
-            </a:gsLst>
-            <a:path path="circle">
-              <a:fillToRect l="100000" t="100000"/>
-            </a:path>
-            <a:tileRect r="-100000" b="-100000"/>
-          </a:gradFill>
-          <a:ln>
-            <a:noFill/>
-          </a:ln>
-        </p:spPr>
-        <p:style>
-          <a:lnRef idx="2">
-            <a:schemeClr val="accent1">
-              <a:shade val="50000"/>
-            </a:schemeClr>
-          </a:lnRef>
-          <a:fillRef idx="1">
-            <a:schemeClr val="accent1"/>
-          </a:fillRef>
-          <a:effectRef idx="0">
-            <a:schemeClr val="accent1"/>
-          </a:effectRef>
-          <a:fontRef idx="minor">
-            <a:schemeClr val="lt1"/>
-          </a:fontRef>
-        </p:style>
-        <p:txBody>
-          <a:bodyPr rtlCol="0" anchor="ctr"/>
-          <a:lstStyle/>
-          <a:p>
-            <a:r>
-              <a:rPr lang="zh-TW" altLang="en-US" sz="1100" b="1" dirty="0">
-                <a:solidFill>
-                  <a:schemeClr val="tx1"/>
-                </a:solidFill>
-                <a:latin typeface="微軟正黑體" panose="020B0604030504040204" pitchFamily="34" charset="-120"/>
-                <a:ea typeface="微軟正黑體" panose="020B0604030504040204" pitchFamily="34" charset="-120"/>
-              </a:rPr>
-              <a:t>推動大學程式設計教學計畫。分項六</a:t>
-            </a:r>
-            <a:r>
-              <a:rPr lang="en-US" altLang="zh-TW" sz="1100" b="1" dirty="0">
-                <a:solidFill>
-                  <a:schemeClr val="tx1"/>
-                </a:solidFill>
-                <a:latin typeface="微軟正黑體" panose="020B0604030504040204" pitchFamily="34" charset="-120"/>
-                <a:ea typeface="微軟正黑體" panose="020B0604030504040204" pitchFamily="34" charset="-120"/>
-              </a:rPr>
-              <a:t>:</a:t>
-            </a:r>
-            <a:r>
-              <a:rPr lang="zh-TW" altLang="en-US" sz="1100" b="1" dirty="0">
-                <a:solidFill>
-                  <a:schemeClr val="tx1"/>
-                </a:solidFill>
-                <a:latin typeface="微軟正黑體" panose="020B0604030504040204" pitchFamily="34" charset="-120"/>
-                <a:ea typeface="微軟正黑體" panose="020B0604030504040204" pitchFamily="34" charset="-120"/>
-              </a:rPr>
-              <a:t>資料分析領域與學習評量推動團隊</a:t>
-            </a:r>
-            <a:r>
-              <a:rPr lang="en-US" altLang="zh-TW" sz="1100" b="1" dirty="0">
-                <a:solidFill>
-                  <a:schemeClr val="tx1"/>
-                </a:solidFill>
-                <a:latin typeface="微軟正黑體" panose="020B0604030504040204" pitchFamily="34" charset="-120"/>
-                <a:ea typeface="微軟正黑體" panose="020B0604030504040204" pitchFamily="34" charset="-120"/>
-              </a:rPr>
-              <a:t>(</a:t>
-            </a:r>
-            <a:r>
-              <a:rPr lang="zh-TW" altLang="en-US" sz="1100" b="1" dirty="0">
-                <a:solidFill>
-                  <a:schemeClr val="tx1"/>
-                </a:solidFill>
-                <a:latin typeface="微軟正黑體" panose="020B0604030504040204" pitchFamily="34" charset="-120"/>
-                <a:ea typeface="微軟正黑體" panose="020B0604030504040204" pitchFamily="34" charset="-120"/>
-              </a:rPr>
-              <a:t>王文傑老師主編，林融、蘇洪寬協助編輯</a:t>
-            </a:r>
-            <a:r>
-              <a:rPr lang="en-US" altLang="zh-TW" sz="1100" b="1" dirty="0">
-                <a:solidFill>
-                  <a:schemeClr val="tx1"/>
-                </a:solidFill>
-                <a:latin typeface="微軟正黑體" panose="020B0604030504040204" pitchFamily="34" charset="-120"/>
-                <a:ea typeface="微軟正黑體" panose="020B0604030504040204" pitchFamily="34" charset="-120"/>
-              </a:rPr>
-              <a:t>)</a:t>
-            </a:r>
-            <a:endParaRPr lang="zh-TW" altLang="en-US" sz="1100" b="1" dirty="0">
-              <a:solidFill>
-                <a:schemeClr val="tx1"/>
-              </a:solidFill>
-              <a:latin typeface="微軟正黑體" panose="020B0604030504040204" pitchFamily="34" charset="-120"/>
-              <a:ea typeface="微軟正黑體" panose="020B0604030504040204" pitchFamily="34" charset="-120"/>
-            </a:endParaRPr>
-          </a:p>
-        </p:txBody>
-      </p:sp>
-    </p:spTree>
-    <p:extLst>
-      <p:ext uri="{BB962C8B-B14F-4D97-AF65-F5344CB8AC3E}">
-        <p14:creationId xmlns:p14="http://schemas.microsoft.com/office/powerpoint/2010/main" val="3118971147"/>
-      </p:ext>
-    </p:extLst>
-  </p:cSld>
-  <p:clrMapOvr>
-    <a:masterClrMapping/>
-  </p:clrMapOvr>
-</p:sld>
-</file>
-
-<file path=ppt/slides/slide42.xml><?xml version="1.0" encoding="utf-8"?>
-<p:sld xmlns:a="http://schemas.openxmlformats.org/drawingml/2006/main" xmlns:r="http://schemas.openxmlformats.org/officeDocument/2006/relationships" xmlns:p="http://schemas.openxmlformats.org/presentationml/2006/main">
-  <p:cSld>
-    <p:spTree>
-      <p:nvGrpSpPr>
-        <p:cNvPr id="1" name=""/>
-        <p:cNvGrpSpPr/>
-        <p:nvPr/>
-      </p:nvGrpSpPr>
-      <p:grpSpPr>
-        <a:xfrm>
-          <a:off x="0" y="0"/>
-          <a:ext cx="0" cy="0"/>
-          <a:chOff x="0" y="0"/>
-          <a:chExt cx="0" cy="0"/>
-        </a:xfrm>
-      </p:grpSpPr>
-      <p:sp>
-        <p:nvSpPr>
-          <p:cNvPr id="2" name="標題 1">
-            <a:extLst>
-              <a:ext uri="{FF2B5EF4-FFF2-40B4-BE49-F238E27FC236}">
-                <a16:creationId xmlns:a16="http://schemas.microsoft.com/office/drawing/2014/main" id="{DE87ECAD-2BD1-4D77-8DB5-09807E6386B0}"/>
-              </a:ext>
-            </a:extLst>
-          </p:cNvPr>
-          <p:cNvSpPr>
-            <a:spLocks noGrp="1"/>
-          </p:cNvSpPr>
-          <p:nvPr>
-            <p:ph type="title"/>
-          </p:nvPr>
-        </p:nvSpPr>
-        <p:spPr/>
-        <p:txBody>
-          <a:bodyPr/>
-          <a:lstStyle/>
-          <a:p>
-            <a:r>
-              <a:rPr lang="zh-TW" altLang="en-US" dirty="0">
-                <a:latin typeface="+mn-lt"/>
-                <a:ea typeface="微軟正黑體" panose="020B0604030504040204" pitchFamily="34" charset="-120"/>
-              </a:rPr>
-              <a:t>什麼是</a:t>
-            </a:r>
-            <a:r>
-              <a:rPr lang="en-US" altLang="zh-TW" dirty="0">
-                <a:latin typeface="+mn-lt"/>
-                <a:ea typeface="微軟正黑體" panose="020B0604030504040204" pitchFamily="34" charset="-120"/>
-              </a:rPr>
-              <a:t>content words </a:t>
-            </a:r>
-            <a:endParaRPr lang="zh-TW" altLang="en-US" dirty="0">
-              <a:latin typeface="+mn-lt"/>
-              <a:ea typeface="微軟正黑體" panose="020B0604030504040204" pitchFamily="34" charset="-120"/>
-            </a:endParaRPr>
-          </a:p>
-        </p:txBody>
-      </p:sp>
-      <p:sp>
-        <p:nvSpPr>
-          <p:cNvPr id="3" name="文字版面配置區 2">
-            <a:extLst>
-              <a:ext uri="{FF2B5EF4-FFF2-40B4-BE49-F238E27FC236}">
-                <a16:creationId xmlns:a16="http://schemas.microsoft.com/office/drawing/2014/main" id="{0B419789-0226-4981-A301-9EB997A91B64}"/>
-              </a:ext>
-            </a:extLst>
-          </p:cNvPr>
-          <p:cNvSpPr>
-            <a:spLocks noGrp="1"/>
-          </p:cNvSpPr>
-          <p:nvPr>
-            <p:ph type="body" idx="1"/>
-          </p:nvPr>
-        </p:nvSpPr>
-        <p:spPr/>
-        <p:txBody>
-          <a:bodyPr>
-            <a:normAutofit/>
-          </a:bodyPr>
-          <a:lstStyle/>
-          <a:p>
-            <a:r>
-              <a:rPr lang="zh-TW" altLang="en-US" dirty="0">
-                <a:latin typeface="+mn-lt"/>
-                <a:ea typeface="微軟正黑體" panose="020B0604030504040204" pitchFamily="34" charset="-120"/>
-              </a:rPr>
-              <a:t>而相對於實詞，如果只有文法上功能的就是虛詞</a:t>
-            </a:r>
-            <a:endParaRPr lang="en-US" altLang="zh-TW" dirty="0">
-              <a:latin typeface="+mn-lt"/>
-              <a:ea typeface="微軟正黑體" panose="020B0604030504040204" pitchFamily="34" charset="-120"/>
-            </a:endParaRPr>
-          </a:p>
-          <a:p>
-            <a:r>
-              <a:rPr lang="zh-TW" altLang="en-US" dirty="0">
-                <a:latin typeface="+mn-lt"/>
-                <a:ea typeface="微軟正黑體" panose="020B0604030504040204" pitchFamily="34" charset="-120"/>
-              </a:rPr>
-              <a:t>例如在剛剛的句子中</a:t>
-            </a:r>
-            <a:br>
-              <a:rPr lang="en-US" altLang="zh-TW" dirty="0">
-                <a:latin typeface="+mn-lt"/>
-                <a:ea typeface="微軟正黑體" panose="020B0604030504040204" pitchFamily="34" charset="-120"/>
-              </a:rPr>
-            </a:br>
-            <a:r>
-              <a:rPr lang="en-US" altLang="zh-TW" dirty="0">
-                <a:latin typeface="+mn-lt"/>
-                <a:ea typeface="微軟正黑體" panose="020B0604030504040204" pitchFamily="34" charset="-120"/>
-              </a:rPr>
-              <a:t>"Snow White" is a 19th-century German fairy tale that is today known widely across the Western world. </a:t>
-            </a:r>
-          </a:p>
-          <a:p>
-            <a:r>
-              <a:rPr lang="en-US" altLang="zh-TW" dirty="0">
-                <a:latin typeface="+mn-lt"/>
-                <a:ea typeface="微軟正黑體" panose="020B0604030504040204" pitchFamily="34" charset="-120"/>
-              </a:rPr>
-              <a:t>a, that, the </a:t>
-            </a:r>
-            <a:r>
-              <a:rPr lang="zh-TW" altLang="en-US" dirty="0">
-                <a:latin typeface="+mn-lt"/>
-                <a:ea typeface="微軟正黑體" panose="020B0604030504040204" pitchFamily="34" charset="-120"/>
-              </a:rPr>
-              <a:t>就是虛詞</a:t>
-            </a:r>
-            <a:r>
-              <a:rPr lang="en-US" altLang="zh-TW" dirty="0">
-                <a:latin typeface="+mn-lt"/>
-                <a:ea typeface="微軟正黑體" panose="020B0604030504040204" pitchFamily="34" charset="-120"/>
-              </a:rPr>
-              <a:t> </a:t>
-            </a:r>
-          </a:p>
-          <a:p>
-            <a:endParaRPr lang="en-US" altLang="zh-TW" dirty="0">
-              <a:latin typeface="+mn-lt"/>
-              <a:ea typeface="微軟正黑體" panose="020B0604030504040204" pitchFamily="34" charset="-120"/>
-            </a:endParaRPr>
-          </a:p>
-          <a:p>
-            <a:r>
-              <a:rPr lang="zh-TW" altLang="en-US" dirty="0">
-                <a:latin typeface="+mn-lt"/>
-                <a:ea typeface="微軟正黑體" panose="020B0604030504040204" pitchFamily="34" charset="-120"/>
-              </a:rPr>
-              <a:t>取自於</a:t>
-            </a:r>
-            <a:r>
-              <a:rPr lang="en-US" altLang="zh-TW" dirty="0">
-                <a:latin typeface="+mn-lt"/>
-                <a:ea typeface="微軟正黑體" panose="020B0604030504040204" pitchFamily="34" charset="-120"/>
-              </a:rPr>
-              <a:t>https://en.wikipedia.org/wiki/Snow_White</a:t>
-            </a:r>
-            <a:endParaRPr lang="zh-TW" altLang="en-US" dirty="0">
-              <a:latin typeface="+mn-lt"/>
-              <a:ea typeface="微軟正黑體" panose="020B0604030504040204" pitchFamily="34" charset="-120"/>
-            </a:endParaRPr>
-          </a:p>
-        </p:txBody>
-      </p:sp>
-      <p:sp>
-        <p:nvSpPr>
-          <p:cNvPr id="4" name="投影片編號版面配置區 3">
-            <a:extLst>
-              <a:ext uri="{FF2B5EF4-FFF2-40B4-BE49-F238E27FC236}">
-                <a16:creationId xmlns:a16="http://schemas.microsoft.com/office/drawing/2014/main" id="{78795F42-E4B0-4A05-B5FA-0179A2694A2F}"/>
-              </a:ext>
-            </a:extLst>
-          </p:cNvPr>
-          <p:cNvSpPr>
-            <a:spLocks noGrp="1"/>
-          </p:cNvSpPr>
-          <p:nvPr>
-            <p:ph type="sldNum" idx="12"/>
-          </p:nvPr>
-        </p:nvSpPr>
-        <p:spPr/>
-        <p:txBody>
-          <a:bodyPr/>
-          <a:lstStyle/>
-          <a:p>
-            <a:pPr marL="0" lvl="0" indent="0" algn="r" rtl="0">
-              <a:spcBef>
-                <a:spcPts val="0"/>
-              </a:spcBef>
-              <a:spcAft>
-                <a:spcPts val="0"/>
-              </a:spcAft>
-              <a:buNone/>
-            </a:pPr>
-            <a:fld id="{00000000-1234-1234-1234-123412341234}" type="slidenum">
-              <a:rPr lang="en-US" altLang="zh-TW" smtClean="0"/>
-              <a:t>42</a:t>
-            </a:fld>
-            <a:endParaRPr lang="zh-TW" altLang="en-US"/>
-          </a:p>
-        </p:txBody>
-      </p:sp>
-      <p:sp>
-        <p:nvSpPr>
-          <p:cNvPr id="5" name="Rectangle 4">
-            <a:extLst>
-              <a:ext uri="{FF2B5EF4-FFF2-40B4-BE49-F238E27FC236}">
-                <a16:creationId xmlns:a16="http://schemas.microsoft.com/office/drawing/2014/main" id="{276C9EDC-DE4A-4ED9-8774-457A7229984E}"/>
-              </a:ext>
-            </a:extLst>
-          </p:cNvPr>
-          <p:cNvSpPr/>
-          <p:nvPr/>
-        </p:nvSpPr>
-        <p:spPr>
-          <a:xfrm>
-            <a:off x="1544320" y="6415589"/>
-            <a:ext cx="9961165" cy="432000"/>
-          </a:xfrm>
-          <a:prstGeom prst="rect">
-            <a:avLst/>
-          </a:prstGeom>
-          <a:gradFill flip="none" rotWithShape="1">
-            <a:gsLst>
-              <a:gs pos="0">
-                <a:srgbClr val="20A4D6"/>
-              </a:gs>
-              <a:gs pos="100000">
-                <a:srgbClr val="86D7F3">
-                  <a:shade val="100000"/>
-                  <a:satMod val="115000"/>
-                </a:srgbClr>
-              </a:gs>
-            </a:gsLst>
-            <a:path path="circle">
-              <a:fillToRect l="100000" t="100000"/>
-            </a:path>
-            <a:tileRect r="-100000" b="-100000"/>
-          </a:gradFill>
-          <a:ln>
-            <a:noFill/>
-          </a:ln>
-        </p:spPr>
-        <p:style>
-          <a:lnRef idx="2">
-            <a:schemeClr val="accent1">
-              <a:shade val="50000"/>
-            </a:schemeClr>
-          </a:lnRef>
-          <a:fillRef idx="1">
-            <a:schemeClr val="accent1"/>
-          </a:fillRef>
-          <a:effectRef idx="0">
-            <a:schemeClr val="accent1"/>
-          </a:effectRef>
-          <a:fontRef idx="minor">
-            <a:schemeClr val="lt1"/>
-          </a:fontRef>
-        </p:style>
-        <p:txBody>
-          <a:bodyPr rtlCol="0" anchor="ctr"/>
-          <a:lstStyle/>
-          <a:p>
-            <a:r>
-              <a:rPr lang="zh-TW" altLang="en-US" sz="1100" b="1" dirty="0">
-                <a:solidFill>
-                  <a:schemeClr val="tx1"/>
-                </a:solidFill>
-                <a:latin typeface="微軟正黑體" panose="020B0604030504040204" pitchFamily="34" charset="-120"/>
-                <a:ea typeface="微軟正黑體" panose="020B0604030504040204" pitchFamily="34" charset="-120"/>
-              </a:rPr>
-              <a:t>推動大學程式設計教學計畫。分項六</a:t>
-            </a:r>
-            <a:r>
-              <a:rPr lang="en-US" altLang="zh-TW" sz="1100" b="1" dirty="0">
-                <a:solidFill>
-                  <a:schemeClr val="tx1"/>
-                </a:solidFill>
-                <a:latin typeface="微軟正黑體" panose="020B0604030504040204" pitchFamily="34" charset="-120"/>
-                <a:ea typeface="微軟正黑體" panose="020B0604030504040204" pitchFamily="34" charset="-120"/>
-              </a:rPr>
-              <a:t>:</a:t>
-            </a:r>
-            <a:r>
-              <a:rPr lang="zh-TW" altLang="en-US" sz="1100" b="1" dirty="0">
-                <a:solidFill>
-                  <a:schemeClr val="tx1"/>
-                </a:solidFill>
-                <a:latin typeface="微軟正黑體" panose="020B0604030504040204" pitchFamily="34" charset="-120"/>
-                <a:ea typeface="微軟正黑體" panose="020B0604030504040204" pitchFamily="34" charset="-120"/>
-              </a:rPr>
-              <a:t>資料分析領域與學習評量推動團隊</a:t>
-            </a:r>
-            <a:r>
-              <a:rPr lang="en-US" altLang="zh-TW" sz="1100" b="1" dirty="0">
-                <a:solidFill>
-                  <a:schemeClr val="tx1"/>
-                </a:solidFill>
-                <a:latin typeface="微軟正黑體" panose="020B0604030504040204" pitchFamily="34" charset="-120"/>
-                <a:ea typeface="微軟正黑體" panose="020B0604030504040204" pitchFamily="34" charset="-120"/>
-              </a:rPr>
-              <a:t>(</a:t>
-            </a:r>
-            <a:r>
-              <a:rPr lang="zh-TW" altLang="en-US" sz="1100" b="1" dirty="0">
-                <a:solidFill>
-                  <a:schemeClr val="tx1"/>
-                </a:solidFill>
-                <a:latin typeface="微軟正黑體" panose="020B0604030504040204" pitchFamily="34" charset="-120"/>
-                <a:ea typeface="微軟正黑體" panose="020B0604030504040204" pitchFamily="34" charset="-120"/>
-              </a:rPr>
-              <a:t>王文傑老師主編，林融、蘇洪寬協助編輯</a:t>
-            </a:r>
-            <a:r>
-              <a:rPr lang="en-US" altLang="zh-TW" sz="1100" b="1" dirty="0">
-                <a:solidFill>
-                  <a:schemeClr val="tx1"/>
-                </a:solidFill>
-                <a:latin typeface="微軟正黑體" panose="020B0604030504040204" pitchFamily="34" charset="-120"/>
-                <a:ea typeface="微軟正黑體" panose="020B0604030504040204" pitchFamily="34" charset="-120"/>
-              </a:rPr>
-              <a:t>)</a:t>
-            </a:r>
-            <a:endParaRPr lang="zh-TW" altLang="en-US" sz="1100" b="1" dirty="0">
-              <a:solidFill>
-                <a:schemeClr val="tx1"/>
-              </a:solidFill>
-              <a:latin typeface="微軟正黑體" panose="020B0604030504040204" pitchFamily="34" charset="-120"/>
-              <a:ea typeface="微軟正黑體" panose="020B0604030504040204" pitchFamily="34" charset="-120"/>
-            </a:endParaRPr>
-          </a:p>
-        </p:txBody>
-      </p:sp>
-    </p:spTree>
-    <p:extLst>
-      <p:ext uri="{BB962C8B-B14F-4D97-AF65-F5344CB8AC3E}">
-        <p14:creationId xmlns:p14="http://schemas.microsoft.com/office/powerpoint/2010/main" val="812560202"/>
-      </p:ext>
-    </p:extLst>
-  </p:cSld>
-  <p:clrMapOvr>
-    <a:masterClrMapping/>
-  </p:clrMapOvr>
-</p:sld>
-</file>
-
-<file path=ppt/slides/slide43.xml><?xml version="1.0" encoding="utf-8"?>
+<file path=ppt/slides/slide51.xml><?xml version="1.0" encoding="utf-8"?>
 <p:sld xmlns:a="http://schemas.openxmlformats.org/drawingml/2006/main" xmlns:r="http://schemas.openxmlformats.org/officeDocument/2006/relationships" xmlns:p="http://schemas.openxmlformats.org/presentationml/2006/main">
   <p:cSld>
     <p:spTree>
@@ -42723,7 +44548,7 @@
             </a:pPr>
             <a:fld id="{00000000-1234-1234-1234-123412341234}" type="slidenum">
               <a:rPr lang="en-US" altLang="zh-TW" smtClean="0"/>
-              <a:t>43</a:t>
+              <a:t>51</a:t>
             </a:fld>
             <a:endParaRPr lang="zh-TW" altLang="en-US"/>
           </a:p>
@@ -42873,7 +44698,7 @@
 </p:sld>
 </file>
 
-<file path=ppt/slides/slide44.xml><?xml version="1.0" encoding="utf-8"?>
+<file path=ppt/slides/slide52.xml><?xml version="1.0" encoding="utf-8"?>
 <p:sld xmlns:a="http://schemas.openxmlformats.org/drawingml/2006/main" xmlns:r="http://schemas.openxmlformats.org/officeDocument/2006/relationships" xmlns:p="http://schemas.openxmlformats.org/presentationml/2006/main">
   <p:cSld>
     <p:spTree>
@@ -42923,7 +44748,7 @@
                 <a:latin typeface="微軟正黑體" panose="020B0604030504040204" pitchFamily="34" charset="-120"/>
                 <a:ea typeface="微軟正黑體" panose="020B0604030504040204" pitchFamily="34" charset="-120"/>
               </a:rPr>
-              <a:t>3 </a:t>
+              <a:t>4 </a:t>
             </a:r>
             <a:endParaRPr lang="zh-TW" altLang="en-US" dirty="0">
               <a:latin typeface="微軟正黑體" panose="020B0604030504040204" pitchFamily="34" charset="-120"/>
@@ -42954,12 +44779,12 @@
           <a:lstStyle/>
           <a:p>
             <a:r>
-              <a:rPr lang="zh-TW" altLang="en-US">
-                <a:ea typeface="微軟正黑體" panose="020B0604030504040204" pitchFamily="34" charset="-120"/>
-              </a:rPr>
-              <a:t>請使用籃球和棒球來練習</a:t>
-            </a:r>
-            <a:endParaRPr lang="en-US" altLang="zh-TW">
+              <a:rPr lang="zh-TW" altLang="en-US" dirty="0">
+                <a:ea typeface="微軟正黑體" panose="020B0604030504040204" pitchFamily="34" charset="-120"/>
+              </a:rPr>
+              <a:t>請使用籃球和棒球的文章來練習</a:t>
+            </a:r>
+            <a:endParaRPr lang="en-US" altLang="zh-TW" dirty="0">
               <a:ea typeface="微軟正黑體" panose="020B0604030504040204" pitchFamily="34" charset="-120"/>
             </a:endParaRPr>
           </a:p>
@@ -43145,7 +44970,7 @@
             </a:pPr>
             <a:fld id="{00000000-1234-1234-1234-123412341234}" type="slidenum">
               <a:rPr lang="en-US" altLang="zh-TW" smtClean="0"/>
-              <a:t>44</a:t>
+              <a:t>52</a:t>
             </a:fld>
             <a:endParaRPr lang="zh-TW" altLang="en-US"/>
           </a:p>
@@ -43295,7 +45120,7 @@
 </p:sld>
 </file>
 
-<file path=ppt/slides/slide45.xml><?xml version="1.0" encoding="utf-8"?>
+<file path=ppt/slides/slide53.xml><?xml version="1.0" encoding="utf-8"?>
 <p:sld xmlns:a="http://schemas.openxmlformats.org/drawingml/2006/main" xmlns:r="http://schemas.openxmlformats.org/officeDocument/2006/relationships" xmlns:p="http://schemas.openxmlformats.org/presentationml/2006/main">
   <p:cSld>
     <p:spTree>
@@ -43515,7 +45340,7 @@
             </a:pPr>
             <a:fld id="{00000000-1234-1234-1234-123412341234}" type="slidenum">
               <a:rPr lang="en-US" altLang="zh-TW"/>
-              <a:t>45</a:t>
+              <a:t>53</a:t>
             </a:fld>
             <a:endParaRPr dirty="0"/>
           </a:p>
@@ -43665,7 +45490,7 @@
 </p:sld>
 </file>
 
-<file path=ppt/slides/slide46.xml><?xml version="1.0" encoding="utf-8"?>
+<file path=ppt/slides/slide54.xml><?xml version="1.0" encoding="utf-8"?>
 <p:sld xmlns:a="http://schemas.openxmlformats.org/drawingml/2006/main" xmlns:r="http://schemas.openxmlformats.org/officeDocument/2006/relationships" xmlns:p="http://schemas.openxmlformats.org/presentationml/2006/main">
   <p:cSld>
     <p:spTree>
@@ -43809,7 +45634,7 @@
             </a:pPr>
             <a:fld id="{00000000-1234-1234-1234-123412341234}" type="slidenum">
               <a:rPr lang="en-US" altLang="zh-TW" smtClean="0"/>
-              <a:t>46</a:t>
+              <a:t>54</a:t>
             </a:fld>
             <a:endParaRPr lang="zh-TW" altLang="en-US"/>
           </a:p>
@@ -43858,7 +45683,7 @@
 </p:sld>
 </file>
 
-<file path=ppt/slides/slide47.xml><?xml version="1.0" encoding="utf-8"?>
+<file path=ppt/slides/slide55.xml><?xml version="1.0" encoding="utf-8"?>
 <p:sld xmlns:a="http://schemas.openxmlformats.org/drawingml/2006/main" xmlns:r="http://schemas.openxmlformats.org/officeDocument/2006/relationships" xmlns:p="http://schemas.openxmlformats.org/presentationml/2006/main">
   <p:cSld>
     <p:spTree>
@@ -44124,7 +45949,7 @@
             </a:pPr>
             <a:fld id="{00000000-1234-1234-1234-123412341234}" type="slidenum">
               <a:rPr lang="en-US" altLang="zh-TW" smtClean="0"/>
-              <a:t>47</a:t>
+              <a:t>55</a:t>
             </a:fld>
             <a:endParaRPr lang="zh-TW" altLang="en-US"/>
           </a:p>
@@ -44143,7 +45968,7 @@
 </p:sld>
 </file>
 
-<file path=ppt/slides/slide48.xml><?xml version="1.0" encoding="utf-8"?>
+<file path=ppt/slides/slide56.xml><?xml version="1.0" encoding="utf-8"?>
 <p:sld xmlns:a="http://schemas.openxmlformats.org/drawingml/2006/main" xmlns:r="http://schemas.openxmlformats.org/officeDocument/2006/relationships" xmlns:p="http://schemas.openxmlformats.org/presentationml/2006/main">
   <p:cSld>
     <p:spTree>
@@ -44294,7 +46119,7 @@
             </a:pPr>
             <a:fld id="{00000000-1234-1234-1234-123412341234}" type="slidenum">
               <a:rPr lang="en-US" altLang="zh-TW" smtClean="0"/>
-              <a:t>48</a:t>
+              <a:t>56</a:t>
             </a:fld>
             <a:endParaRPr lang="zh-TW" altLang="en-US"/>
           </a:p>
@@ -44313,7 +46138,7 @@
 </p:sld>
 </file>
 
-<file path=ppt/slides/slide49.xml><?xml version="1.0" encoding="utf-8"?>
+<file path=ppt/slides/slide57.xml><?xml version="1.0" encoding="utf-8"?>
 <p:sld xmlns:a="http://schemas.openxmlformats.org/drawingml/2006/main" xmlns:r="http://schemas.openxmlformats.org/officeDocument/2006/relationships" xmlns:p="http://schemas.openxmlformats.org/presentationml/2006/main">
   <p:cSld>
     <p:spTree>
@@ -44475,7 +46300,7 @@
             </a:pPr>
             <a:fld id="{00000000-1234-1234-1234-123412341234}" type="slidenum">
               <a:rPr lang="en-US" altLang="zh-TW" smtClean="0"/>
-              <a:t>49</a:t>
+              <a:t>57</a:t>
             </a:fld>
             <a:endParaRPr lang="zh-TW" altLang="en-US"/>
           </a:p>
@@ -44494,7 +46319,424 @@
 </p:sld>
 </file>
 
-<file path=ppt/slides/slide5.xml><?xml version="1.0" encoding="utf-8"?>
+<file path=ppt/slides/slide58.xml><?xml version="1.0" encoding="utf-8"?>
+<p:sld xmlns:a="http://schemas.openxmlformats.org/drawingml/2006/main" xmlns:r="http://schemas.openxmlformats.org/officeDocument/2006/relationships" xmlns:p="http://schemas.openxmlformats.org/presentationml/2006/main">
+  <p:cSld>
+    <p:spTree>
+      <p:nvGrpSpPr>
+        <p:cNvPr id="1" name=""/>
+        <p:cNvGrpSpPr/>
+        <p:nvPr/>
+      </p:nvGrpSpPr>
+      <p:grpSpPr>
+        <a:xfrm>
+          <a:off x="0" y="0"/>
+          <a:ext cx="0" cy="0"/>
+          <a:chOff x="0" y="0"/>
+          <a:chExt cx="0" cy="0"/>
+        </a:xfrm>
+      </p:grpSpPr>
+      <p:sp>
+        <p:nvSpPr>
+          <p:cNvPr id="2" name="Title 1">
+            <a:extLst>
+              <a:ext uri="{FF2B5EF4-FFF2-40B4-BE49-F238E27FC236}">
+                <a16:creationId xmlns:a16="http://schemas.microsoft.com/office/drawing/2014/main" id="{07F1AD2A-6A82-46B7-9F36-BA964D95482C}"/>
+              </a:ext>
+            </a:extLst>
+          </p:cNvPr>
+          <p:cNvSpPr>
+            <a:spLocks noGrp="1"/>
+          </p:cNvSpPr>
+          <p:nvPr>
+            <p:ph type="title"/>
+          </p:nvPr>
+        </p:nvSpPr>
+        <p:spPr/>
+        <p:txBody>
+          <a:bodyPr/>
+          <a:lstStyle/>
+          <a:p>
+            <a:r>
+              <a:rPr lang="zh-TW" altLang="en-US" dirty="0">
+                <a:latin typeface="微軟正黑體" panose="020B0604030504040204" pitchFamily="34" charset="-120"/>
+                <a:ea typeface="微軟正黑體" panose="020B0604030504040204" pitchFamily="34" charset="-120"/>
+              </a:rPr>
+              <a:t>作業</a:t>
+            </a:r>
+            <a:r>
+              <a:rPr lang="en-US" altLang="zh-TW" dirty="0">
+                <a:latin typeface="微軟正黑體" panose="020B0604030504040204" pitchFamily="34" charset="-120"/>
+                <a:ea typeface="微軟正黑體" panose="020B0604030504040204" pitchFamily="34" charset="-120"/>
+              </a:rPr>
+              <a:t>:</a:t>
+            </a:r>
+            <a:r>
+              <a:rPr lang="zh-TW" altLang="en-US" dirty="0"/>
+              <a:t>遠距教學新聞的特徵詞抽取</a:t>
+            </a:r>
+          </a:p>
+        </p:txBody>
+      </p:sp>
+      <p:sp>
+        <p:nvSpPr>
+          <p:cNvPr id="3" name="Text Placeholder 2">
+            <a:extLst>
+              <a:ext uri="{FF2B5EF4-FFF2-40B4-BE49-F238E27FC236}">
+                <a16:creationId xmlns:a16="http://schemas.microsoft.com/office/drawing/2014/main" id="{A4CFF142-D292-40E4-BEC5-5580669B7EB4}"/>
+              </a:ext>
+            </a:extLst>
+          </p:cNvPr>
+          <p:cNvSpPr>
+            <a:spLocks noGrp="1"/>
+          </p:cNvSpPr>
+          <p:nvPr>
+            <p:ph type="body" idx="1"/>
+          </p:nvPr>
+        </p:nvSpPr>
+        <p:spPr/>
+        <p:txBody>
+          <a:bodyPr/>
+          <a:lstStyle/>
+          <a:p>
+            <a:r>
+              <a:rPr lang="zh-TW" altLang="en-US" b="1" dirty="0"/>
+              <a:t>任務</a:t>
+            </a:r>
+            <a:r>
+              <a:rPr lang="en-US" altLang="zh-TW" b="1" dirty="0"/>
+              <a:t>5: </a:t>
+            </a:r>
+            <a:r>
+              <a:rPr lang="zh-TW" altLang="en-US" b="1" dirty="0"/>
+              <a:t>運用名詞比較來理解文本差異</a:t>
+            </a:r>
+            <a:endParaRPr lang="en-US" altLang="zh-TW" b="1" dirty="0"/>
+          </a:p>
+          <a:p>
+            <a:r>
+              <a:rPr lang="en-US" altLang="zh-TW" b="1" dirty="0"/>
+              <a:t>5.1 </a:t>
+            </a:r>
+            <a:r>
+              <a:rPr lang="zh-TW" altLang="en-US" dirty="0"/>
+              <a:t>名詞頻率分析表格</a:t>
+            </a:r>
+            <a:r>
+              <a:rPr lang="en-US" altLang="zh-TW" dirty="0"/>
+              <a:t>(</a:t>
+            </a:r>
+            <a:r>
+              <a:rPr lang="zh-TW" altLang="en-US" dirty="0"/>
+              <a:t>文教類為例</a:t>
+            </a:r>
+            <a:r>
+              <a:rPr lang="en-US" altLang="zh-TW" dirty="0"/>
+              <a:t>)</a:t>
+            </a:r>
+            <a:r>
+              <a:rPr lang="zh-TW" altLang="en-US" dirty="0"/>
+              <a:t>                     製作方法詳見上週作業</a:t>
+            </a:r>
+          </a:p>
+          <a:p>
+            <a:endParaRPr lang="zh-TW" altLang="en-US" dirty="0"/>
+          </a:p>
+        </p:txBody>
+      </p:sp>
+      <p:sp>
+        <p:nvSpPr>
+          <p:cNvPr id="4" name="Slide Number Placeholder 3">
+            <a:extLst>
+              <a:ext uri="{FF2B5EF4-FFF2-40B4-BE49-F238E27FC236}">
+                <a16:creationId xmlns:a16="http://schemas.microsoft.com/office/drawing/2014/main" id="{C86DFC61-41E2-43B7-A4BA-E13D44F081DA}"/>
+              </a:ext>
+            </a:extLst>
+          </p:cNvPr>
+          <p:cNvSpPr>
+            <a:spLocks noGrp="1"/>
+          </p:cNvSpPr>
+          <p:nvPr>
+            <p:ph type="sldNum" idx="12"/>
+          </p:nvPr>
+        </p:nvSpPr>
+        <p:spPr/>
+        <p:txBody>
+          <a:bodyPr/>
+          <a:lstStyle/>
+          <a:p>
+            <a:pPr marL="0" lvl="0" indent="0" algn="r" rtl="0">
+              <a:spcBef>
+                <a:spcPts val="0"/>
+              </a:spcBef>
+              <a:spcAft>
+                <a:spcPts val="0"/>
+              </a:spcAft>
+              <a:buNone/>
+            </a:pPr>
+            <a:fld id="{00000000-1234-1234-1234-123412341234}" type="slidenum">
+              <a:rPr lang="en-US" altLang="zh-TW" smtClean="0"/>
+              <a:t>58</a:t>
+            </a:fld>
+            <a:endParaRPr lang="zh-TW" altLang="en-US"/>
+          </a:p>
+        </p:txBody>
+      </p:sp>
+      <p:pic>
+        <p:nvPicPr>
+          <p:cNvPr id="5" name="Picture 4">
+            <a:extLst>
+              <a:ext uri="{FF2B5EF4-FFF2-40B4-BE49-F238E27FC236}">
+                <a16:creationId xmlns:a16="http://schemas.microsoft.com/office/drawing/2014/main" id="{696A6C4C-E119-4EE7-A4A1-5972713CB2BC}"/>
+              </a:ext>
+            </a:extLst>
+          </p:cNvPr>
+          <p:cNvPicPr>
+            <a:picLocks noChangeAspect="1"/>
+          </p:cNvPicPr>
+          <p:nvPr/>
+        </p:nvPicPr>
+        <p:blipFill>
+          <a:blip r:embed="rId2"/>
+          <a:stretch>
+            <a:fillRect/>
+          </a:stretch>
+        </p:blipFill>
+        <p:spPr>
+          <a:xfrm>
+            <a:off x="8468642" y="620485"/>
+            <a:ext cx="2011868" cy="5617029"/>
+          </a:xfrm>
+          <a:prstGeom prst="rect">
+            <a:avLst/>
+          </a:prstGeom>
+        </p:spPr>
+      </p:pic>
+    </p:spTree>
+    <p:extLst>
+      <p:ext uri="{BB962C8B-B14F-4D97-AF65-F5344CB8AC3E}">
+        <p14:creationId xmlns:p14="http://schemas.microsoft.com/office/powerpoint/2010/main" val="1549193176"/>
+      </p:ext>
+    </p:extLst>
+  </p:cSld>
+  <p:clrMapOvr>
+    <a:masterClrMapping/>
+  </p:clrMapOvr>
+</p:sld>
+</file>
+
+<file path=ppt/slides/slide59.xml><?xml version="1.0" encoding="utf-8"?>
+<p:sld xmlns:a="http://schemas.openxmlformats.org/drawingml/2006/main" xmlns:r="http://schemas.openxmlformats.org/officeDocument/2006/relationships" xmlns:p="http://schemas.openxmlformats.org/presentationml/2006/main">
+  <p:cSld>
+    <p:spTree>
+      <p:nvGrpSpPr>
+        <p:cNvPr id="1" name=""/>
+        <p:cNvGrpSpPr/>
+        <p:nvPr/>
+      </p:nvGrpSpPr>
+      <p:grpSpPr>
+        <a:xfrm>
+          <a:off x="0" y="0"/>
+          <a:ext cx="0" cy="0"/>
+          <a:chOff x="0" y="0"/>
+          <a:chExt cx="0" cy="0"/>
+        </a:xfrm>
+      </p:grpSpPr>
+      <p:sp>
+        <p:nvSpPr>
+          <p:cNvPr id="2" name="Title 1">
+            <a:extLst>
+              <a:ext uri="{FF2B5EF4-FFF2-40B4-BE49-F238E27FC236}">
+                <a16:creationId xmlns:a16="http://schemas.microsoft.com/office/drawing/2014/main" id="{0826E1F4-A0F5-488E-B2BA-A6E91F59D7D5}"/>
+              </a:ext>
+            </a:extLst>
+          </p:cNvPr>
+          <p:cNvSpPr>
+            <a:spLocks noGrp="1"/>
+          </p:cNvSpPr>
+          <p:nvPr>
+            <p:ph type="title"/>
+          </p:nvPr>
+        </p:nvSpPr>
+        <p:spPr/>
+        <p:txBody>
+          <a:bodyPr/>
+          <a:lstStyle/>
+          <a:p>
+            <a:r>
+              <a:rPr lang="zh-TW" altLang="en-US" dirty="0">
+                <a:latin typeface="微軟正黑體" panose="020B0604030504040204" pitchFamily="34" charset="-120"/>
+                <a:ea typeface="微軟正黑體" panose="020B0604030504040204" pitchFamily="34" charset="-120"/>
+              </a:rPr>
+              <a:t>作業</a:t>
+            </a:r>
+            <a:r>
+              <a:rPr lang="en-US" altLang="zh-TW" dirty="0">
+                <a:latin typeface="微軟正黑體" panose="020B0604030504040204" pitchFamily="34" charset="-120"/>
+                <a:ea typeface="微軟正黑體" panose="020B0604030504040204" pitchFamily="34" charset="-120"/>
+              </a:rPr>
+              <a:t>:</a:t>
+            </a:r>
+            <a:r>
+              <a:rPr lang="zh-TW" altLang="en-US" dirty="0"/>
+              <a:t>遠距教學新聞的特徵詞抽取</a:t>
+            </a:r>
+          </a:p>
+        </p:txBody>
+      </p:sp>
+      <p:sp>
+        <p:nvSpPr>
+          <p:cNvPr id="3" name="Text Placeholder 2">
+            <a:extLst>
+              <a:ext uri="{FF2B5EF4-FFF2-40B4-BE49-F238E27FC236}">
+                <a16:creationId xmlns:a16="http://schemas.microsoft.com/office/drawing/2014/main" id="{16CA7476-C5DF-4B99-BBB1-7ADD37EDE982}"/>
+              </a:ext>
+            </a:extLst>
+          </p:cNvPr>
+          <p:cNvSpPr>
+            <a:spLocks noGrp="1"/>
+          </p:cNvSpPr>
+          <p:nvPr>
+            <p:ph type="body" idx="1"/>
+          </p:nvPr>
+        </p:nvSpPr>
+        <p:spPr/>
+        <p:txBody>
+          <a:bodyPr/>
+          <a:lstStyle/>
+          <a:p>
+            <a:r>
+              <a:rPr lang="zh-TW" altLang="en-US" b="1" dirty="0"/>
+              <a:t>任務</a:t>
+            </a:r>
+            <a:r>
+              <a:rPr lang="en-US" altLang="zh-TW" b="1" dirty="0"/>
+              <a:t>5: </a:t>
+            </a:r>
+            <a:r>
+              <a:rPr lang="zh-TW" altLang="en-US" b="1" dirty="0"/>
+              <a:t>運用名詞比較來理解文本差異</a:t>
+            </a:r>
+            <a:endParaRPr lang="en-US" altLang="zh-TW" b="1" dirty="0"/>
+          </a:p>
+          <a:p>
+            <a:r>
+              <a:rPr lang="en-US" altLang="zh-TW" dirty="0"/>
+              <a:t>5.2 </a:t>
+            </a:r>
+            <a:r>
+              <a:rPr lang="zh-TW" altLang="en-US" dirty="0"/>
+              <a:t>文字雲分析</a:t>
+            </a:r>
+            <a:r>
+              <a:rPr lang="en-US" altLang="zh-TW" dirty="0"/>
+              <a:t>(</a:t>
+            </a:r>
+            <a:r>
+              <a:rPr lang="zh-TW" altLang="en-US" dirty="0"/>
+              <a:t>文教類為例</a:t>
+            </a:r>
+            <a:r>
+              <a:rPr lang="en-US" altLang="zh-TW" dirty="0"/>
+              <a:t>) </a:t>
+            </a:r>
+          </a:p>
+          <a:p>
+            <a:r>
+              <a:rPr lang="zh-TW" altLang="en-US" dirty="0"/>
+              <a:t>所需工具解釋請見下一頁</a:t>
+            </a:r>
+          </a:p>
+          <a:p>
+            <a:endParaRPr lang="zh-TW" altLang="en-US" dirty="0"/>
+          </a:p>
+          <a:p>
+            <a:endParaRPr lang="zh-TW" altLang="en-US" dirty="0"/>
+          </a:p>
+        </p:txBody>
+      </p:sp>
+      <p:sp>
+        <p:nvSpPr>
+          <p:cNvPr id="4" name="Slide Number Placeholder 3">
+            <a:extLst>
+              <a:ext uri="{FF2B5EF4-FFF2-40B4-BE49-F238E27FC236}">
+                <a16:creationId xmlns:a16="http://schemas.microsoft.com/office/drawing/2014/main" id="{86596C1D-9AF6-4027-A602-8FC72F210974}"/>
+              </a:ext>
+            </a:extLst>
+          </p:cNvPr>
+          <p:cNvSpPr>
+            <a:spLocks noGrp="1"/>
+          </p:cNvSpPr>
+          <p:nvPr>
+            <p:ph type="sldNum" idx="12"/>
+          </p:nvPr>
+        </p:nvSpPr>
+        <p:spPr/>
+        <p:txBody>
+          <a:bodyPr/>
+          <a:lstStyle/>
+          <a:p>
+            <a:pPr marL="0" lvl="0" indent="0" algn="r" rtl="0">
+              <a:spcBef>
+                <a:spcPts val="0"/>
+              </a:spcBef>
+              <a:spcAft>
+                <a:spcPts val="0"/>
+              </a:spcAft>
+              <a:buNone/>
+            </a:pPr>
+            <a:fld id="{00000000-1234-1234-1234-123412341234}" type="slidenum">
+              <a:rPr lang="en-US" altLang="zh-TW" smtClean="0"/>
+              <a:t>59</a:t>
+            </a:fld>
+            <a:endParaRPr lang="zh-TW" altLang="en-US"/>
+          </a:p>
+        </p:txBody>
+      </p:sp>
+      <p:pic>
+        <p:nvPicPr>
+          <p:cNvPr id="5" name="Picture 4">
+            <a:extLst>
+              <a:ext uri="{FF2B5EF4-FFF2-40B4-BE49-F238E27FC236}">
+                <a16:creationId xmlns:a16="http://schemas.microsoft.com/office/drawing/2014/main" id="{343DA346-2C39-4A57-8AC2-55E0BBC44C6F}"/>
+              </a:ext>
+            </a:extLst>
+          </p:cNvPr>
+          <p:cNvPicPr>
+            <a:picLocks noChangeAspect="1"/>
+          </p:cNvPicPr>
+          <p:nvPr/>
+        </p:nvPicPr>
+        <p:blipFill>
+          <a:blip r:embed="rId2"/>
+          <a:stretch>
+            <a:fillRect/>
+          </a:stretch>
+        </p:blipFill>
+        <p:spPr>
+          <a:xfrm>
+            <a:off x="7285940" y="1381655"/>
+            <a:ext cx="4906060" cy="4820323"/>
+          </a:xfrm>
+          <a:prstGeom prst="rect">
+            <a:avLst/>
+          </a:prstGeom>
+        </p:spPr>
+      </p:pic>
+    </p:spTree>
+    <p:extLst>
+      <p:ext uri="{BB962C8B-B14F-4D97-AF65-F5344CB8AC3E}">
+        <p14:creationId xmlns:p14="http://schemas.microsoft.com/office/powerpoint/2010/main" val="968128573"/>
+      </p:ext>
+    </p:extLst>
+  </p:cSld>
+  <p:clrMapOvr>
+    <a:masterClrMapping/>
+  </p:clrMapOvr>
+</p:sld>
+</file>
+
+<file path=ppt/slides/slide6.xml><?xml version="1.0" encoding="utf-8"?>
 <p:sld xmlns:a="http://schemas.openxmlformats.org/drawingml/2006/main" xmlns:r="http://schemas.openxmlformats.org/officeDocument/2006/relationships" xmlns:p="http://schemas.openxmlformats.org/presentationml/2006/main">
   <p:cSld>
     <p:spTree>
@@ -44675,7 +46917,7 @@
             </a:pPr>
             <a:fld id="{00000000-1234-1234-1234-123412341234}" type="slidenum">
               <a:rPr lang="en-US" altLang="zh-TW" smtClean="0"/>
-              <a:t>5</a:t>
+              <a:t>6</a:t>
             </a:fld>
             <a:endParaRPr lang="zh-TW" altLang="en-US"/>
           </a:p>
@@ -44945,424 +47187,7 @@
 </p:sld>
 </file>
 
-<file path=ppt/slides/slide50.xml><?xml version="1.0" encoding="utf-8"?>
-<p:sld xmlns:a="http://schemas.openxmlformats.org/drawingml/2006/main" xmlns:r="http://schemas.openxmlformats.org/officeDocument/2006/relationships" xmlns:p="http://schemas.openxmlformats.org/presentationml/2006/main">
-  <p:cSld>
-    <p:spTree>
-      <p:nvGrpSpPr>
-        <p:cNvPr id="1" name=""/>
-        <p:cNvGrpSpPr/>
-        <p:nvPr/>
-      </p:nvGrpSpPr>
-      <p:grpSpPr>
-        <a:xfrm>
-          <a:off x="0" y="0"/>
-          <a:ext cx="0" cy="0"/>
-          <a:chOff x="0" y="0"/>
-          <a:chExt cx="0" cy="0"/>
-        </a:xfrm>
-      </p:grpSpPr>
-      <p:sp>
-        <p:nvSpPr>
-          <p:cNvPr id="2" name="Title 1">
-            <a:extLst>
-              <a:ext uri="{FF2B5EF4-FFF2-40B4-BE49-F238E27FC236}">
-                <a16:creationId xmlns:a16="http://schemas.microsoft.com/office/drawing/2014/main" id="{07F1AD2A-6A82-46B7-9F36-BA964D95482C}"/>
-              </a:ext>
-            </a:extLst>
-          </p:cNvPr>
-          <p:cNvSpPr>
-            <a:spLocks noGrp="1"/>
-          </p:cNvSpPr>
-          <p:nvPr>
-            <p:ph type="title"/>
-          </p:nvPr>
-        </p:nvSpPr>
-        <p:spPr/>
-        <p:txBody>
-          <a:bodyPr/>
-          <a:lstStyle/>
-          <a:p>
-            <a:r>
-              <a:rPr lang="zh-TW" altLang="en-US" dirty="0">
-                <a:latin typeface="微軟正黑體" panose="020B0604030504040204" pitchFamily="34" charset="-120"/>
-                <a:ea typeface="微軟正黑體" panose="020B0604030504040204" pitchFamily="34" charset="-120"/>
-              </a:rPr>
-              <a:t>作業</a:t>
-            </a:r>
-            <a:r>
-              <a:rPr lang="en-US" altLang="zh-TW" dirty="0">
-                <a:latin typeface="微軟正黑體" panose="020B0604030504040204" pitchFamily="34" charset="-120"/>
-                <a:ea typeface="微軟正黑體" panose="020B0604030504040204" pitchFamily="34" charset="-120"/>
-              </a:rPr>
-              <a:t>:</a:t>
-            </a:r>
-            <a:r>
-              <a:rPr lang="zh-TW" altLang="en-US" dirty="0"/>
-              <a:t>遠距教學新聞的特徵詞抽取</a:t>
-            </a:r>
-          </a:p>
-        </p:txBody>
-      </p:sp>
-      <p:sp>
-        <p:nvSpPr>
-          <p:cNvPr id="3" name="Text Placeholder 2">
-            <a:extLst>
-              <a:ext uri="{FF2B5EF4-FFF2-40B4-BE49-F238E27FC236}">
-                <a16:creationId xmlns:a16="http://schemas.microsoft.com/office/drawing/2014/main" id="{A4CFF142-D292-40E4-BEC5-5580669B7EB4}"/>
-              </a:ext>
-            </a:extLst>
-          </p:cNvPr>
-          <p:cNvSpPr>
-            <a:spLocks noGrp="1"/>
-          </p:cNvSpPr>
-          <p:nvPr>
-            <p:ph type="body" idx="1"/>
-          </p:nvPr>
-        </p:nvSpPr>
-        <p:spPr/>
-        <p:txBody>
-          <a:bodyPr/>
-          <a:lstStyle/>
-          <a:p>
-            <a:r>
-              <a:rPr lang="zh-TW" altLang="en-US" b="1" dirty="0"/>
-              <a:t>任務</a:t>
-            </a:r>
-            <a:r>
-              <a:rPr lang="en-US" altLang="zh-TW" b="1" dirty="0"/>
-              <a:t>5: </a:t>
-            </a:r>
-            <a:r>
-              <a:rPr lang="zh-TW" altLang="en-US" b="1" dirty="0"/>
-              <a:t>運用名詞比較來理解文本差異</a:t>
-            </a:r>
-            <a:endParaRPr lang="en-US" altLang="zh-TW" b="1" dirty="0"/>
-          </a:p>
-          <a:p>
-            <a:r>
-              <a:rPr lang="en-US" altLang="zh-TW" b="1" dirty="0"/>
-              <a:t>5.1 </a:t>
-            </a:r>
-            <a:r>
-              <a:rPr lang="zh-TW" altLang="en-US" dirty="0"/>
-              <a:t>名詞頻率分析表格</a:t>
-            </a:r>
-            <a:r>
-              <a:rPr lang="en-US" altLang="zh-TW" dirty="0"/>
-              <a:t>(</a:t>
-            </a:r>
-            <a:r>
-              <a:rPr lang="zh-TW" altLang="en-US" dirty="0"/>
-              <a:t>文教類為例</a:t>
-            </a:r>
-            <a:r>
-              <a:rPr lang="en-US" altLang="zh-TW" dirty="0"/>
-              <a:t>)</a:t>
-            </a:r>
-            <a:r>
-              <a:rPr lang="zh-TW" altLang="en-US" dirty="0"/>
-              <a:t>                     製作方法詳見上週作業</a:t>
-            </a:r>
-          </a:p>
-          <a:p>
-            <a:endParaRPr lang="zh-TW" altLang="en-US" dirty="0"/>
-          </a:p>
-        </p:txBody>
-      </p:sp>
-      <p:sp>
-        <p:nvSpPr>
-          <p:cNvPr id="4" name="Slide Number Placeholder 3">
-            <a:extLst>
-              <a:ext uri="{FF2B5EF4-FFF2-40B4-BE49-F238E27FC236}">
-                <a16:creationId xmlns:a16="http://schemas.microsoft.com/office/drawing/2014/main" id="{C86DFC61-41E2-43B7-A4BA-E13D44F081DA}"/>
-              </a:ext>
-            </a:extLst>
-          </p:cNvPr>
-          <p:cNvSpPr>
-            <a:spLocks noGrp="1"/>
-          </p:cNvSpPr>
-          <p:nvPr>
-            <p:ph type="sldNum" idx="12"/>
-          </p:nvPr>
-        </p:nvSpPr>
-        <p:spPr/>
-        <p:txBody>
-          <a:bodyPr/>
-          <a:lstStyle/>
-          <a:p>
-            <a:pPr marL="0" lvl="0" indent="0" algn="r" rtl="0">
-              <a:spcBef>
-                <a:spcPts val="0"/>
-              </a:spcBef>
-              <a:spcAft>
-                <a:spcPts val="0"/>
-              </a:spcAft>
-              <a:buNone/>
-            </a:pPr>
-            <a:fld id="{00000000-1234-1234-1234-123412341234}" type="slidenum">
-              <a:rPr lang="en-US" altLang="zh-TW" smtClean="0"/>
-              <a:t>50</a:t>
-            </a:fld>
-            <a:endParaRPr lang="zh-TW" altLang="en-US"/>
-          </a:p>
-        </p:txBody>
-      </p:sp>
-      <p:pic>
-        <p:nvPicPr>
-          <p:cNvPr id="5" name="Picture 4">
-            <a:extLst>
-              <a:ext uri="{FF2B5EF4-FFF2-40B4-BE49-F238E27FC236}">
-                <a16:creationId xmlns:a16="http://schemas.microsoft.com/office/drawing/2014/main" id="{696A6C4C-E119-4EE7-A4A1-5972713CB2BC}"/>
-              </a:ext>
-            </a:extLst>
-          </p:cNvPr>
-          <p:cNvPicPr>
-            <a:picLocks noChangeAspect="1"/>
-          </p:cNvPicPr>
-          <p:nvPr/>
-        </p:nvPicPr>
-        <p:blipFill>
-          <a:blip r:embed="rId2"/>
-          <a:stretch>
-            <a:fillRect/>
-          </a:stretch>
-        </p:blipFill>
-        <p:spPr>
-          <a:xfrm>
-            <a:off x="8468642" y="620485"/>
-            <a:ext cx="2011868" cy="5617029"/>
-          </a:xfrm>
-          <a:prstGeom prst="rect">
-            <a:avLst/>
-          </a:prstGeom>
-        </p:spPr>
-      </p:pic>
-    </p:spTree>
-    <p:extLst>
-      <p:ext uri="{BB962C8B-B14F-4D97-AF65-F5344CB8AC3E}">
-        <p14:creationId xmlns:p14="http://schemas.microsoft.com/office/powerpoint/2010/main" val="1549193176"/>
-      </p:ext>
-    </p:extLst>
-  </p:cSld>
-  <p:clrMapOvr>
-    <a:masterClrMapping/>
-  </p:clrMapOvr>
-</p:sld>
-</file>
-
-<file path=ppt/slides/slide51.xml><?xml version="1.0" encoding="utf-8"?>
-<p:sld xmlns:a="http://schemas.openxmlformats.org/drawingml/2006/main" xmlns:r="http://schemas.openxmlformats.org/officeDocument/2006/relationships" xmlns:p="http://schemas.openxmlformats.org/presentationml/2006/main">
-  <p:cSld>
-    <p:spTree>
-      <p:nvGrpSpPr>
-        <p:cNvPr id="1" name=""/>
-        <p:cNvGrpSpPr/>
-        <p:nvPr/>
-      </p:nvGrpSpPr>
-      <p:grpSpPr>
-        <a:xfrm>
-          <a:off x="0" y="0"/>
-          <a:ext cx="0" cy="0"/>
-          <a:chOff x="0" y="0"/>
-          <a:chExt cx="0" cy="0"/>
-        </a:xfrm>
-      </p:grpSpPr>
-      <p:sp>
-        <p:nvSpPr>
-          <p:cNvPr id="2" name="Title 1">
-            <a:extLst>
-              <a:ext uri="{FF2B5EF4-FFF2-40B4-BE49-F238E27FC236}">
-                <a16:creationId xmlns:a16="http://schemas.microsoft.com/office/drawing/2014/main" id="{0826E1F4-A0F5-488E-B2BA-A6E91F59D7D5}"/>
-              </a:ext>
-            </a:extLst>
-          </p:cNvPr>
-          <p:cNvSpPr>
-            <a:spLocks noGrp="1"/>
-          </p:cNvSpPr>
-          <p:nvPr>
-            <p:ph type="title"/>
-          </p:nvPr>
-        </p:nvSpPr>
-        <p:spPr/>
-        <p:txBody>
-          <a:bodyPr/>
-          <a:lstStyle/>
-          <a:p>
-            <a:r>
-              <a:rPr lang="zh-TW" altLang="en-US" dirty="0">
-                <a:latin typeface="微軟正黑體" panose="020B0604030504040204" pitchFamily="34" charset="-120"/>
-                <a:ea typeface="微軟正黑體" panose="020B0604030504040204" pitchFamily="34" charset="-120"/>
-              </a:rPr>
-              <a:t>作業</a:t>
-            </a:r>
-            <a:r>
-              <a:rPr lang="en-US" altLang="zh-TW" dirty="0">
-                <a:latin typeface="微軟正黑體" panose="020B0604030504040204" pitchFamily="34" charset="-120"/>
-                <a:ea typeface="微軟正黑體" panose="020B0604030504040204" pitchFamily="34" charset="-120"/>
-              </a:rPr>
-              <a:t>:</a:t>
-            </a:r>
-            <a:r>
-              <a:rPr lang="zh-TW" altLang="en-US" dirty="0"/>
-              <a:t>遠距教學新聞的特徵詞抽取</a:t>
-            </a:r>
-          </a:p>
-        </p:txBody>
-      </p:sp>
-      <p:sp>
-        <p:nvSpPr>
-          <p:cNvPr id="3" name="Text Placeholder 2">
-            <a:extLst>
-              <a:ext uri="{FF2B5EF4-FFF2-40B4-BE49-F238E27FC236}">
-                <a16:creationId xmlns:a16="http://schemas.microsoft.com/office/drawing/2014/main" id="{16CA7476-C5DF-4B99-BBB1-7ADD37EDE982}"/>
-              </a:ext>
-            </a:extLst>
-          </p:cNvPr>
-          <p:cNvSpPr>
-            <a:spLocks noGrp="1"/>
-          </p:cNvSpPr>
-          <p:nvPr>
-            <p:ph type="body" idx="1"/>
-          </p:nvPr>
-        </p:nvSpPr>
-        <p:spPr/>
-        <p:txBody>
-          <a:bodyPr/>
-          <a:lstStyle/>
-          <a:p>
-            <a:r>
-              <a:rPr lang="zh-TW" altLang="en-US" b="1" dirty="0"/>
-              <a:t>任務</a:t>
-            </a:r>
-            <a:r>
-              <a:rPr lang="en-US" altLang="zh-TW" b="1" dirty="0"/>
-              <a:t>5: </a:t>
-            </a:r>
-            <a:r>
-              <a:rPr lang="zh-TW" altLang="en-US" b="1" dirty="0"/>
-              <a:t>運用名詞比較來理解文本差異</a:t>
-            </a:r>
-            <a:endParaRPr lang="en-US" altLang="zh-TW" b="1" dirty="0"/>
-          </a:p>
-          <a:p>
-            <a:r>
-              <a:rPr lang="en-US" altLang="zh-TW" dirty="0"/>
-              <a:t>5.2 </a:t>
-            </a:r>
-            <a:r>
-              <a:rPr lang="zh-TW" altLang="en-US" dirty="0"/>
-              <a:t>文字雲分析</a:t>
-            </a:r>
-            <a:r>
-              <a:rPr lang="en-US" altLang="zh-TW" dirty="0"/>
-              <a:t>(</a:t>
-            </a:r>
-            <a:r>
-              <a:rPr lang="zh-TW" altLang="en-US" dirty="0"/>
-              <a:t>文教類為例</a:t>
-            </a:r>
-            <a:r>
-              <a:rPr lang="en-US" altLang="zh-TW" dirty="0"/>
-              <a:t>) </a:t>
-            </a:r>
-          </a:p>
-          <a:p>
-            <a:r>
-              <a:rPr lang="zh-TW" altLang="en-US" dirty="0"/>
-              <a:t>所需工具解釋請見下一頁</a:t>
-            </a:r>
-          </a:p>
-          <a:p>
-            <a:endParaRPr lang="zh-TW" altLang="en-US" dirty="0"/>
-          </a:p>
-          <a:p>
-            <a:endParaRPr lang="zh-TW" altLang="en-US" dirty="0"/>
-          </a:p>
-        </p:txBody>
-      </p:sp>
-      <p:sp>
-        <p:nvSpPr>
-          <p:cNvPr id="4" name="Slide Number Placeholder 3">
-            <a:extLst>
-              <a:ext uri="{FF2B5EF4-FFF2-40B4-BE49-F238E27FC236}">
-                <a16:creationId xmlns:a16="http://schemas.microsoft.com/office/drawing/2014/main" id="{86596C1D-9AF6-4027-A602-8FC72F210974}"/>
-              </a:ext>
-            </a:extLst>
-          </p:cNvPr>
-          <p:cNvSpPr>
-            <a:spLocks noGrp="1"/>
-          </p:cNvSpPr>
-          <p:nvPr>
-            <p:ph type="sldNum" idx="12"/>
-          </p:nvPr>
-        </p:nvSpPr>
-        <p:spPr/>
-        <p:txBody>
-          <a:bodyPr/>
-          <a:lstStyle/>
-          <a:p>
-            <a:pPr marL="0" lvl="0" indent="0" algn="r" rtl="0">
-              <a:spcBef>
-                <a:spcPts val="0"/>
-              </a:spcBef>
-              <a:spcAft>
-                <a:spcPts val="0"/>
-              </a:spcAft>
-              <a:buNone/>
-            </a:pPr>
-            <a:fld id="{00000000-1234-1234-1234-123412341234}" type="slidenum">
-              <a:rPr lang="en-US" altLang="zh-TW" smtClean="0"/>
-              <a:t>51</a:t>
-            </a:fld>
-            <a:endParaRPr lang="zh-TW" altLang="en-US"/>
-          </a:p>
-        </p:txBody>
-      </p:sp>
-      <p:pic>
-        <p:nvPicPr>
-          <p:cNvPr id="5" name="Picture 4">
-            <a:extLst>
-              <a:ext uri="{FF2B5EF4-FFF2-40B4-BE49-F238E27FC236}">
-                <a16:creationId xmlns:a16="http://schemas.microsoft.com/office/drawing/2014/main" id="{343DA346-2C39-4A57-8AC2-55E0BBC44C6F}"/>
-              </a:ext>
-            </a:extLst>
-          </p:cNvPr>
-          <p:cNvPicPr>
-            <a:picLocks noChangeAspect="1"/>
-          </p:cNvPicPr>
-          <p:nvPr/>
-        </p:nvPicPr>
-        <p:blipFill>
-          <a:blip r:embed="rId2"/>
-          <a:stretch>
-            <a:fillRect/>
-          </a:stretch>
-        </p:blipFill>
-        <p:spPr>
-          <a:xfrm>
-            <a:off x="7285940" y="1381655"/>
-            <a:ext cx="4906060" cy="4820323"/>
-          </a:xfrm>
-          <a:prstGeom prst="rect">
-            <a:avLst/>
-          </a:prstGeom>
-        </p:spPr>
-      </p:pic>
-    </p:spTree>
-    <p:extLst>
-      <p:ext uri="{BB962C8B-B14F-4D97-AF65-F5344CB8AC3E}">
-        <p14:creationId xmlns:p14="http://schemas.microsoft.com/office/powerpoint/2010/main" val="968128573"/>
-      </p:ext>
-    </p:extLst>
-  </p:cSld>
-  <p:clrMapOvr>
-    <a:masterClrMapping/>
-  </p:clrMapOvr>
-</p:sld>
-</file>
-
-<file path=ppt/slides/slide52.xml><?xml version="1.0" encoding="utf-8"?>
+<file path=ppt/slides/slide60.xml><?xml version="1.0" encoding="utf-8"?>
 <p:sld xmlns:a="http://schemas.openxmlformats.org/drawingml/2006/main" xmlns:r="http://schemas.openxmlformats.org/officeDocument/2006/relationships" xmlns:p="http://schemas.openxmlformats.org/presentationml/2006/main">
   <p:cSld>
     <p:spTree>
@@ -45464,7 +47289,7 @@
                 <a:buFont typeface="Arial" panose="020B0604020202020204" pitchFamily="34" charset="0"/>
                 <a:buChar char="•"/>
               </a:pPr>
-              <a:t>52</a:t>
+              <a:t>60</a:t>
             </a:fld>
             <a:endParaRPr lang="zh-TW" altLang="en-US"/>
           </a:p>
@@ -46090,7 +47915,7 @@
 </p:sld>
 </file>
 
-<file path=ppt/slides/slide6.xml><?xml version="1.0" encoding="utf-8"?>
+<file path=ppt/slides/slide7.xml><?xml version="1.0" encoding="utf-8"?>
 <p:sld xmlns:a="http://schemas.openxmlformats.org/drawingml/2006/main" xmlns:r="http://schemas.openxmlformats.org/officeDocument/2006/relationships" xmlns:p="http://schemas.openxmlformats.org/presentationml/2006/main">
   <p:cSld>
     <p:spTree>
@@ -46223,7 +48048,7 @@
             </a:pPr>
             <a:fld id="{00000000-1234-1234-1234-123412341234}" type="slidenum">
               <a:rPr lang="en-US" altLang="zh-TW" smtClean="0"/>
-              <a:t>6</a:t>
+              <a:t>7</a:t>
             </a:fld>
             <a:endParaRPr lang="zh-TW" altLang="en-US"/>
           </a:p>
@@ -46493,7 +48318,7 @@
 </p:sld>
 </file>
 
-<file path=ppt/slides/slide7.xml><?xml version="1.0" encoding="utf-8"?>
+<file path=ppt/slides/slide8.xml><?xml version="1.0" encoding="utf-8"?>
 <p:sld xmlns:a="http://schemas.openxmlformats.org/drawingml/2006/main" xmlns:r="http://schemas.openxmlformats.org/officeDocument/2006/relationships" xmlns:p="http://schemas.openxmlformats.org/presentationml/2006/main">
   <p:cSld>
     <p:spTree>
@@ -46644,7 +48469,7 @@
             </a:pPr>
             <a:fld id="{00000000-1234-1234-1234-123412341234}" type="slidenum">
               <a:rPr lang="en-US" altLang="zh-TW" smtClean="0"/>
-              <a:t>7</a:t>
+              <a:t>8</a:t>
             </a:fld>
             <a:endParaRPr lang="zh-TW" altLang="en-US"/>
           </a:p>
@@ -46944,7 +48769,7 @@
 </p:sld>
 </file>
 
-<file path=ppt/slides/slide8.xml><?xml version="1.0" encoding="utf-8"?>
+<file path=ppt/slides/slide9.xml><?xml version="1.0" encoding="utf-8"?>
 <p:sld xmlns:a="http://schemas.openxmlformats.org/drawingml/2006/main" xmlns:r="http://schemas.openxmlformats.org/officeDocument/2006/relationships" xmlns:p="http://schemas.openxmlformats.org/presentationml/2006/main">
   <p:cSld>
     <p:spTree>
@@ -47087,7 +48912,7 @@
             </a:pPr>
             <a:fld id="{00000000-1234-1234-1234-123412341234}" type="slidenum">
               <a:rPr lang="en-US" altLang="zh-TW" smtClean="0"/>
-              <a:t>8</a:t>
+              <a:t>9</a:t>
             </a:fld>
             <a:endParaRPr lang="zh-TW" altLang="en-US"/>
           </a:p>
@@ -47258,369 +49083,6 @@
     <p:extLst>
       <p:ext uri="{BB962C8B-B14F-4D97-AF65-F5344CB8AC3E}">
         <p14:creationId xmlns:p14="http://schemas.microsoft.com/office/powerpoint/2010/main" val="2435302197"/>
-      </p:ext>
-    </p:extLst>
-  </p:cSld>
-  <p:clrMapOvr>
-    <a:masterClrMapping/>
-  </p:clrMapOvr>
-</p:sld>
-</file>
-
-<file path=ppt/slides/slide9.xml><?xml version="1.0" encoding="utf-8"?>
-<p:sld xmlns:a="http://schemas.openxmlformats.org/drawingml/2006/main" xmlns:r="http://schemas.openxmlformats.org/officeDocument/2006/relationships" xmlns:p="http://schemas.openxmlformats.org/presentationml/2006/main">
-  <p:cSld>
-    <p:spTree>
-      <p:nvGrpSpPr>
-        <p:cNvPr id="1" name=""/>
-        <p:cNvGrpSpPr/>
-        <p:nvPr/>
-      </p:nvGrpSpPr>
-      <p:grpSpPr>
-        <a:xfrm>
-          <a:off x="0" y="0"/>
-          <a:ext cx="0" cy="0"/>
-          <a:chOff x="0" y="0"/>
-          <a:chExt cx="0" cy="0"/>
-        </a:xfrm>
-      </p:grpSpPr>
-      <p:sp>
-        <p:nvSpPr>
-          <p:cNvPr id="2" name="標題 1">
-            <a:extLst>
-              <a:ext uri="{FF2B5EF4-FFF2-40B4-BE49-F238E27FC236}">
-                <a16:creationId xmlns:a16="http://schemas.microsoft.com/office/drawing/2014/main" id="{B3E0675C-79E7-42A5-B6AA-B46945929C44}"/>
-              </a:ext>
-            </a:extLst>
-          </p:cNvPr>
-          <p:cNvSpPr>
-            <a:spLocks noGrp="1"/>
-          </p:cNvSpPr>
-          <p:nvPr>
-            <p:ph type="title"/>
-          </p:nvPr>
-        </p:nvSpPr>
-        <p:spPr/>
-        <p:txBody>
-          <a:bodyPr/>
-          <a:lstStyle/>
-          <a:p>
-            <a:r>
-              <a:rPr lang="zh-TW" altLang="en-US" dirty="0">
-                <a:latin typeface="微軟正黑體" panose="020B0604030504040204" pitchFamily="34" charset="-120"/>
-                <a:ea typeface="微軟正黑體" panose="020B0604030504040204" pitchFamily="34" charset="-120"/>
-              </a:rPr>
-              <a:t>特徵詞取得方法</a:t>
-            </a:r>
-            <a:endParaRPr lang="zh-TW" altLang="en-US" dirty="0"/>
-          </a:p>
-        </p:txBody>
-      </p:sp>
-      <p:sp>
-        <p:nvSpPr>
-          <p:cNvPr id="3" name="文字版面配置區 2">
-            <a:extLst>
-              <a:ext uri="{FF2B5EF4-FFF2-40B4-BE49-F238E27FC236}">
-                <a16:creationId xmlns:a16="http://schemas.microsoft.com/office/drawing/2014/main" id="{74137762-9657-4688-AB4F-CEE55A5DEC27}"/>
-              </a:ext>
-            </a:extLst>
-          </p:cNvPr>
-          <p:cNvSpPr>
-            <a:spLocks noGrp="1"/>
-          </p:cNvSpPr>
-          <p:nvPr>
-            <p:ph type="body" idx="1"/>
-          </p:nvPr>
-        </p:nvSpPr>
-        <p:spPr/>
-        <p:txBody>
-          <a:bodyPr>
-            <a:normAutofit/>
-          </a:bodyPr>
-          <a:lstStyle/>
-          <a:p>
-            <a:endParaRPr lang="en-US" altLang="zh-TW" dirty="0"/>
-          </a:p>
-          <a:p>
-            <a:endParaRPr lang="en-US" altLang="zh-TW" dirty="0"/>
-          </a:p>
-          <a:p>
-            <a:endParaRPr lang="en-US" altLang="zh-TW" dirty="0"/>
-          </a:p>
-          <a:p>
-            <a:endParaRPr lang="en-US" altLang="zh-TW" dirty="0"/>
-          </a:p>
-          <a:p>
-            <a:r>
-              <a:rPr lang="zh-TW" altLang="en-US" dirty="0">
-                <a:latin typeface="+mn-lt"/>
-                <a:ea typeface="微軟正黑體" panose="020B0604030504040204" pitchFamily="34" charset="-120"/>
-              </a:rPr>
-              <a:t>我們有三種方法</a:t>
-            </a:r>
-            <a:endParaRPr lang="en-US" altLang="zh-TW" dirty="0">
-              <a:latin typeface="+mn-lt"/>
-              <a:ea typeface="微軟正黑體" panose="020B0604030504040204" pitchFamily="34" charset="-120"/>
-            </a:endParaRPr>
-          </a:p>
-          <a:p>
-            <a:pPr lvl="1"/>
-            <a:r>
-              <a:rPr lang="zh-TW" altLang="zh-TW" dirty="0">
-                <a:latin typeface="+mn-lt"/>
-                <a:ea typeface="微軟正黑體" panose="020B0604030504040204" pitchFamily="34" charset="-120"/>
-              </a:rPr>
-              <a:t>取 TF-IDF</a:t>
-            </a:r>
-            <a:endParaRPr lang="en-US" altLang="zh-TW" dirty="0">
-              <a:latin typeface="+mn-lt"/>
-              <a:ea typeface="微軟正黑體" panose="020B0604030504040204" pitchFamily="34" charset="-120"/>
-            </a:endParaRPr>
-          </a:p>
-          <a:p>
-            <a:pPr lvl="1"/>
-            <a:r>
-              <a:rPr lang="zh-TW" altLang="en-US" dirty="0">
-                <a:latin typeface="+mn-lt"/>
-                <a:ea typeface="微軟正黑體" panose="020B0604030504040204" pitchFamily="34" charset="-120"/>
-              </a:rPr>
-              <a:t>看詞性</a:t>
-            </a:r>
-            <a:endParaRPr lang="en-US" altLang="zh-TW" dirty="0">
-              <a:latin typeface="+mn-lt"/>
-              <a:ea typeface="微軟正黑體" panose="020B0604030504040204" pitchFamily="34" charset="-120"/>
-            </a:endParaRPr>
-          </a:p>
-          <a:p>
-            <a:pPr lvl="1"/>
-            <a:r>
-              <a:rPr lang="zh-TW" altLang="en-US" dirty="0">
-                <a:latin typeface="+mn-lt"/>
-                <a:ea typeface="微軟正黑體" panose="020B0604030504040204" pitchFamily="34" charset="-120"/>
-              </a:rPr>
-              <a:t>看</a:t>
-            </a:r>
-            <a:r>
-              <a:rPr lang="zh-TW" altLang="zh-TW" dirty="0">
-                <a:latin typeface="+mn-lt"/>
-                <a:ea typeface="微軟正黑體" panose="020B0604030504040204" pitchFamily="34" charset="-120"/>
-              </a:rPr>
-              <a:t>「人、事、時、地、物」</a:t>
-            </a:r>
-            <a:endParaRPr lang="en-US" altLang="zh-TW" dirty="0">
-              <a:latin typeface="+mn-lt"/>
-              <a:ea typeface="微軟正黑體" panose="020B0604030504040204" pitchFamily="34" charset="-120"/>
-            </a:endParaRPr>
-          </a:p>
-          <a:p>
-            <a:pPr lvl="1"/>
-            <a:endParaRPr lang="en-US" altLang="zh-TW" dirty="0"/>
-          </a:p>
-        </p:txBody>
-      </p:sp>
-      <p:sp>
-        <p:nvSpPr>
-          <p:cNvPr id="4" name="投影片編號版面配置區 3">
-            <a:extLst>
-              <a:ext uri="{FF2B5EF4-FFF2-40B4-BE49-F238E27FC236}">
-                <a16:creationId xmlns:a16="http://schemas.microsoft.com/office/drawing/2014/main" id="{2205FEBD-BA6E-4497-9864-6CCFC7F733C5}"/>
-              </a:ext>
-            </a:extLst>
-          </p:cNvPr>
-          <p:cNvSpPr>
-            <a:spLocks noGrp="1"/>
-          </p:cNvSpPr>
-          <p:nvPr>
-            <p:ph type="sldNum" idx="12"/>
-          </p:nvPr>
-        </p:nvSpPr>
-        <p:spPr/>
-        <p:txBody>
-          <a:bodyPr/>
-          <a:lstStyle/>
-          <a:p>
-            <a:pPr marL="0" lvl="0" indent="0" algn="r" rtl="0">
-              <a:spcBef>
-                <a:spcPts val="0"/>
-              </a:spcBef>
-              <a:spcAft>
-                <a:spcPts val="0"/>
-              </a:spcAft>
-              <a:buNone/>
-            </a:pPr>
-            <a:fld id="{00000000-1234-1234-1234-123412341234}" type="slidenum">
-              <a:rPr lang="en-US" altLang="zh-TW" smtClean="0"/>
-              <a:t>9</a:t>
-            </a:fld>
-            <a:endParaRPr lang="zh-TW" altLang="en-US"/>
-          </a:p>
-        </p:txBody>
-      </p:sp>
-      <p:pic>
-        <p:nvPicPr>
-          <p:cNvPr id="5" name="圖片 4">
-            <a:extLst>
-              <a:ext uri="{FF2B5EF4-FFF2-40B4-BE49-F238E27FC236}">
-                <a16:creationId xmlns:a16="http://schemas.microsoft.com/office/drawing/2014/main" id="{915089AF-8313-4458-B4E0-1FBC450704F5}"/>
-              </a:ext>
-            </a:extLst>
-          </p:cNvPr>
-          <p:cNvPicPr>
-            <a:picLocks noChangeAspect="1"/>
-          </p:cNvPicPr>
-          <p:nvPr/>
-        </p:nvPicPr>
-        <p:blipFill>
-          <a:blip r:embed="rId2"/>
-          <a:stretch>
-            <a:fillRect/>
-          </a:stretch>
-        </p:blipFill>
-        <p:spPr>
-          <a:xfrm>
-            <a:off x="219242" y="1188825"/>
-            <a:ext cx="10250330" cy="2400635"/>
-          </a:xfrm>
-          <a:prstGeom prst="rect">
-            <a:avLst/>
-          </a:prstGeom>
-        </p:spPr>
-      </p:pic>
-      <p:sp>
-        <p:nvSpPr>
-          <p:cNvPr id="6" name="Rectangle 5">
-            <a:extLst>
-              <a:ext uri="{FF2B5EF4-FFF2-40B4-BE49-F238E27FC236}">
-                <a16:creationId xmlns:a16="http://schemas.microsoft.com/office/drawing/2014/main" id="{BD7C322F-ECAB-4652-B311-759805B879C1}"/>
-              </a:ext>
-            </a:extLst>
-          </p:cNvPr>
-          <p:cNvSpPr/>
-          <p:nvPr/>
-        </p:nvSpPr>
-        <p:spPr>
-          <a:xfrm>
-            <a:off x="1544320" y="6415589"/>
-            <a:ext cx="9961165" cy="432000"/>
-          </a:xfrm>
-          <a:prstGeom prst="rect">
-            <a:avLst/>
-          </a:prstGeom>
-          <a:gradFill flip="none" rotWithShape="1">
-            <a:gsLst>
-              <a:gs pos="0">
-                <a:srgbClr val="20A4D6"/>
-              </a:gs>
-              <a:gs pos="100000">
-                <a:srgbClr val="86D7F3">
-                  <a:shade val="100000"/>
-                  <a:satMod val="115000"/>
-                </a:srgbClr>
-              </a:gs>
-            </a:gsLst>
-            <a:path path="circle">
-              <a:fillToRect l="100000" t="100000"/>
-            </a:path>
-            <a:tileRect r="-100000" b="-100000"/>
-          </a:gradFill>
-          <a:ln>
-            <a:noFill/>
-          </a:ln>
-        </p:spPr>
-        <p:style>
-          <a:lnRef idx="2">
-            <a:schemeClr val="accent1">
-              <a:shade val="50000"/>
-            </a:schemeClr>
-          </a:lnRef>
-          <a:fillRef idx="1">
-            <a:schemeClr val="accent1"/>
-          </a:fillRef>
-          <a:effectRef idx="0">
-            <a:schemeClr val="accent1"/>
-          </a:effectRef>
-          <a:fontRef idx="minor">
-            <a:schemeClr val="lt1"/>
-          </a:fontRef>
-        </p:style>
-        <p:txBody>
-          <a:bodyPr rtlCol="0" anchor="ctr"/>
-          <a:lstStyle/>
-          <a:p>
-            <a:r>
-              <a:rPr lang="zh-TW" altLang="en-US" sz="1100" b="1" dirty="0">
-                <a:solidFill>
-                  <a:schemeClr val="tx1"/>
-                </a:solidFill>
-                <a:latin typeface="微軟正黑體" panose="020B0604030504040204" pitchFamily="34" charset="-120"/>
-                <a:ea typeface="微軟正黑體" panose="020B0604030504040204" pitchFamily="34" charset="-120"/>
-              </a:rPr>
-              <a:t>推動大學程式設計教學計畫。分項六</a:t>
-            </a:r>
-            <a:r>
-              <a:rPr lang="en-US" altLang="zh-TW" sz="1100" b="1" dirty="0">
-                <a:solidFill>
-                  <a:schemeClr val="tx1"/>
-                </a:solidFill>
-                <a:latin typeface="微軟正黑體" panose="020B0604030504040204" pitchFamily="34" charset="-120"/>
-                <a:ea typeface="微軟正黑體" panose="020B0604030504040204" pitchFamily="34" charset="-120"/>
-              </a:rPr>
-              <a:t>:</a:t>
-            </a:r>
-            <a:r>
-              <a:rPr lang="zh-TW" altLang="en-US" sz="1100" b="1" dirty="0">
-                <a:solidFill>
-                  <a:schemeClr val="tx1"/>
-                </a:solidFill>
-                <a:latin typeface="微軟正黑體" panose="020B0604030504040204" pitchFamily="34" charset="-120"/>
-                <a:ea typeface="微軟正黑體" panose="020B0604030504040204" pitchFamily="34" charset="-120"/>
-              </a:rPr>
-              <a:t>資料分析領域與學習評量推動團隊</a:t>
-            </a:r>
-            <a:r>
-              <a:rPr lang="en-US" altLang="zh-TW" sz="1100" b="1" dirty="0">
-                <a:solidFill>
-                  <a:schemeClr val="tx1"/>
-                </a:solidFill>
-                <a:latin typeface="微軟正黑體" panose="020B0604030504040204" pitchFamily="34" charset="-120"/>
-                <a:ea typeface="微軟正黑體" panose="020B0604030504040204" pitchFamily="34" charset="-120"/>
-              </a:rPr>
-              <a:t>(</a:t>
-            </a:r>
-            <a:r>
-              <a:rPr lang="zh-TW" altLang="en-US" sz="1100" b="1" dirty="0">
-                <a:solidFill>
-                  <a:schemeClr val="tx1"/>
-                </a:solidFill>
-                <a:latin typeface="微軟正黑體" panose="020B0604030504040204" pitchFamily="34" charset="-120"/>
-                <a:ea typeface="微軟正黑體" panose="020B0604030504040204" pitchFamily="34" charset="-120"/>
-              </a:rPr>
-              <a:t>王文傑老師主編，林融、蘇洪寬協助編輯</a:t>
-            </a:r>
-            <a:r>
-              <a:rPr lang="en-US" altLang="zh-TW" sz="1100" b="1" dirty="0">
-                <a:solidFill>
-                  <a:schemeClr val="tx1"/>
-                </a:solidFill>
-                <a:latin typeface="微軟正黑體" panose="020B0604030504040204" pitchFamily="34" charset="-120"/>
-                <a:ea typeface="微軟正黑體" panose="020B0604030504040204" pitchFamily="34" charset="-120"/>
-              </a:rPr>
-              <a:t>)</a:t>
-            </a:r>
-            <a:endParaRPr lang="zh-TW" altLang="en-US" sz="1100" b="1" dirty="0">
-              <a:solidFill>
-                <a:schemeClr val="tx1"/>
-              </a:solidFill>
-              <a:latin typeface="微軟正黑體" panose="020B0604030504040204" pitchFamily="34" charset="-120"/>
-              <a:ea typeface="微軟正黑體" panose="020B0604030504040204" pitchFamily="34" charset="-120"/>
-            </a:endParaRPr>
-          </a:p>
-        </p:txBody>
-      </p:sp>
-    </p:spTree>
-    <p:extLst>
-      <p:ext uri="{BB962C8B-B14F-4D97-AF65-F5344CB8AC3E}">
-        <p14:creationId xmlns:p14="http://schemas.microsoft.com/office/powerpoint/2010/main" val="1625552802"/>
       </p:ext>
     </p:extLst>
   </p:cSld>

--- a/week02/文本分析與程式設計Week02.pptx
+++ b/week02/文本分析與程式設計Week02.pptx
@@ -305,7 +305,7 @@
       <p15:sldGuideLst xmlns:p15="http://schemas.microsoft.com/office/powerpoint/2012/main"/>
     </p:ext>
     <p:ext uri="http://customooxmlschemas.google.com/">
-      <go:slidesCustomData xmlns="" xmlns:mc="http://schemas.openxmlformats.org/markup-compatibility/2006" xmlns:mv="urn:schemas-microsoft-com:mac:vml" xmlns:c="http://schemas.openxmlformats.org/drawingml/2006/chart" xmlns:dgm="http://schemas.openxmlformats.org/drawingml/2006/diagram" xmlns:o="urn:schemas-microsoft-com:office:office" xmlns:v="urn:schemas-microsoft-com:vml" xmlns:pvml="urn:schemas-microsoft-com:office:powerpoint" xmlns:com="http://schemas.openxmlformats.org/drawingml/2006/compatibility" xmlns:p14="http://schemas.microsoft.com/office/powerpoint/2010/main" xmlns:p15="http://schemas.microsoft.com/office/powerpoint/2012/main" xmlns:ahyp="http://schemas.microsoft.com/office/drawing/2018/hyperlinkcolor" xmlns:go="http://customooxmlschemas.google.com/" r:id="rId63" roundtripDataSignature="AMtx7mjdcmhsf5qhXmMRw4mkjP7VT7/UtQ=="/>
+      <go:slidesCustomData xmlns:go="http://customooxmlschemas.google.com/" xmlns:ahyp="http://schemas.microsoft.com/office/drawing/2018/hyperlinkcolor" xmlns:p15="http://schemas.microsoft.com/office/powerpoint/2012/main" xmlns:p14="http://schemas.microsoft.com/office/powerpoint/2010/main" xmlns:com="http://schemas.openxmlformats.org/drawingml/2006/compatibility" xmlns:pvml="urn:schemas-microsoft-com:office:powerpoint" xmlns:v="urn:schemas-microsoft-com:vml" xmlns:o="urn:schemas-microsoft-com:office:office" xmlns:dgm="http://schemas.openxmlformats.org/drawingml/2006/diagram" xmlns:c="http://schemas.openxmlformats.org/drawingml/2006/chart" xmlns:mv="urn:schemas-microsoft-com:mac:vml" xmlns:mc="http://schemas.openxmlformats.org/markup-compatibility/2006" xmlns="" r:id="rId63" roundtripDataSignature="AMtx7mjdcmhsf5qhXmMRw4mkjP7VT7/UtQ=="/>
     </p:ext>
   </p:extLst>
 </p:presentation>
@@ -31916,7 +31916,13 @@
               <a:rPr lang="zh-TW" altLang="en-US" dirty="0">
                 <a:ea typeface="微軟正黑體" panose="020B0604030504040204" pitchFamily="34" charset="-120"/>
               </a:rPr>
-              <a:t>會是下週內容</a:t>
+              <a:t>會是下週內容，不過這週會</a:t>
+            </a:r>
+            <a:r>
+              <a:rPr lang="zh-TW" altLang="en-US">
+                <a:ea typeface="微軟正黑體" panose="020B0604030504040204" pitchFamily="34" charset="-120"/>
+              </a:rPr>
+              <a:t>先開始介紹一點</a:t>
             </a:r>
             <a:endParaRPr lang="en-US" altLang="zh-TW" dirty="0">
               <a:latin typeface="+mn-lt"/>

--- a/week02/文本分析與程式設計Week02.pptx
+++ b/week02/文本分析與程式設計Week02.pptx
@@ -305,7 +305,7 @@
       <p15:sldGuideLst xmlns:p15="http://schemas.microsoft.com/office/powerpoint/2012/main"/>
     </p:ext>
     <p:ext uri="http://customooxmlschemas.google.com/">
-      <go:slidesCustomData xmlns:go="http://customooxmlschemas.google.com/" xmlns:ahyp="http://schemas.microsoft.com/office/drawing/2018/hyperlinkcolor" xmlns:p15="http://schemas.microsoft.com/office/powerpoint/2012/main" xmlns:p14="http://schemas.microsoft.com/office/powerpoint/2010/main" xmlns:com="http://schemas.openxmlformats.org/drawingml/2006/compatibility" xmlns:pvml="urn:schemas-microsoft-com:office:powerpoint" xmlns:v="urn:schemas-microsoft-com:vml" xmlns:o="urn:schemas-microsoft-com:office:office" xmlns:dgm="http://schemas.openxmlformats.org/drawingml/2006/diagram" xmlns:c="http://schemas.openxmlformats.org/drawingml/2006/chart" xmlns:mv="urn:schemas-microsoft-com:mac:vml" xmlns:mc="http://schemas.openxmlformats.org/markup-compatibility/2006" xmlns="" r:id="rId63" roundtripDataSignature="AMtx7mjdcmhsf5qhXmMRw4mkjP7VT7/UtQ=="/>
+      <go:slidesCustomData xmlns="" xmlns:mc="http://schemas.openxmlformats.org/markup-compatibility/2006" xmlns:mv="urn:schemas-microsoft-com:mac:vml" xmlns:c="http://schemas.openxmlformats.org/drawingml/2006/chart" xmlns:dgm="http://schemas.openxmlformats.org/drawingml/2006/diagram" xmlns:o="urn:schemas-microsoft-com:office:office" xmlns:v="urn:schemas-microsoft-com:vml" xmlns:pvml="urn:schemas-microsoft-com:office:powerpoint" xmlns:com="http://schemas.openxmlformats.org/drawingml/2006/compatibility" xmlns:p14="http://schemas.microsoft.com/office/powerpoint/2010/main" xmlns:p15="http://schemas.microsoft.com/office/powerpoint/2012/main" xmlns:ahyp="http://schemas.microsoft.com/office/drawing/2018/hyperlinkcolor" xmlns:go="http://customooxmlschemas.google.com/" r:id="rId63" roundtripDataSignature="AMtx7mjdcmhsf5qhXmMRw4mkjP7VT7/UtQ=="/>
     </p:ext>
   </p:extLst>
 </p:presentation>
@@ -13417,7 +13417,10 @@
               <a:buSzPts val="4000"/>
               <a:buFont typeface="Trebuchet MS"/>
               <a:buNone/>
-              <a:defRPr sz="4000"/>
+              <a:defRPr sz="4000">
+                <a:latin typeface="+mn-lt"/>
+                <a:ea typeface="微軟正黑體" panose="020B0604030504040204" pitchFamily="34" charset="-120"/>
+              </a:defRPr>
             </a:lvl1pPr>
             <a:lvl2pPr lvl="1" algn="l">
               <a:spcBef>
@@ -13510,10 +13513,10 @@
           </a:lstStyle>
           <a:p>
             <a:r>
-              <a:rPr lang="en-US" altLang="zh-TW"/>
+              <a:rPr lang="en-US" altLang="zh-TW" dirty="0"/>
               <a:t>Click to edit Master title style</a:t>
             </a:r>
-            <a:endParaRPr/>
+            <a:endParaRPr dirty="0"/>
           </a:p>
         </p:txBody>
       </p:sp>
@@ -13554,7 +13557,10 @@
               </a:spcAft>
               <a:buSzPts val="1440"/>
               <a:buChar char="►"/>
-              <a:defRPr/>
+              <a:defRPr>
+                <a:latin typeface="+mn-lt"/>
+                <a:ea typeface="微軟正黑體" panose="020B0604030504040204" pitchFamily="34" charset="-120"/>
+              </a:defRPr>
             </a:lvl1pPr>
             <a:lvl2pPr marL="914400" lvl="1" indent="-320040" algn="l">
               <a:spcBef>
@@ -13648,7 +13654,7 @@
           <a:p>
             <a:pPr lvl="0"/>
             <a:r>
-              <a:rPr lang="en-US" altLang="zh-TW"/>
+              <a:rPr lang="en-US" altLang="zh-TW" dirty="0"/>
               <a:t>Edit Master text styles</a:t>
             </a:r>
           </a:p>
@@ -22562,6 +22568,8 @@
                 <a:solidFill>
                   <a:srgbClr val="226292"/>
                 </a:solidFill>
+                <a:latin typeface="微軟正黑體" panose="020B0604030504040204" pitchFamily="34" charset="-120"/>
+                <a:ea typeface="微軟正黑體" panose="020B0604030504040204" pitchFamily="34" charset="-120"/>
               </a:rPr>
               <a:t>文本分析與程式設計</a:t>
             </a:r>
@@ -22570,6 +22578,8 @@
                 <a:solidFill>
                   <a:srgbClr val="226292"/>
                 </a:solidFill>
+                <a:latin typeface="微軟正黑體" panose="020B0604030504040204" pitchFamily="34" charset="-120"/>
+                <a:ea typeface="微軟正黑體" panose="020B0604030504040204" pitchFamily="34" charset="-120"/>
               </a:rPr>
             </a:br>
             <a:r>
@@ -22577,6 +22587,8 @@
                 <a:solidFill>
                   <a:srgbClr val="226292"/>
                 </a:solidFill>
+                <a:latin typeface="微軟正黑體" panose="020B0604030504040204" pitchFamily="34" charset="-120"/>
+                <a:ea typeface="微軟正黑體" panose="020B0604030504040204" pitchFamily="34" charset="-120"/>
               </a:rPr>
               <a:t>Week02</a:t>
             </a:r>
@@ -22584,6 +22596,8 @@
               <a:solidFill>
                 <a:srgbClr val="226292"/>
               </a:solidFill>
+              <a:latin typeface="微軟正黑體" panose="020B0604030504040204" pitchFamily="34" charset="-120"/>
+              <a:ea typeface="微軟正黑體" panose="020B0604030504040204" pitchFamily="34" charset="-120"/>
             </a:endParaRPr>
           </a:p>
         </p:txBody>
@@ -22624,7 +22638,10 @@
               <a:buSzPts val="1920"/>
             </a:pPr>
             <a:r>
-              <a:rPr lang="zh-TW" altLang="en-US" sz="2400" b="1" dirty="0"/>
+              <a:rPr lang="zh-TW" altLang="en-US" sz="2400" b="1" dirty="0">
+                <a:latin typeface="微軟正黑體" panose="020B0604030504040204" pitchFamily="34" charset="-120"/>
+                <a:ea typeface="微軟正黑體" panose="020B0604030504040204" pitchFamily="34" charset="-120"/>
+              </a:rPr>
               <a:t>本課程由卓騰語言科技贊助</a:t>
             </a:r>
           </a:p>
@@ -27464,7 +27481,9 @@
         </p:nvSpPr>
         <p:spPr/>
         <p:txBody>
-          <a:bodyPr/>
+          <a:bodyPr>
+            <a:normAutofit lnSpcReduction="10000"/>
+          </a:bodyPr>
           <a:lstStyle/>
           <a:p>
             <a:r>
@@ -27486,6 +27505,60 @@
               <a:rPr lang="zh-TW" altLang="en-US" dirty="0"/>
               <a:t> 如何使用不同的工具來輔助你找到特徵詞</a:t>
             </a:r>
+            <a:endParaRPr lang="en-US" altLang="zh-TW" dirty="0"/>
+          </a:p>
+          <a:p>
+            <a:endParaRPr lang="en-US" altLang="zh-TW" dirty="0"/>
+          </a:p>
+          <a:p>
+            <a:endParaRPr lang="en-US" altLang="zh-TW" dirty="0"/>
+          </a:p>
+          <a:p>
+            <a:endParaRPr lang="en-US" altLang="zh-TW" dirty="0"/>
+          </a:p>
+          <a:p>
+            <a:r>
+              <a:rPr lang="zh-TW" altLang="en-US" dirty="0"/>
+              <a:t>本課程使用的文本是從</a:t>
+            </a:r>
+            <a:endParaRPr lang="en-US" altLang="zh-TW" dirty="0"/>
+          </a:p>
+          <a:p>
+            <a:r>
+              <a:rPr lang="en-US" altLang="zh-TW" dirty="0"/>
+              <a:t>1.</a:t>
+            </a:r>
+            <a:r>
+              <a:rPr lang="zh-TW" altLang="en-US" dirty="0"/>
+              <a:t> </a:t>
+            </a:r>
+            <a:r>
+              <a:rPr lang="en-US" altLang="zh-TW" dirty="0">
+                <a:hlinkClick r:id="rId2"/>
+              </a:rPr>
+              <a:t>https://news-taiwan.xyz/uncategorized/39053.html</a:t>
+            </a:r>
+            <a:endParaRPr lang="en-US" altLang="zh-TW" dirty="0"/>
+          </a:p>
+          <a:p>
+            <a:r>
+              <a:rPr lang="en-US" altLang="zh-TW" dirty="0"/>
+              <a:t>2.</a:t>
+            </a:r>
+            <a:r>
+              <a:rPr lang="zh-TW" altLang="en-US" dirty="0"/>
+              <a:t> </a:t>
+            </a:r>
+            <a:r>
+              <a:rPr lang="en-US" altLang="zh-TW" dirty="0">
+                <a:hlinkClick r:id="rId3"/>
+              </a:rPr>
+              <a:t>https://www.ctwant.com/article/111388</a:t>
+            </a:r>
+            <a:endParaRPr lang="en-US" altLang="zh-TW" dirty="0"/>
+          </a:p>
+          <a:p>
+            <a:endParaRPr lang="zh-TW" altLang="en-US" dirty="0"/>
           </a:p>
         </p:txBody>
       </p:sp>
@@ -30902,7 +30975,15 @@
             <a:pPr lvl="1"/>
             <a:r>
               <a:rPr lang="zh-TW" altLang="en-US" dirty="0"/>
-              <a:t>從以上的練習題，我們會發現，一篇文章如果我們直接只看高頻詞那我們可能會完全不了解這篇文章再講什麼，因為這些高頻詞，很多都是「功能詞」，也就是語法架構的一部分，並非「實詞」，也就是具備比較多「語意」的詞彙</a:t>
+              <a:t>從以上的練習題，我們會發現，一篇文章如果我們直接只看高頻詞那我們可能會完全不了解這篇文章再講什麼，因為這些高頻詞，很多都是「功能詞」，也就是語法架構的一部分，並非「實詞」</a:t>
+            </a:r>
+            <a:r>
+              <a:rPr lang="en-US" altLang="zh-TW" dirty="0"/>
+              <a:t>(content word)</a:t>
+            </a:r>
+            <a:r>
+              <a:rPr lang="zh-TW" altLang="en-US" dirty="0"/>
+              <a:t>，也就是具備比較多「語意」的詞彙</a:t>
             </a:r>
             <a:endParaRPr lang="en-US" altLang="zh-TW" dirty="0"/>
           </a:p>
@@ -31916,13 +31997,7 @@
               <a:rPr lang="zh-TW" altLang="en-US" dirty="0">
                 <a:ea typeface="微軟正黑體" panose="020B0604030504040204" pitchFamily="34" charset="-120"/>
               </a:rPr>
-              <a:t>會是下週內容，不過這週會</a:t>
-            </a:r>
-            <a:r>
-              <a:rPr lang="zh-TW" altLang="en-US">
-                <a:ea typeface="微軟正黑體" panose="020B0604030504040204" pitchFamily="34" charset="-120"/>
-              </a:rPr>
-              <a:t>先開始介紹一點</a:t>
+              <a:t>會是下週內容，不過這週會先開始介紹一點</a:t>
             </a:r>
             <a:endParaRPr lang="en-US" altLang="zh-TW" dirty="0">
               <a:latin typeface="+mn-lt"/>
@@ -32391,7 +32466,15 @@
             </a:r>
             <a:r>
               <a:rPr lang="zh-TW" altLang="en-US" dirty="0"/>
-              <a:t> 可以 </a:t>
+              <a:t> 可以，但是要知道賦予</a:t>
+            </a:r>
+            <a:r>
+              <a:rPr lang="en-US" altLang="zh-TW" dirty="0"/>
+              <a:t>TF-IDF </a:t>
+            </a:r>
+            <a:r>
+              <a:rPr lang="zh-TW" altLang="en-US" dirty="0"/>
+              <a:t>意義的理解語言、懂這些字詞意義的你 </a:t>
             </a:r>
             <a:endParaRPr lang="en-US" altLang="zh-TW" dirty="0"/>
           </a:p>
@@ -32749,7 +32832,7 @@
             </a:r>
             <a:r>
               <a:rPr lang="zh-TW" altLang="en-US" dirty="0"/>
-              <a:t> 可能不行</a:t>
+              <a:t> 可能不具什麼特別意義</a:t>
             </a:r>
             <a:endParaRPr lang="en-US" altLang="zh-TW" dirty="0"/>
           </a:p>
@@ -33077,6 +33160,52 @@
             <a:r>
               <a:rPr lang="zh-TW" altLang="en-US" dirty="0"/>
               <a:t>所計算出來的，其實也頂多算是我們辨別某些文章的特徵，但是是不是這個特徵一定等於整篇文章的大意，並不一定</a:t>
+            </a:r>
+            <a:endParaRPr lang="en-US" altLang="zh-TW" dirty="0"/>
+          </a:p>
+          <a:p>
+            <a:r>
+              <a:rPr lang="zh-TW" altLang="en-US" dirty="0"/>
+              <a:t>所以當我們在理解</a:t>
+            </a:r>
+            <a:r>
+              <a:rPr lang="en-US" altLang="zh-TW" dirty="0"/>
+              <a:t>TF-IDF </a:t>
+            </a:r>
+            <a:r>
+              <a:rPr lang="zh-TW" altLang="en-US" dirty="0"/>
+              <a:t>的內容時，我們需要清楚</a:t>
+            </a:r>
+            <a:r>
+              <a:rPr lang="en-US" altLang="zh-TW" dirty="0"/>
+              <a:t>TF-IDF</a:t>
+            </a:r>
+            <a:r>
+              <a:rPr lang="zh-TW" altLang="en-US" dirty="0"/>
+              <a:t>的原理，以及分清楚我們想要透過文本分析想要分析什麼內容</a:t>
+            </a:r>
+            <a:endParaRPr lang="en-US" altLang="zh-TW" dirty="0"/>
+          </a:p>
+          <a:p>
+            <a:r>
+              <a:rPr lang="zh-TW" altLang="en-US" dirty="0"/>
+              <a:t>我們需要清楚理解</a:t>
+            </a:r>
+            <a:r>
+              <a:rPr lang="en-US" altLang="zh-TW" dirty="0"/>
+              <a:t>TF-IDF</a:t>
+            </a:r>
+            <a:r>
+              <a:rPr lang="zh-TW" altLang="en-US" dirty="0"/>
+              <a:t>僅是工具，</a:t>
+            </a:r>
+            <a:r>
+              <a:rPr lang="en-US" altLang="zh-TW" dirty="0"/>
+              <a:t>TF-IDF</a:t>
+            </a:r>
+            <a:r>
+              <a:rPr lang="zh-TW" altLang="en-US" dirty="0"/>
+              <a:t>結果其實是不能直接等同於文本解釋</a:t>
             </a:r>
             <a:endParaRPr lang="en-US" altLang="zh-TW" dirty="0"/>
           </a:p>
@@ -44781,7 +44910,9 @@
         </p:nvSpPr>
         <p:spPr/>
         <p:txBody>
-          <a:bodyPr/>
+          <a:bodyPr>
+            <a:normAutofit lnSpcReduction="10000"/>
+          </a:bodyPr>
           <a:lstStyle/>
           <a:p>
             <a:r>
@@ -44797,13 +44928,15 @@
           <a:p>
             <a:r>
               <a:rPr lang="en-US" altLang="zh-TW" dirty="0" err="1">
-                <a:ea typeface="微軟正黑體" panose="020B0604030504040204" pitchFamily="34" charset="-120"/>
+                <a:latin typeface="Courier New" panose="02070309020205020404" pitchFamily="49" charset="0"/>
+                <a:cs typeface="Courier New" panose="02070309020205020404" pitchFamily="49" charset="0"/>
               </a:rPr>
               <a:t>articut.getLocationStemLIST</a:t>
             </a:r>
             <a:r>
               <a:rPr lang="en-US" altLang="zh-TW" dirty="0">
-                <a:ea typeface="微軟正黑體" panose="020B0604030504040204" pitchFamily="34" charset="-120"/>
+                <a:latin typeface="Courier New" panose="02070309020205020404" pitchFamily="49" charset="0"/>
+                <a:cs typeface="Courier New" panose="02070309020205020404" pitchFamily="49" charset="0"/>
               </a:rPr>
               <a:t>() </a:t>
             </a:r>
@@ -44821,15 +44954,23 @@
             </a:r>
             <a:r>
               <a:rPr lang="zh-TW" altLang="zh-TW" dirty="0">
-                <a:ea typeface="微軟正黑體" panose="020B0604030504040204" pitchFamily="34" charset="-120"/>
+                <a:latin typeface="Courier New" panose="02070309020205020404" pitchFamily="49" charset="0"/>
+                <a:cs typeface="Courier New" panose="02070309020205020404" pitchFamily="49" charset="0"/>
               </a:rPr>
               <a:t>articut.getContentWordLIST()</a:t>
             </a:r>
             <a:r>
               <a:rPr lang="zh-TW" altLang="en-US" dirty="0">
-                <a:ea typeface="微軟正黑體" panose="020B0604030504040204" pitchFamily="34" charset="-120"/>
-              </a:rPr>
-              <a:t> 和前面取名詞和動詞的方法是一樣的，請嘗試自己摸索使用看看。</a:t>
+                <a:latin typeface="Courier New" panose="02070309020205020404" pitchFamily="49" charset="0"/>
+                <a:cs typeface="Courier New" panose="02070309020205020404" pitchFamily="49" charset="0"/>
+              </a:rPr>
+              <a:t> </a:t>
+            </a:r>
+            <a:r>
+              <a:rPr lang="zh-TW" altLang="en-US" dirty="0">
+                <a:ea typeface="微軟正黑體" panose="020B0604030504040204" pitchFamily="34" charset="-120"/>
+              </a:rPr>
+              <a:t>和前面取名詞和動詞的方法是一樣的，請嘗試自己摸索使用看看。</a:t>
             </a:r>
             <a:endParaRPr lang="en-US" altLang="zh-TW" dirty="0">
               <a:latin typeface="+mn-lt"/>
@@ -44937,10 +45078,16 @@
               <a:t>的</a:t>
             </a:r>
             <a:r>
-              <a:rPr lang="en-US" altLang="zh-TW" dirty="0" err="1"/>
+              <a:rPr lang="en-US" altLang="zh-TW" dirty="0" err="1">
+                <a:latin typeface="Courier New" panose="02070309020205020404" pitchFamily="49" charset="0"/>
+                <a:cs typeface="Courier New" panose="02070309020205020404" pitchFamily="49" charset="0"/>
+              </a:rPr>
               <a:t>resultDICT</a:t>
             </a:r>
-            <a:endParaRPr lang="zh-TW" altLang="en-US" dirty="0"/>
+            <a:endParaRPr lang="zh-TW" altLang="en-US" dirty="0">
+              <a:latin typeface="Courier New" panose="02070309020205020404" pitchFamily="49" charset="0"/>
+              <a:cs typeface="Courier New" panose="02070309020205020404" pitchFamily="49" charset="0"/>
+            </a:endParaRPr>
           </a:p>
         </p:txBody>
       </p:sp>

--- a/week02/文本分析與程式設計Week02.pptx
+++ b/week02/文本分析與程式設計Week02.pptx
@@ -305,7 +305,7 @@
       <p15:sldGuideLst xmlns:p15="http://schemas.microsoft.com/office/powerpoint/2012/main"/>
     </p:ext>
     <p:ext uri="http://customooxmlschemas.google.com/">
-      <go:slidesCustomData xmlns="" xmlns:mc="http://schemas.openxmlformats.org/markup-compatibility/2006" xmlns:mv="urn:schemas-microsoft-com:mac:vml" xmlns:c="http://schemas.openxmlformats.org/drawingml/2006/chart" xmlns:dgm="http://schemas.openxmlformats.org/drawingml/2006/diagram" xmlns:o="urn:schemas-microsoft-com:office:office" xmlns:v="urn:schemas-microsoft-com:vml" xmlns:pvml="urn:schemas-microsoft-com:office:powerpoint" xmlns:com="http://schemas.openxmlformats.org/drawingml/2006/compatibility" xmlns:p14="http://schemas.microsoft.com/office/powerpoint/2010/main" xmlns:p15="http://schemas.microsoft.com/office/powerpoint/2012/main" xmlns:ahyp="http://schemas.microsoft.com/office/drawing/2018/hyperlinkcolor" xmlns:go="http://customooxmlschemas.google.com/" r:id="rId63" roundtripDataSignature="AMtx7mjdcmhsf5qhXmMRw4mkjP7VT7/UtQ=="/>
+      <go:slidesCustomData xmlns:go="http://customooxmlschemas.google.com/" xmlns:ahyp="http://schemas.microsoft.com/office/drawing/2018/hyperlinkcolor" xmlns:p15="http://schemas.microsoft.com/office/powerpoint/2012/main" xmlns:p14="http://schemas.microsoft.com/office/powerpoint/2010/main" xmlns:com="http://schemas.openxmlformats.org/drawingml/2006/compatibility" xmlns:pvml="urn:schemas-microsoft-com:office:powerpoint" xmlns:v="urn:schemas-microsoft-com:vml" xmlns:o="urn:schemas-microsoft-com:office:office" xmlns:dgm="http://schemas.openxmlformats.org/drawingml/2006/diagram" xmlns:c="http://schemas.openxmlformats.org/drawingml/2006/chart" xmlns:mv="urn:schemas-microsoft-com:mac:vml" xmlns:mc="http://schemas.openxmlformats.org/markup-compatibility/2006" xmlns="" r:id="rId63" roundtripDataSignature="AMtx7mjdcmhsf5qhXmMRw4mkjP7VT7/UtQ=="/>
     </p:ext>
   </p:extLst>
 </p:presentation>
@@ -27482,7 +27482,7 @@
         <p:spPr/>
         <p:txBody>
           <a:bodyPr>
-            <a:normAutofit lnSpcReduction="10000"/>
+            <a:normAutofit fontScale="92500"/>
           </a:bodyPr>
           <a:lstStyle/>
           <a:p>
@@ -27554,6 +27554,22 @@
                 <a:hlinkClick r:id="rId3"/>
               </a:rPr>
               <a:t>https://www.ctwant.com/article/111388</a:t>
+            </a:r>
+            <a:r>
+              <a:rPr lang="zh-TW" altLang="en-US" dirty="0"/>
+              <a:t> </a:t>
+            </a:r>
+            <a:r>
+              <a:rPr lang="en-US" altLang="zh-TW" dirty="0"/>
+              <a:t>(</a:t>
+            </a:r>
+            <a:r>
+              <a:rPr lang="zh-TW" altLang="en-US" dirty="0"/>
+              <a:t>有經過編輯</a:t>
+            </a:r>
+            <a:r>
+              <a:rPr lang="en-US" altLang="zh-TW"/>
+              <a:t>)</a:t>
             </a:r>
             <a:endParaRPr lang="en-US" altLang="zh-TW" dirty="0"/>
           </a:p>
